--- a/Design/Grub Grabber.pptx
+++ b/Design/Grub Grabber.pptx
@@ -5,21 +5,25 @@
     <p:sldMasterId id="2147483648" r:id="rId1"/>
   </p:sldMasterIdLst>
   <p:notesMasterIdLst>
-    <p:notesMasterId r:id="rId14"/>
+    <p:notesMasterId r:id="rId18"/>
   </p:notesMasterIdLst>
   <p:sldIdLst>
     <p:sldId id="256" r:id="rId2"/>
-    <p:sldId id="258" r:id="rId3"/>
-    <p:sldId id="262" r:id="rId4"/>
-    <p:sldId id="257" r:id="rId5"/>
-    <p:sldId id="264" r:id="rId6"/>
-    <p:sldId id="259" r:id="rId7"/>
-    <p:sldId id="261" r:id="rId8"/>
-    <p:sldId id="265" r:id="rId9"/>
-    <p:sldId id="266" r:id="rId10"/>
-    <p:sldId id="267" r:id="rId11"/>
-    <p:sldId id="260" r:id="rId12"/>
-    <p:sldId id="263" r:id="rId13"/>
+    <p:sldId id="270" r:id="rId3"/>
+    <p:sldId id="258" r:id="rId4"/>
+    <p:sldId id="262" r:id="rId5"/>
+    <p:sldId id="257" r:id="rId6"/>
+    <p:sldId id="264" r:id="rId7"/>
+    <p:sldId id="259" r:id="rId8"/>
+    <p:sldId id="269" r:id="rId9"/>
+    <p:sldId id="268" r:id="rId10"/>
+    <p:sldId id="261" r:id="rId11"/>
+    <p:sldId id="265" r:id="rId12"/>
+    <p:sldId id="266" r:id="rId13"/>
+    <p:sldId id="267" r:id="rId14"/>
+    <p:sldId id="271" r:id="rId15"/>
+    <p:sldId id="260" r:id="rId16"/>
+    <p:sldId id="263" r:id="rId17"/>
   </p:sldIdLst>
   <p:sldSz cx="9144000" cy="6858000" type="screen4x3"/>
   <p:notesSz cx="6858000" cy="9144000"/>
@@ -118,6 +122,22 @@
       </a:defRPr>
     </a:lvl9pPr>
   </p:defaultTextStyle>
+  <p:extLst>
+    <p:ext uri="{EFAFB233-063F-42B5-8137-9DF3F51BA10A}">
+      <p15:sldGuideLst xmlns:p15="http://schemas.microsoft.com/office/powerpoint/2012/main">
+        <p15:guide id="1" orient="horz" pos="2160">
+          <p15:clr>
+            <a:srgbClr val="A4A3A4"/>
+          </p15:clr>
+        </p15:guide>
+        <p15:guide id="2" pos="2880">
+          <p15:clr>
+            <a:srgbClr val="A4A3A4"/>
+          </p15:clr>
+        </p15:guide>
+      </p15:sldGuideLst>
+    </p:ext>
+  </p:extLst>
 </p:presentation>
 </file>
 
@@ -170,7 +190,7 @@
             </a:lvl1pPr>
           </a:lstStyle>
           <a:p>
-            <a:endParaRPr lang="en-GB"/>
+            <a:endParaRPr lang="en-GB" dirty="0"/>
           </a:p>
         </p:txBody>
       </p:sp>
@@ -203,9 +223,9 @@
           <a:p>
             <a:fld id="{DA380F1E-03E0-4293-A013-C0635E00A1D8}" type="datetimeFigureOut">
               <a:rPr lang="en-GB" smtClean="0"/>
-              <a:t>19/02/2015</a:t>
+              <a:t>24/02/2015</a:t>
             </a:fld>
-            <a:endParaRPr lang="en-GB"/>
+            <a:endParaRPr lang="en-GB" dirty="0"/>
           </a:p>
         </p:txBody>
       </p:sp>
@@ -238,7 +258,7 @@
           <a:bodyPr vert="horz" lIns="91440" tIns="45720" rIns="91440" bIns="45720" rtlCol="0" anchor="ctr"/>
           <a:lstStyle/>
           <a:p>
-            <a:endParaRPr lang="en-GB"/>
+            <a:endParaRPr lang="en-GB" dirty="0"/>
           </a:p>
         </p:txBody>
       </p:sp>
@@ -331,7 +351,7 @@
             </a:lvl1pPr>
           </a:lstStyle>
           <a:p>
-            <a:endParaRPr lang="en-GB"/>
+            <a:endParaRPr lang="en-GB" dirty="0"/>
           </a:p>
         </p:txBody>
       </p:sp>
@@ -366,11 +386,16 @@
               <a:rPr lang="en-GB" smtClean="0"/>
               <a:t>‹#›</a:t>
             </a:fld>
-            <a:endParaRPr lang="en-GB"/>
+            <a:endParaRPr lang="en-GB" dirty="0"/>
           </a:p>
         </p:txBody>
       </p:sp>
     </p:spTree>
+    <p:extLst>
+      <p:ext uri="{BB962C8B-B14F-4D97-AF65-F5344CB8AC3E}">
+        <p14:creationId xmlns:p14="http://schemas.microsoft.com/office/powerpoint/2010/main" val="3010035638"/>
+      </p:ext>
+    </p:extLst>
   </p:cSld>
   <p:clrMap bg1="lt1" tx1="dk1" bg2="lt2" tx2="dk2" accent1="accent1" accent2="accent2" accent3="accent3" accent4="accent4" accent5="accent5" accent6="accent6" hlink="hlink" folHlink="folHlink"/>
   <p:notesStyle>
@@ -509,11 +534,189 @@
         </p:nvSpPr>
         <p:spPr/>
         <p:txBody>
-          <a:bodyPr>
-            <a:normAutofit/>
-          </a:bodyPr>
-          <a:lstStyle/>
-          <a:p>
+          <a:bodyPr/>
+          <a:lstStyle/>
+          <a:p>
+            <a:r>
+              <a:rPr lang="en-GB" dirty="0" smtClean="0"/>
+              <a:t>Callum</a:t>
+            </a:r>
+            <a:endParaRPr lang="en-GB" dirty="0"/>
+          </a:p>
+        </p:txBody>
+      </p:sp>
+      <p:sp>
+        <p:nvSpPr>
+          <p:cNvPr id="4" name="Slide Number Placeholder 3"/>
+          <p:cNvSpPr>
+            <a:spLocks noGrp="1"/>
+          </p:cNvSpPr>
+          <p:nvPr>
+            <p:ph type="sldNum" sz="quarter" idx="10"/>
+          </p:nvPr>
+        </p:nvSpPr>
+        <p:spPr/>
+        <p:txBody>
+          <a:bodyPr/>
+          <a:lstStyle/>
+          <a:p>
+            <a:fld id="{7ED94077-CADF-4DF2-B5D6-0B754EB0F5CF}" type="slidenum">
+              <a:rPr lang="en-GB" smtClean="0"/>
+              <a:t>1</a:t>
+            </a:fld>
+            <a:endParaRPr lang="en-GB" dirty="0"/>
+          </a:p>
+        </p:txBody>
+      </p:sp>
+    </p:spTree>
+    <p:extLst>
+      <p:ext uri="{BB962C8B-B14F-4D97-AF65-F5344CB8AC3E}">
+        <p14:creationId xmlns:p14="http://schemas.microsoft.com/office/powerpoint/2010/main" val="1493431060"/>
+      </p:ext>
+    </p:extLst>
+  </p:cSld>
+  <p:clrMapOvr>
+    <a:masterClrMapping/>
+  </p:clrMapOvr>
+</p:notes>
+</file>
+
+<file path=ppt/notesSlides/notesSlide10.xml><?xml version="1.0" encoding="utf-8"?>
+<p:notes xmlns:a="http://schemas.openxmlformats.org/drawingml/2006/main" xmlns:r="http://schemas.openxmlformats.org/officeDocument/2006/relationships" xmlns:p="http://schemas.openxmlformats.org/presentationml/2006/main">
+  <p:cSld>
+    <p:spTree>
+      <p:nvGrpSpPr>
+        <p:cNvPr id="1" name=""/>
+        <p:cNvGrpSpPr/>
+        <p:nvPr/>
+      </p:nvGrpSpPr>
+      <p:grpSpPr>
+        <a:xfrm>
+          <a:off x="0" y="0"/>
+          <a:ext cx="0" cy="0"/>
+          <a:chOff x="0" y="0"/>
+          <a:chExt cx="0" cy="0"/>
+        </a:xfrm>
+      </p:grpSpPr>
+      <p:sp>
+        <p:nvSpPr>
+          <p:cNvPr id="2" name="Slide Image Placeholder 1"/>
+          <p:cNvSpPr>
+            <a:spLocks noGrp="1" noRot="1" noChangeAspect="1"/>
+          </p:cNvSpPr>
+          <p:nvPr>
+            <p:ph type="sldImg"/>
+          </p:nvPr>
+        </p:nvSpPr>
+        <p:spPr/>
+      </p:sp>
+      <p:sp>
+        <p:nvSpPr>
+          <p:cNvPr id="3" name="Notes Placeholder 2"/>
+          <p:cNvSpPr>
+            <a:spLocks noGrp="1"/>
+          </p:cNvSpPr>
+          <p:nvPr>
+            <p:ph type="body" idx="1"/>
+          </p:nvPr>
+        </p:nvSpPr>
+        <p:spPr/>
+        <p:txBody>
+          <a:bodyPr/>
+          <a:lstStyle/>
+          <a:p>
+            <a:r>
+              <a:rPr lang="en-GB" dirty="0" smtClean="0"/>
+              <a:t>Jack</a:t>
+            </a:r>
+            <a:endParaRPr lang="en-GB" dirty="0"/>
+          </a:p>
+        </p:txBody>
+      </p:sp>
+      <p:sp>
+        <p:nvSpPr>
+          <p:cNvPr id="4" name="Slide Number Placeholder 3"/>
+          <p:cNvSpPr>
+            <a:spLocks noGrp="1"/>
+          </p:cNvSpPr>
+          <p:nvPr>
+            <p:ph type="sldNum" sz="quarter" idx="10"/>
+          </p:nvPr>
+        </p:nvSpPr>
+        <p:spPr/>
+        <p:txBody>
+          <a:bodyPr/>
+          <a:lstStyle/>
+          <a:p>
+            <a:fld id="{7ED94077-CADF-4DF2-B5D6-0B754EB0F5CF}" type="slidenum">
+              <a:rPr lang="en-GB" smtClean="0"/>
+              <a:t>10</a:t>
+            </a:fld>
+            <a:endParaRPr lang="en-GB" dirty="0"/>
+          </a:p>
+        </p:txBody>
+      </p:sp>
+    </p:spTree>
+    <p:extLst>
+      <p:ext uri="{BB962C8B-B14F-4D97-AF65-F5344CB8AC3E}">
+        <p14:creationId xmlns:p14="http://schemas.microsoft.com/office/powerpoint/2010/main" val="3216789685"/>
+      </p:ext>
+    </p:extLst>
+  </p:cSld>
+  <p:clrMapOvr>
+    <a:masterClrMapping/>
+  </p:clrMapOvr>
+</p:notes>
+</file>
+
+<file path=ppt/notesSlides/notesSlide11.xml><?xml version="1.0" encoding="utf-8"?>
+<p:notes xmlns:a="http://schemas.openxmlformats.org/drawingml/2006/main" xmlns:r="http://schemas.openxmlformats.org/officeDocument/2006/relationships" xmlns:p="http://schemas.openxmlformats.org/presentationml/2006/main">
+  <p:cSld>
+    <p:spTree>
+      <p:nvGrpSpPr>
+        <p:cNvPr id="1" name=""/>
+        <p:cNvGrpSpPr/>
+        <p:nvPr/>
+      </p:nvGrpSpPr>
+      <p:grpSpPr>
+        <a:xfrm>
+          <a:off x="0" y="0"/>
+          <a:ext cx="0" cy="0"/>
+          <a:chOff x="0" y="0"/>
+          <a:chExt cx="0" cy="0"/>
+        </a:xfrm>
+      </p:grpSpPr>
+      <p:sp>
+        <p:nvSpPr>
+          <p:cNvPr id="2" name="Slide Image Placeholder 1"/>
+          <p:cNvSpPr>
+            <a:spLocks noGrp="1" noRot="1" noChangeAspect="1"/>
+          </p:cNvSpPr>
+          <p:nvPr>
+            <p:ph type="sldImg"/>
+          </p:nvPr>
+        </p:nvSpPr>
+        <p:spPr/>
+      </p:sp>
+      <p:sp>
+        <p:nvSpPr>
+          <p:cNvPr id="3" name="Notes Placeholder 2"/>
+          <p:cNvSpPr>
+            <a:spLocks noGrp="1"/>
+          </p:cNvSpPr>
+          <p:nvPr>
+            <p:ph type="body" idx="1"/>
+          </p:nvPr>
+        </p:nvSpPr>
+        <p:spPr/>
+        <p:txBody>
+          <a:bodyPr/>
+          <a:lstStyle/>
+          <a:p>
+            <a:r>
+              <a:rPr lang="en-GB" dirty="0" smtClean="0"/>
+              <a:t>Jack</a:t>
+            </a:r>
             <a:endParaRPr lang="en-GB" dirty="0"/>
           </a:p>
         </p:txBody>
@@ -537,11 +740,1162 @@
               <a:rPr lang="en-GB" smtClean="0"/>
               <a:t>11</a:t>
             </a:fld>
-            <a:endParaRPr lang="en-GB"/>
+            <a:endParaRPr lang="en-GB" dirty="0"/>
           </a:p>
         </p:txBody>
       </p:sp>
     </p:spTree>
+    <p:extLst>
+      <p:ext uri="{BB962C8B-B14F-4D97-AF65-F5344CB8AC3E}">
+        <p14:creationId xmlns:p14="http://schemas.microsoft.com/office/powerpoint/2010/main" val="3157436990"/>
+      </p:ext>
+    </p:extLst>
+  </p:cSld>
+  <p:clrMapOvr>
+    <a:masterClrMapping/>
+  </p:clrMapOvr>
+</p:notes>
+</file>
+
+<file path=ppt/notesSlides/notesSlide12.xml><?xml version="1.0" encoding="utf-8"?>
+<p:notes xmlns:a="http://schemas.openxmlformats.org/drawingml/2006/main" xmlns:r="http://schemas.openxmlformats.org/officeDocument/2006/relationships" xmlns:p="http://schemas.openxmlformats.org/presentationml/2006/main">
+  <p:cSld>
+    <p:spTree>
+      <p:nvGrpSpPr>
+        <p:cNvPr id="1" name=""/>
+        <p:cNvGrpSpPr/>
+        <p:nvPr/>
+      </p:nvGrpSpPr>
+      <p:grpSpPr>
+        <a:xfrm>
+          <a:off x="0" y="0"/>
+          <a:ext cx="0" cy="0"/>
+          <a:chOff x="0" y="0"/>
+          <a:chExt cx="0" cy="0"/>
+        </a:xfrm>
+      </p:grpSpPr>
+      <p:sp>
+        <p:nvSpPr>
+          <p:cNvPr id="2" name="Slide Image Placeholder 1"/>
+          <p:cNvSpPr>
+            <a:spLocks noGrp="1" noRot="1" noChangeAspect="1"/>
+          </p:cNvSpPr>
+          <p:nvPr>
+            <p:ph type="sldImg"/>
+          </p:nvPr>
+        </p:nvSpPr>
+        <p:spPr/>
+      </p:sp>
+      <p:sp>
+        <p:nvSpPr>
+          <p:cNvPr id="3" name="Notes Placeholder 2"/>
+          <p:cNvSpPr>
+            <a:spLocks noGrp="1"/>
+          </p:cNvSpPr>
+          <p:nvPr>
+            <p:ph type="body" idx="1"/>
+          </p:nvPr>
+        </p:nvSpPr>
+        <p:spPr/>
+        <p:txBody>
+          <a:bodyPr/>
+          <a:lstStyle/>
+          <a:p>
+            <a:r>
+              <a:rPr lang="en-GB" dirty="0" smtClean="0"/>
+              <a:t>Jack</a:t>
+            </a:r>
+            <a:endParaRPr lang="en-GB" dirty="0"/>
+          </a:p>
+        </p:txBody>
+      </p:sp>
+      <p:sp>
+        <p:nvSpPr>
+          <p:cNvPr id="4" name="Slide Number Placeholder 3"/>
+          <p:cNvSpPr>
+            <a:spLocks noGrp="1"/>
+          </p:cNvSpPr>
+          <p:nvPr>
+            <p:ph type="sldNum" sz="quarter" idx="10"/>
+          </p:nvPr>
+        </p:nvSpPr>
+        <p:spPr/>
+        <p:txBody>
+          <a:bodyPr/>
+          <a:lstStyle/>
+          <a:p>
+            <a:fld id="{7ED94077-CADF-4DF2-B5D6-0B754EB0F5CF}" type="slidenum">
+              <a:rPr lang="en-GB" smtClean="0"/>
+              <a:t>12</a:t>
+            </a:fld>
+            <a:endParaRPr lang="en-GB" dirty="0"/>
+          </a:p>
+        </p:txBody>
+      </p:sp>
+    </p:spTree>
+    <p:extLst>
+      <p:ext uri="{BB962C8B-B14F-4D97-AF65-F5344CB8AC3E}">
+        <p14:creationId xmlns:p14="http://schemas.microsoft.com/office/powerpoint/2010/main" val="1109699488"/>
+      </p:ext>
+    </p:extLst>
+  </p:cSld>
+  <p:clrMapOvr>
+    <a:masterClrMapping/>
+  </p:clrMapOvr>
+</p:notes>
+</file>
+
+<file path=ppt/notesSlides/notesSlide13.xml><?xml version="1.0" encoding="utf-8"?>
+<p:notes xmlns:a="http://schemas.openxmlformats.org/drawingml/2006/main" xmlns:r="http://schemas.openxmlformats.org/officeDocument/2006/relationships" xmlns:p="http://schemas.openxmlformats.org/presentationml/2006/main">
+  <p:cSld>
+    <p:spTree>
+      <p:nvGrpSpPr>
+        <p:cNvPr id="1" name=""/>
+        <p:cNvGrpSpPr/>
+        <p:nvPr/>
+      </p:nvGrpSpPr>
+      <p:grpSpPr>
+        <a:xfrm>
+          <a:off x="0" y="0"/>
+          <a:ext cx="0" cy="0"/>
+          <a:chOff x="0" y="0"/>
+          <a:chExt cx="0" cy="0"/>
+        </a:xfrm>
+      </p:grpSpPr>
+      <p:sp>
+        <p:nvSpPr>
+          <p:cNvPr id="2" name="Slide Image Placeholder 1"/>
+          <p:cNvSpPr>
+            <a:spLocks noGrp="1" noRot="1" noChangeAspect="1"/>
+          </p:cNvSpPr>
+          <p:nvPr>
+            <p:ph type="sldImg"/>
+          </p:nvPr>
+        </p:nvSpPr>
+        <p:spPr/>
+      </p:sp>
+      <p:sp>
+        <p:nvSpPr>
+          <p:cNvPr id="3" name="Notes Placeholder 2"/>
+          <p:cNvSpPr>
+            <a:spLocks noGrp="1"/>
+          </p:cNvSpPr>
+          <p:nvPr>
+            <p:ph type="body" idx="1"/>
+          </p:nvPr>
+        </p:nvSpPr>
+        <p:spPr/>
+        <p:txBody>
+          <a:bodyPr/>
+          <a:lstStyle/>
+          <a:p>
+            <a:r>
+              <a:rPr lang="en-GB" dirty="0" smtClean="0"/>
+              <a:t>Jack</a:t>
+            </a:r>
+            <a:endParaRPr lang="en-GB" dirty="0"/>
+          </a:p>
+        </p:txBody>
+      </p:sp>
+      <p:sp>
+        <p:nvSpPr>
+          <p:cNvPr id="4" name="Slide Number Placeholder 3"/>
+          <p:cNvSpPr>
+            <a:spLocks noGrp="1"/>
+          </p:cNvSpPr>
+          <p:nvPr>
+            <p:ph type="sldNum" sz="quarter" idx="10"/>
+          </p:nvPr>
+        </p:nvSpPr>
+        <p:spPr/>
+        <p:txBody>
+          <a:bodyPr/>
+          <a:lstStyle/>
+          <a:p>
+            <a:fld id="{7ED94077-CADF-4DF2-B5D6-0B754EB0F5CF}" type="slidenum">
+              <a:rPr lang="en-GB" smtClean="0"/>
+              <a:t>13</a:t>
+            </a:fld>
+            <a:endParaRPr lang="en-GB" dirty="0"/>
+          </a:p>
+        </p:txBody>
+      </p:sp>
+    </p:spTree>
+    <p:extLst>
+      <p:ext uri="{BB962C8B-B14F-4D97-AF65-F5344CB8AC3E}">
+        <p14:creationId xmlns:p14="http://schemas.microsoft.com/office/powerpoint/2010/main" val="4154086979"/>
+      </p:ext>
+    </p:extLst>
+  </p:cSld>
+  <p:clrMapOvr>
+    <a:masterClrMapping/>
+  </p:clrMapOvr>
+</p:notes>
+</file>
+
+<file path=ppt/notesSlides/notesSlide14.xml><?xml version="1.0" encoding="utf-8"?>
+<p:notes xmlns:a="http://schemas.openxmlformats.org/drawingml/2006/main" xmlns:r="http://schemas.openxmlformats.org/officeDocument/2006/relationships" xmlns:p="http://schemas.openxmlformats.org/presentationml/2006/main">
+  <p:cSld>
+    <p:spTree>
+      <p:nvGrpSpPr>
+        <p:cNvPr id="1" name=""/>
+        <p:cNvGrpSpPr/>
+        <p:nvPr/>
+      </p:nvGrpSpPr>
+      <p:grpSpPr>
+        <a:xfrm>
+          <a:off x="0" y="0"/>
+          <a:ext cx="0" cy="0"/>
+          <a:chOff x="0" y="0"/>
+          <a:chExt cx="0" cy="0"/>
+        </a:xfrm>
+      </p:grpSpPr>
+      <p:sp>
+        <p:nvSpPr>
+          <p:cNvPr id="2" name="Slide Image Placeholder 1"/>
+          <p:cNvSpPr>
+            <a:spLocks noGrp="1" noRot="1" noChangeAspect="1"/>
+          </p:cNvSpPr>
+          <p:nvPr>
+            <p:ph type="sldImg"/>
+          </p:nvPr>
+        </p:nvSpPr>
+        <p:spPr/>
+      </p:sp>
+      <p:sp>
+        <p:nvSpPr>
+          <p:cNvPr id="3" name="Notes Placeholder 2"/>
+          <p:cNvSpPr>
+            <a:spLocks noGrp="1"/>
+          </p:cNvSpPr>
+          <p:nvPr>
+            <p:ph type="body" idx="1"/>
+          </p:nvPr>
+        </p:nvSpPr>
+        <p:spPr/>
+        <p:txBody>
+          <a:bodyPr/>
+          <a:lstStyle/>
+          <a:p>
+            <a:r>
+              <a:rPr lang="en-GB" dirty="0" smtClean="0"/>
+              <a:t>Isaac</a:t>
+            </a:r>
+            <a:endParaRPr lang="en-GB" dirty="0"/>
+          </a:p>
+        </p:txBody>
+      </p:sp>
+      <p:sp>
+        <p:nvSpPr>
+          <p:cNvPr id="4" name="Slide Number Placeholder 3"/>
+          <p:cNvSpPr>
+            <a:spLocks noGrp="1"/>
+          </p:cNvSpPr>
+          <p:nvPr>
+            <p:ph type="sldNum" sz="quarter" idx="10"/>
+          </p:nvPr>
+        </p:nvSpPr>
+        <p:spPr/>
+        <p:txBody>
+          <a:bodyPr/>
+          <a:lstStyle/>
+          <a:p>
+            <a:fld id="{7ED94077-CADF-4DF2-B5D6-0B754EB0F5CF}" type="slidenum">
+              <a:rPr lang="en-GB" smtClean="0"/>
+              <a:t>14</a:t>
+            </a:fld>
+            <a:endParaRPr lang="en-GB" dirty="0"/>
+          </a:p>
+        </p:txBody>
+      </p:sp>
+    </p:spTree>
+    <p:extLst>
+      <p:ext uri="{BB962C8B-B14F-4D97-AF65-F5344CB8AC3E}">
+        <p14:creationId xmlns:p14="http://schemas.microsoft.com/office/powerpoint/2010/main" val="1044852234"/>
+      </p:ext>
+    </p:extLst>
+  </p:cSld>
+  <p:clrMapOvr>
+    <a:masterClrMapping/>
+  </p:clrMapOvr>
+</p:notes>
+</file>
+
+<file path=ppt/notesSlides/notesSlide15.xml><?xml version="1.0" encoding="utf-8"?>
+<p:notes xmlns:a="http://schemas.openxmlformats.org/drawingml/2006/main" xmlns:r="http://schemas.openxmlformats.org/officeDocument/2006/relationships" xmlns:p="http://schemas.openxmlformats.org/presentationml/2006/main">
+  <p:cSld>
+    <p:spTree>
+      <p:nvGrpSpPr>
+        <p:cNvPr id="1" name=""/>
+        <p:cNvGrpSpPr/>
+        <p:nvPr/>
+      </p:nvGrpSpPr>
+      <p:grpSpPr>
+        <a:xfrm>
+          <a:off x="0" y="0"/>
+          <a:ext cx="0" cy="0"/>
+          <a:chOff x="0" y="0"/>
+          <a:chExt cx="0" cy="0"/>
+        </a:xfrm>
+      </p:grpSpPr>
+      <p:sp>
+        <p:nvSpPr>
+          <p:cNvPr id="2" name="Slide Image Placeholder 1"/>
+          <p:cNvSpPr>
+            <a:spLocks noGrp="1" noRot="1" noChangeAspect="1"/>
+          </p:cNvSpPr>
+          <p:nvPr>
+            <p:ph type="sldImg"/>
+          </p:nvPr>
+        </p:nvSpPr>
+        <p:spPr/>
+      </p:sp>
+      <p:sp>
+        <p:nvSpPr>
+          <p:cNvPr id="3" name="Notes Placeholder 2"/>
+          <p:cNvSpPr>
+            <a:spLocks noGrp="1"/>
+          </p:cNvSpPr>
+          <p:nvPr>
+            <p:ph type="body" idx="1"/>
+          </p:nvPr>
+        </p:nvSpPr>
+        <p:spPr/>
+        <p:txBody>
+          <a:bodyPr>
+            <a:normAutofit/>
+          </a:bodyPr>
+          <a:lstStyle/>
+          <a:p>
+            <a:r>
+              <a:rPr lang="en-GB" dirty="0" smtClean="0"/>
+              <a:t>Isaac</a:t>
+            </a:r>
+            <a:endParaRPr lang="en-GB" dirty="0"/>
+          </a:p>
+        </p:txBody>
+      </p:sp>
+      <p:sp>
+        <p:nvSpPr>
+          <p:cNvPr id="4" name="Slide Number Placeholder 3"/>
+          <p:cNvSpPr>
+            <a:spLocks noGrp="1"/>
+          </p:cNvSpPr>
+          <p:nvPr>
+            <p:ph type="sldNum" sz="quarter" idx="10"/>
+          </p:nvPr>
+        </p:nvSpPr>
+        <p:spPr/>
+        <p:txBody>
+          <a:bodyPr/>
+          <a:lstStyle/>
+          <a:p>
+            <a:fld id="{7ED94077-CADF-4DF2-B5D6-0B754EB0F5CF}" type="slidenum">
+              <a:rPr lang="en-GB" smtClean="0"/>
+              <a:t>15</a:t>
+            </a:fld>
+            <a:endParaRPr lang="en-GB" dirty="0"/>
+          </a:p>
+        </p:txBody>
+      </p:sp>
+    </p:spTree>
+    <p:extLst>
+      <p:ext uri="{BB962C8B-B14F-4D97-AF65-F5344CB8AC3E}">
+        <p14:creationId xmlns:p14="http://schemas.microsoft.com/office/powerpoint/2010/main" val="3097111140"/>
+      </p:ext>
+    </p:extLst>
+  </p:cSld>
+  <p:clrMapOvr>
+    <a:masterClrMapping/>
+  </p:clrMapOvr>
+</p:notes>
+</file>
+
+<file path=ppt/notesSlides/notesSlide16.xml><?xml version="1.0" encoding="utf-8"?>
+<p:notes xmlns:a="http://schemas.openxmlformats.org/drawingml/2006/main" xmlns:r="http://schemas.openxmlformats.org/officeDocument/2006/relationships" xmlns:p="http://schemas.openxmlformats.org/presentationml/2006/main">
+  <p:cSld>
+    <p:spTree>
+      <p:nvGrpSpPr>
+        <p:cNvPr id="1" name=""/>
+        <p:cNvGrpSpPr/>
+        <p:nvPr/>
+      </p:nvGrpSpPr>
+      <p:grpSpPr>
+        <a:xfrm>
+          <a:off x="0" y="0"/>
+          <a:ext cx="0" cy="0"/>
+          <a:chOff x="0" y="0"/>
+          <a:chExt cx="0" cy="0"/>
+        </a:xfrm>
+      </p:grpSpPr>
+      <p:sp>
+        <p:nvSpPr>
+          <p:cNvPr id="2" name="Slide Image Placeholder 1"/>
+          <p:cNvSpPr>
+            <a:spLocks noGrp="1" noRot="1" noChangeAspect="1"/>
+          </p:cNvSpPr>
+          <p:nvPr>
+            <p:ph type="sldImg"/>
+          </p:nvPr>
+        </p:nvSpPr>
+        <p:spPr/>
+      </p:sp>
+      <p:sp>
+        <p:nvSpPr>
+          <p:cNvPr id="3" name="Notes Placeholder 2"/>
+          <p:cNvSpPr>
+            <a:spLocks noGrp="1"/>
+          </p:cNvSpPr>
+          <p:nvPr>
+            <p:ph type="body" idx="1"/>
+          </p:nvPr>
+        </p:nvSpPr>
+        <p:spPr/>
+        <p:txBody>
+          <a:bodyPr/>
+          <a:lstStyle/>
+          <a:p>
+            <a:r>
+              <a:rPr lang="en-GB" dirty="0" smtClean="0"/>
+              <a:t>Isaac</a:t>
+            </a:r>
+            <a:endParaRPr lang="en-GB" dirty="0"/>
+          </a:p>
+        </p:txBody>
+      </p:sp>
+      <p:sp>
+        <p:nvSpPr>
+          <p:cNvPr id="4" name="Slide Number Placeholder 3"/>
+          <p:cNvSpPr>
+            <a:spLocks noGrp="1"/>
+          </p:cNvSpPr>
+          <p:nvPr>
+            <p:ph type="sldNum" sz="quarter" idx="10"/>
+          </p:nvPr>
+        </p:nvSpPr>
+        <p:spPr/>
+        <p:txBody>
+          <a:bodyPr/>
+          <a:lstStyle/>
+          <a:p>
+            <a:fld id="{7ED94077-CADF-4DF2-B5D6-0B754EB0F5CF}" type="slidenum">
+              <a:rPr lang="en-GB" smtClean="0"/>
+              <a:t>16</a:t>
+            </a:fld>
+            <a:endParaRPr lang="en-GB" dirty="0"/>
+          </a:p>
+        </p:txBody>
+      </p:sp>
+    </p:spTree>
+    <p:extLst>
+      <p:ext uri="{BB962C8B-B14F-4D97-AF65-F5344CB8AC3E}">
+        <p14:creationId xmlns:p14="http://schemas.microsoft.com/office/powerpoint/2010/main" val="928707754"/>
+      </p:ext>
+    </p:extLst>
+  </p:cSld>
+  <p:clrMapOvr>
+    <a:masterClrMapping/>
+  </p:clrMapOvr>
+</p:notes>
+</file>
+
+<file path=ppt/notesSlides/notesSlide2.xml><?xml version="1.0" encoding="utf-8"?>
+<p:notes xmlns:a="http://schemas.openxmlformats.org/drawingml/2006/main" xmlns:r="http://schemas.openxmlformats.org/officeDocument/2006/relationships" xmlns:p="http://schemas.openxmlformats.org/presentationml/2006/main">
+  <p:cSld>
+    <p:spTree>
+      <p:nvGrpSpPr>
+        <p:cNvPr id="1" name=""/>
+        <p:cNvGrpSpPr/>
+        <p:nvPr/>
+      </p:nvGrpSpPr>
+      <p:grpSpPr>
+        <a:xfrm>
+          <a:off x="0" y="0"/>
+          <a:ext cx="0" cy="0"/>
+          <a:chOff x="0" y="0"/>
+          <a:chExt cx="0" cy="0"/>
+        </a:xfrm>
+      </p:grpSpPr>
+      <p:sp>
+        <p:nvSpPr>
+          <p:cNvPr id="2" name="Slide Image Placeholder 1"/>
+          <p:cNvSpPr>
+            <a:spLocks noGrp="1" noRot="1" noChangeAspect="1"/>
+          </p:cNvSpPr>
+          <p:nvPr>
+            <p:ph type="sldImg"/>
+          </p:nvPr>
+        </p:nvSpPr>
+        <p:spPr/>
+      </p:sp>
+      <p:sp>
+        <p:nvSpPr>
+          <p:cNvPr id="3" name="Notes Placeholder 2"/>
+          <p:cNvSpPr>
+            <a:spLocks noGrp="1"/>
+          </p:cNvSpPr>
+          <p:nvPr>
+            <p:ph type="body" idx="1"/>
+          </p:nvPr>
+        </p:nvSpPr>
+        <p:spPr/>
+        <p:txBody>
+          <a:bodyPr/>
+          <a:lstStyle/>
+          <a:p>
+            <a:r>
+              <a:rPr lang="en-GB" dirty="0" smtClean="0"/>
+              <a:t>Callum</a:t>
+            </a:r>
+            <a:endParaRPr lang="en-GB" dirty="0"/>
+          </a:p>
+        </p:txBody>
+      </p:sp>
+      <p:sp>
+        <p:nvSpPr>
+          <p:cNvPr id="4" name="Slide Number Placeholder 3"/>
+          <p:cNvSpPr>
+            <a:spLocks noGrp="1"/>
+          </p:cNvSpPr>
+          <p:nvPr>
+            <p:ph type="sldNum" sz="quarter" idx="10"/>
+          </p:nvPr>
+        </p:nvSpPr>
+        <p:spPr/>
+        <p:txBody>
+          <a:bodyPr/>
+          <a:lstStyle/>
+          <a:p>
+            <a:fld id="{7ED94077-CADF-4DF2-B5D6-0B754EB0F5CF}" type="slidenum">
+              <a:rPr lang="en-GB" smtClean="0"/>
+              <a:t>2</a:t>
+            </a:fld>
+            <a:endParaRPr lang="en-GB" dirty="0"/>
+          </a:p>
+        </p:txBody>
+      </p:sp>
+    </p:spTree>
+    <p:extLst>
+      <p:ext uri="{BB962C8B-B14F-4D97-AF65-F5344CB8AC3E}">
+        <p14:creationId xmlns:p14="http://schemas.microsoft.com/office/powerpoint/2010/main" val="2468198276"/>
+      </p:ext>
+    </p:extLst>
+  </p:cSld>
+  <p:clrMapOvr>
+    <a:masterClrMapping/>
+  </p:clrMapOvr>
+</p:notes>
+</file>
+
+<file path=ppt/notesSlides/notesSlide3.xml><?xml version="1.0" encoding="utf-8"?>
+<p:notes xmlns:a="http://schemas.openxmlformats.org/drawingml/2006/main" xmlns:r="http://schemas.openxmlformats.org/officeDocument/2006/relationships" xmlns:p="http://schemas.openxmlformats.org/presentationml/2006/main">
+  <p:cSld>
+    <p:spTree>
+      <p:nvGrpSpPr>
+        <p:cNvPr id="1" name=""/>
+        <p:cNvGrpSpPr/>
+        <p:nvPr/>
+      </p:nvGrpSpPr>
+      <p:grpSpPr>
+        <a:xfrm>
+          <a:off x="0" y="0"/>
+          <a:ext cx="0" cy="0"/>
+          <a:chOff x="0" y="0"/>
+          <a:chExt cx="0" cy="0"/>
+        </a:xfrm>
+      </p:grpSpPr>
+      <p:sp>
+        <p:nvSpPr>
+          <p:cNvPr id="2" name="Slide Image Placeholder 1"/>
+          <p:cNvSpPr>
+            <a:spLocks noGrp="1" noRot="1" noChangeAspect="1"/>
+          </p:cNvSpPr>
+          <p:nvPr>
+            <p:ph type="sldImg"/>
+          </p:nvPr>
+        </p:nvSpPr>
+        <p:spPr/>
+      </p:sp>
+      <p:sp>
+        <p:nvSpPr>
+          <p:cNvPr id="3" name="Notes Placeholder 2"/>
+          <p:cNvSpPr>
+            <a:spLocks noGrp="1"/>
+          </p:cNvSpPr>
+          <p:nvPr>
+            <p:ph type="body" idx="1"/>
+          </p:nvPr>
+        </p:nvSpPr>
+        <p:spPr/>
+        <p:txBody>
+          <a:bodyPr/>
+          <a:lstStyle/>
+          <a:p>
+            <a:r>
+              <a:rPr lang="en-GB" dirty="0" smtClean="0"/>
+              <a:t>Callum</a:t>
+            </a:r>
+            <a:endParaRPr lang="en-GB" dirty="0"/>
+          </a:p>
+        </p:txBody>
+      </p:sp>
+      <p:sp>
+        <p:nvSpPr>
+          <p:cNvPr id="4" name="Slide Number Placeholder 3"/>
+          <p:cNvSpPr>
+            <a:spLocks noGrp="1"/>
+          </p:cNvSpPr>
+          <p:nvPr>
+            <p:ph type="sldNum" sz="quarter" idx="10"/>
+          </p:nvPr>
+        </p:nvSpPr>
+        <p:spPr/>
+        <p:txBody>
+          <a:bodyPr/>
+          <a:lstStyle/>
+          <a:p>
+            <a:fld id="{7ED94077-CADF-4DF2-B5D6-0B754EB0F5CF}" type="slidenum">
+              <a:rPr lang="en-GB" smtClean="0"/>
+              <a:t>3</a:t>
+            </a:fld>
+            <a:endParaRPr lang="en-GB" dirty="0"/>
+          </a:p>
+        </p:txBody>
+      </p:sp>
+    </p:spTree>
+    <p:extLst>
+      <p:ext uri="{BB962C8B-B14F-4D97-AF65-F5344CB8AC3E}">
+        <p14:creationId xmlns:p14="http://schemas.microsoft.com/office/powerpoint/2010/main" val="2437569344"/>
+      </p:ext>
+    </p:extLst>
+  </p:cSld>
+  <p:clrMapOvr>
+    <a:masterClrMapping/>
+  </p:clrMapOvr>
+</p:notes>
+</file>
+
+<file path=ppt/notesSlides/notesSlide4.xml><?xml version="1.0" encoding="utf-8"?>
+<p:notes xmlns:a="http://schemas.openxmlformats.org/drawingml/2006/main" xmlns:r="http://schemas.openxmlformats.org/officeDocument/2006/relationships" xmlns:p="http://schemas.openxmlformats.org/presentationml/2006/main">
+  <p:cSld>
+    <p:spTree>
+      <p:nvGrpSpPr>
+        <p:cNvPr id="1" name=""/>
+        <p:cNvGrpSpPr/>
+        <p:nvPr/>
+      </p:nvGrpSpPr>
+      <p:grpSpPr>
+        <a:xfrm>
+          <a:off x="0" y="0"/>
+          <a:ext cx="0" cy="0"/>
+          <a:chOff x="0" y="0"/>
+          <a:chExt cx="0" cy="0"/>
+        </a:xfrm>
+      </p:grpSpPr>
+      <p:sp>
+        <p:nvSpPr>
+          <p:cNvPr id="2" name="Slide Image Placeholder 1"/>
+          <p:cNvSpPr>
+            <a:spLocks noGrp="1" noRot="1" noChangeAspect="1"/>
+          </p:cNvSpPr>
+          <p:nvPr>
+            <p:ph type="sldImg"/>
+          </p:nvPr>
+        </p:nvSpPr>
+        <p:spPr/>
+      </p:sp>
+      <p:sp>
+        <p:nvSpPr>
+          <p:cNvPr id="3" name="Notes Placeholder 2"/>
+          <p:cNvSpPr>
+            <a:spLocks noGrp="1"/>
+          </p:cNvSpPr>
+          <p:nvPr>
+            <p:ph type="body" idx="1"/>
+          </p:nvPr>
+        </p:nvSpPr>
+        <p:spPr/>
+        <p:txBody>
+          <a:bodyPr/>
+          <a:lstStyle/>
+          <a:p>
+            <a:r>
+              <a:rPr lang="en-GB" dirty="0" smtClean="0"/>
+              <a:t>Callum</a:t>
+            </a:r>
+            <a:endParaRPr lang="en-GB" dirty="0"/>
+          </a:p>
+        </p:txBody>
+      </p:sp>
+      <p:sp>
+        <p:nvSpPr>
+          <p:cNvPr id="4" name="Slide Number Placeholder 3"/>
+          <p:cNvSpPr>
+            <a:spLocks noGrp="1"/>
+          </p:cNvSpPr>
+          <p:nvPr>
+            <p:ph type="sldNum" sz="quarter" idx="10"/>
+          </p:nvPr>
+        </p:nvSpPr>
+        <p:spPr/>
+        <p:txBody>
+          <a:bodyPr/>
+          <a:lstStyle/>
+          <a:p>
+            <a:fld id="{7ED94077-CADF-4DF2-B5D6-0B754EB0F5CF}" type="slidenum">
+              <a:rPr lang="en-GB" smtClean="0"/>
+              <a:t>4</a:t>
+            </a:fld>
+            <a:endParaRPr lang="en-GB" dirty="0"/>
+          </a:p>
+        </p:txBody>
+      </p:sp>
+    </p:spTree>
+    <p:extLst>
+      <p:ext uri="{BB962C8B-B14F-4D97-AF65-F5344CB8AC3E}">
+        <p14:creationId xmlns:p14="http://schemas.microsoft.com/office/powerpoint/2010/main" val="444679705"/>
+      </p:ext>
+    </p:extLst>
+  </p:cSld>
+  <p:clrMapOvr>
+    <a:masterClrMapping/>
+  </p:clrMapOvr>
+</p:notes>
+</file>
+
+<file path=ppt/notesSlides/notesSlide5.xml><?xml version="1.0" encoding="utf-8"?>
+<p:notes xmlns:a="http://schemas.openxmlformats.org/drawingml/2006/main" xmlns:r="http://schemas.openxmlformats.org/officeDocument/2006/relationships" xmlns:p="http://schemas.openxmlformats.org/presentationml/2006/main">
+  <p:cSld>
+    <p:spTree>
+      <p:nvGrpSpPr>
+        <p:cNvPr id="1" name=""/>
+        <p:cNvGrpSpPr/>
+        <p:nvPr/>
+      </p:nvGrpSpPr>
+      <p:grpSpPr>
+        <a:xfrm>
+          <a:off x="0" y="0"/>
+          <a:ext cx="0" cy="0"/>
+          <a:chOff x="0" y="0"/>
+          <a:chExt cx="0" cy="0"/>
+        </a:xfrm>
+      </p:grpSpPr>
+      <p:sp>
+        <p:nvSpPr>
+          <p:cNvPr id="2" name="Slide Image Placeholder 1"/>
+          <p:cNvSpPr>
+            <a:spLocks noGrp="1" noRot="1" noChangeAspect="1"/>
+          </p:cNvSpPr>
+          <p:nvPr>
+            <p:ph type="sldImg"/>
+          </p:nvPr>
+        </p:nvSpPr>
+        <p:spPr/>
+      </p:sp>
+      <p:sp>
+        <p:nvSpPr>
+          <p:cNvPr id="3" name="Notes Placeholder 2"/>
+          <p:cNvSpPr>
+            <a:spLocks noGrp="1"/>
+          </p:cNvSpPr>
+          <p:nvPr>
+            <p:ph type="body" idx="1"/>
+          </p:nvPr>
+        </p:nvSpPr>
+        <p:spPr/>
+        <p:txBody>
+          <a:bodyPr/>
+          <a:lstStyle/>
+          <a:p>
+            <a:r>
+              <a:rPr lang="en-GB" dirty="0" smtClean="0"/>
+              <a:t>Jack</a:t>
+            </a:r>
+            <a:endParaRPr lang="en-GB" dirty="0"/>
+          </a:p>
+        </p:txBody>
+      </p:sp>
+      <p:sp>
+        <p:nvSpPr>
+          <p:cNvPr id="4" name="Slide Number Placeholder 3"/>
+          <p:cNvSpPr>
+            <a:spLocks noGrp="1"/>
+          </p:cNvSpPr>
+          <p:nvPr>
+            <p:ph type="sldNum" sz="quarter" idx="10"/>
+          </p:nvPr>
+        </p:nvSpPr>
+        <p:spPr/>
+        <p:txBody>
+          <a:bodyPr/>
+          <a:lstStyle/>
+          <a:p>
+            <a:fld id="{7ED94077-CADF-4DF2-B5D6-0B754EB0F5CF}" type="slidenum">
+              <a:rPr lang="en-GB" smtClean="0"/>
+              <a:t>5</a:t>
+            </a:fld>
+            <a:endParaRPr lang="en-GB" dirty="0"/>
+          </a:p>
+        </p:txBody>
+      </p:sp>
+    </p:spTree>
+    <p:extLst>
+      <p:ext uri="{BB962C8B-B14F-4D97-AF65-F5344CB8AC3E}">
+        <p14:creationId xmlns:p14="http://schemas.microsoft.com/office/powerpoint/2010/main" val="3317010638"/>
+      </p:ext>
+    </p:extLst>
+  </p:cSld>
+  <p:clrMapOvr>
+    <a:masterClrMapping/>
+  </p:clrMapOvr>
+</p:notes>
+</file>
+
+<file path=ppt/notesSlides/notesSlide6.xml><?xml version="1.0" encoding="utf-8"?>
+<p:notes xmlns:a="http://schemas.openxmlformats.org/drawingml/2006/main" xmlns:r="http://schemas.openxmlformats.org/officeDocument/2006/relationships" xmlns:p="http://schemas.openxmlformats.org/presentationml/2006/main">
+  <p:cSld>
+    <p:spTree>
+      <p:nvGrpSpPr>
+        <p:cNvPr id="1" name=""/>
+        <p:cNvGrpSpPr/>
+        <p:nvPr/>
+      </p:nvGrpSpPr>
+      <p:grpSpPr>
+        <a:xfrm>
+          <a:off x="0" y="0"/>
+          <a:ext cx="0" cy="0"/>
+          <a:chOff x="0" y="0"/>
+          <a:chExt cx="0" cy="0"/>
+        </a:xfrm>
+      </p:grpSpPr>
+      <p:sp>
+        <p:nvSpPr>
+          <p:cNvPr id="2" name="Slide Image Placeholder 1"/>
+          <p:cNvSpPr>
+            <a:spLocks noGrp="1" noRot="1" noChangeAspect="1"/>
+          </p:cNvSpPr>
+          <p:nvPr>
+            <p:ph type="sldImg"/>
+          </p:nvPr>
+        </p:nvSpPr>
+        <p:spPr/>
+      </p:sp>
+      <p:sp>
+        <p:nvSpPr>
+          <p:cNvPr id="3" name="Notes Placeholder 2"/>
+          <p:cNvSpPr>
+            <a:spLocks noGrp="1"/>
+          </p:cNvSpPr>
+          <p:nvPr>
+            <p:ph type="body" idx="1"/>
+          </p:nvPr>
+        </p:nvSpPr>
+        <p:spPr/>
+        <p:txBody>
+          <a:bodyPr/>
+          <a:lstStyle/>
+          <a:p>
+            <a:r>
+              <a:rPr lang="en-GB" dirty="0" smtClean="0"/>
+              <a:t>Jack</a:t>
+            </a:r>
+            <a:endParaRPr lang="en-GB" dirty="0"/>
+          </a:p>
+        </p:txBody>
+      </p:sp>
+      <p:sp>
+        <p:nvSpPr>
+          <p:cNvPr id="4" name="Slide Number Placeholder 3"/>
+          <p:cNvSpPr>
+            <a:spLocks noGrp="1"/>
+          </p:cNvSpPr>
+          <p:nvPr>
+            <p:ph type="sldNum" sz="quarter" idx="10"/>
+          </p:nvPr>
+        </p:nvSpPr>
+        <p:spPr/>
+        <p:txBody>
+          <a:bodyPr/>
+          <a:lstStyle/>
+          <a:p>
+            <a:fld id="{7ED94077-CADF-4DF2-B5D6-0B754EB0F5CF}" type="slidenum">
+              <a:rPr lang="en-GB" smtClean="0"/>
+              <a:t>6</a:t>
+            </a:fld>
+            <a:endParaRPr lang="en-GB" dirty="0"/>
+          </a:p>
+        </p:txBody>
+      </p:sp>
+    </p:spTree>
+    <p:extLst>
+      <p:ext uri="{BB962C8B-B14F-4D97-AF65-F5344CB8AC3E}">
+        <p14:creationId xmlns:p14="http://schemas.microsoft.com/office/powerpoint/2010/main" val="3862776743"/>
+      </p:ext>
+    </p:extLst>
+  </p:cSld>
+  <p:clrMapOvr>
+    <a:masterClrMapping/>
+  </p:clrMapOvr>
+</p:notes>
+</file>
+
+<file path=ppt/notesSlides/notesSlide7.xml><?xml version="1.0" encoding="utf-8"?>
+<p:notes xmlns:a="http://schemas.openxmlformats.org/drawingml/2006/main" xmlns:r="http://schemas.openxmlformats.org/officeDocument/2006/relationships" xmlns:p="http://schemas.openxmlformats.org/presentationml/2006/main">
+  <p:cSld>
+    <p:spTree>
+      <p:nvGrpSpPr>
+        <p:cNvPr id="1" name=""/>
+        <p:cNvGrpSpPr/>
+        <p:nvPr/>
+      </p:nvGrpSpPr>
+      <p:grpSpPr>
+        <a:xfrm>
+          <a:off x="0" y="0"/>
+          <a:ext cx="0" cy="0"/>
+          <a:chOff x="0" y="0"/>
+          <a:chExt cx="0" cy="0"/>
+        </a:xfrm>
+      </p:grpSpPr>
+      <p:sp>
+        <p:nvSpPr>
+          <p:cNvPr id="2" name="Slide Image Placeholder 1"/>
+          <p:cNvSpPr>
+            <a:spLocks noGrp="1" noRot="1" noChangeAspect="1"/>
+          </p:cNvSpPr>
+          <p:nvPr>
+            <p:ph type="sldImg"/>
+          </p:nvPr>
+        </p:nvSpPr>
+        <p:spPr/>
+      </p:sp>
+      <p:sp>
+        <p:nvSpPr>
+          <p:cNvPr id="3" name="Notes Placeholder 2"/>
+          <p:cNvSpPr>
+            <a:spLocks noGrp="1"/>
+          </p:cNvSpPr>
+          <p:nvPr>
+            <p:ph type="body" idx="1"/>
+          </p:nvPr>
+        </p:nvSpPr>
+        <p:spPr/>
+        <p:txBody>
+          <a:bodyPr/>
+          <a:lstStyle/>
+          <a:p>
+            <a:r>
+              <a:rPr lang="en-GB" dirty="0" smtClean="0"/>
+              <a:t>Ben</a:t>
+            </a:r>
+            <a:endParaRPr lang="en-GB" dirty="0"/>
+          </a:p>
+        </p:txBody>
+      </p:sp>
+      <p:sp>
+        <p:nvSpPr>
+          <p:cNvPr id="4" name="Slide Number Placeholder 3"/>
+          <p:cNvSpPr>
+            <a:spLocks noGrp="1"/>
+          </p:cNvSpPr>
+          <p:nvPr>
+            <p:ph type="sldNum" sz="quarter" idx="10"/>
+          </p:nvPr>
+        </p:nvSpPr>
+        <p:spPr/>
+        <p:txBody>
+          <a:bodyPr/>
+          <a:lstStyle/>
+          <a:p>
+            <a:fld id="{7ED94077-CADF-4DF2-B5D6-0B754EB0F5CF}" type="slidenum">
+              <a:rPr lang="en-GB" smtClean="0"/>
+              <a:t>7</a:t>
+            </a:fld>
+            <a:endParaRPr lang="en-GB" dirty="0"/>
+          </a:p>
+        </p:txBody>
+      </p:sp>
+    </p:spTree>
+    <p:extLst>
+      <p:ext uri="{BB962C8B-B14F-4D97-AF65-F5344CB8AC3E}">
+        <p14:creationId xmlns:p14="http://schemas.microsoft.com/office/powerpoint/2010/main" val="2146867440"/>
+      </p:ext>
+    </p:extLst>
+  </p:cSld>
+  <p:clrMapOvr>
+    <a:masterClrMapping/>
+  </p:clrMapOvr>
+</p:notes>
+</file>
+
+<file path=ppt/notesSlides/notesSlide8.xml><?xml version="1.0" encoding="utf-8"?>
+<p:notes xmlns:a="http://schemas.openxmlformats.org/drawingml/2006/main" xmlns:r="http://schemas.openxmlformats.org/officeDocument/2006/relationships" xmlns:p="http://schemas.openxmlformats.org/presentationml/2006/main">
+  <p:cSld>
+    <p:spTree>
+      <p:nvGrpSpPr>
+        <p:cNvPr id="1" name=""/>
+        <p:cNvGrpSpPr/>
+        <p:nvPr/>
+      </p:nvGrpSpPr>
+      <p:grpSpPr>
+        <a:xfrm>
+          <a:off x="0" y="0"/>
+          <a:ext cx="0" cy="0"/>
+          <a:chOff x="0" y="0"/>
+          <a:chExt cx="0" cy="0"/>
+        </a:xfrm>
+      </p:grpSpPr>
+      <p:sp>
+        <p:nvSpPr>
+          <p:cNvPr id="2" name="Slide Image Placeholder 1"/>
+          <p:cNvSpPr>
+            <a:spLocks noGrp="1" noRot="1" noChangeAspect="1"/>
+          </p:cNvSpPr>
+          <p:nvPr>
+            <p:ph type="sldImg"/>
+          </p:nvPr>
+        </p:nvSpPr>
+        <p:spPr/>
+      </p:sp>
+      <p:sp>
+        <p:nvSpPr>
+          <p:cNvPr id="3" name="Notes Placeholder 2"/>
+          <p:cNvSpPr>
+            <a:spLocks noGrp="1"/>
+          </p:cNvSpPr>
+          <p:nvPr>
+            <p:ph type="body" idx="1"/>
+          </p:nvPr>
+        </p:nvSpPr>
+        <p:spPr/>
+        <p:txBody>
+          <a:bodyPr/>
+          <a:lstStyle/>
+          <a:p>
+            <a:r>
+              <a:rPr lang="en-GB" dirty="0" smtClean="0"/>
+              <a:t>Ben</a:t>
+            </a:r>
+            <a:endParaRPr lang="en-GB" dirty="0"/>
+          </a:p>
+        </p:txBody>
+      </p:sp>
+      <p:sp>
+        <p:nvSpPr>
+          <p:cNvPr id="4" name="Slide Number Placeholder 3"/>
+          <p:cNvSpPr>
+            <a:spLocks noGrp="1"/>
+          </p:cNvSpPr>
+          <p:nvPr>
+            <p:ph type="sldNum" sz="quarter" idx="10"/>
+          </p:nvPr>
+        </p:nvSpPr>
+        <p:spPr/>
+        <p:txBody>
+          <a:bodyPr/>
+          <a:lstStyle/>
+          <a:p>
+            <a:fld id="{7ED94077-CADF-4DF2-B5D6-0B754EB0F5CF}" type="slidenum">
+              <a:rPr lang="en-GB" smtClean="0"/>
+              <a:t>8</a:t>
+            </a:fld>
+            <a:endParaRPr lang="en-GB" dirty="0"/>
+          </a:p>
+        </p:txBody>
+      </p:sp>
+    </p:spTree>
+    <p:extLst>
+      <p:ext uri="{BB962C8B-B14F-4D97-AF65-F5344CB8AC3E}">
+        <p14:creationId xmlns:p14="http://schemas.microsoft.com/office/powerpoint/2010/main" val="623553806"/>
+      </p:ext>
+    </p:extLst>
+  </p:cSld>
+  <p:clrMapOvr>
+    <a:masterClrMapping/>
+  </p:clrMapOvr>
+</p:notes>
+</file>
+
+<file path=ppt/notesSlides/notesSlide9.xml><?xml version="1.0" encoding="utf-8"?>
+<p:notes xmlns:a="http://schemas.openxmlformats.org/drawingml/2006/main" xmlns:r="http://schemas.openxmlformats.org/officeDocument/2006/relationships" xmlns:p="http://schemas.openxmlformats.org/presentationml/2006/main">
+  <p:cSld>
+    <p:spTree>
+      <p:nvGrpSpPr>
+        <p:cNvPr id="1" name=""/>
+        <p:cNvGrpSpPr/>
+        <p:nvPr/>
+      </p:nvGrpSpPr>
+      <p:grpSpPr>
+        <a:xfrm>
+          <a:off x="0" y="0"/>
+          <a:ext cx="0" cy="0"/>
+          <a:chOff x="0" y="0"/>
+          <a:chExt cx="0" cy="0"/>
+        </a:xfrm>
+      </p:grpSpPr>
+      <p:sp>
+        <p:nvSpPr>
+          <p:cNvPr id="2" name="Slide Image Placeholder 1"/>
+          <p:cNvSpPr>
+            <a:spLocks noGrp="1" noRot="1" noChangeAspect="1"/>
+          </p:cNvSpPr>
+          <p:nvPr>
+            <p:ph type="sldImg"/>
+          </p:nvPr>
+        </p:nvSpPr>
+        <p:spPr/>
+      </p:sp>
+      <p:sp>
+        <p:nvSpPr>
+          <p:cNvPr id="3" name="Notes Placeholder 2"/>
+          <p:cNvSpPr>
+            <a:spLocks noGrp="1"/>
+          </p:cNvSpPr>
+          <p:nvPr>
+            <p:ph type="body" idx="1"/>
+          </p:nvPr>
+        </p:nvSpPr>
+        <p:spPr/>
+        <p:txBody>
+          <a:bodyPr/>
+          <a:lstStyle/>
+          <a:p>
+            <a:r>
+              <a:rPr lang="en-GB" dirty="0" smtClean="0"/>
+              <a:t>Ben</a:t>
+            </a:r>
+            <a:endParaRPr lang="en-GB" dirty="0"/>
+          </a:p>
+        </p:txBody>
+      </p:sp>
+      <p:sp>
+        <p:nvSpPr>
+          <p:cNvPr id="4" name="Slide Number Placeholder 3"/>
+          <p:cNvSpPr>
+            <a:spLocks noGrp="1"/>
+          </p:cNvSpPr>
+          <p:nvPr>
+            <p:ph type="sldNum" sz="quarter" idx="10"/>
+          </p:nvPr>
+        </p:nvSpPr>
+        <p:spPr/>
+        <p:txBody>
+          <a:bodyPr/>
+          <a:lstStyle/>
+          <a:p>
+            <a:fld id="{7ED94077-CADF-4DF2-B5D6-0B754EB0F5CF}" type="slidenum">
+              <a:rPr lang="en-GB" smtClean="0"/>
+              <a:t>9</a:t>
+            </a:fld>
+            <a:endParaRPr lang="en-GB" dirty="0"/>
+          </a:p>
+        </p:txBody>
+      </p:sp>
+    </p:spTree>
+    <p:extLst>
+      <p:ext uri="{BB962C8B-B14F-4D97-AF65-F5344CB8AC3E}">
+        <p14:creationId xmlns:p14="http://schemas.microsoft.com/office/powerpoint/2010/main" val="1296493102"/>
+      </p:ext>
+    </p:extLst>
   </p:cSld>
   <p:clrMapOvr>
     <a:masterClrMapping/>
@@ -730,7 +2084,7 @@
           <a:p>
             <a:fld id="{C3FF6CE6-259D-4872-A5CA-E08A0AC05CD2}" type="datetimeFigureOut">
               <a:rPr lang="en-GB" smtClean="0"/>
-              <a:t>19/02/2015</a:t>
+              <a:t>24/02/2015</a:t>
             </a:fld>
             <a:endParaRPr lang="en-GB" dirty="0"/>
           </a:p>
@@ -895,7 +2249,7 @@
           <a:p>
             <a:fld id="{C3FF6CE6-259D-4872-A5CA-E08A0AC05CD2}" type="datetimeFigureOut">
               <a:rPr lang="en-GB" smtClean="0"/>
-              <a:t>19/02/2015</a:t>
+              <a:t>24/02/2015</a:t>
             </a:fld>
             <a:endParaRPr lang="en-GB" dirty="0"/>
           </a:p>
@@ -1070,7 +2424,7 @@
           <a:p>
             <a:fld id="{C3FF6CE6-259D-4872-A5CA-E08A0AC05CD2}" type="datetimeFigureOut">
               <a:rPr lang="en-GB" smtClean="0"/>
-              <a:t>19/02/2015</a:t>
+              <a:t>24/02/2015</a:t>
             </a:fld>
             <a:endParaRPr lang="en-GB" dirty="0"/>
           </a:p>
@@ -1235,7 +2589,7 @@
           <a:p>
             <a:fld id="{C3FF6CE6-259D-4872-A5CA-E08A0AC05CD2}" type="datetimeFigureOut">
               <a:rPr lang="en-GB" smtClean="0"/>
-              <a:t>19/02/2015</a:t>
+              <a:t>24/02/2015</a:t>
             </a:fld>
             <a:endParaRPr lang="en-GB" dirty="0"/>
           </a:p>
@@ -1476,7 +2830,7 @@
           <a:p>
             <a:fld id="{C3FF6CE6-259D-4872-A5CA-E08A0AC05CD2}" type="datetimeFigureOut">
               <a:rPr lang="en-GB" smtClean="0"/>
-              <a:t>19/02/2015</a:t>
+              <a:t>24/02/2015</a:t>
             </a:fld>
             <a:endParaRPr lang="en-GB" dirty="0"/>
           </a:p>
@@ -1759,7 +3113,7 @@
           <a:p>
             <a:fld id="{C3FF6CE6-259D-4872-A5CA-E08A0AC05CD2}" type="datetimeFigureOut">
               <a:rPr lang="en-GB" smtClean="0"/>
-              <a:t>19/02/2015</a:t>
+              <a:t>24/02/2015</a:t>
             </a:fld>
             <a:endParaRPr lang="en-GB" dirty="0"/>
           </a:p>
@@ -2176,7 +3530,7 @@
           <a:p>
             <a:fld id="{C3FF6CE6-259D-4872-A5CA-E08A0AC05CD2}" type="datetimeFigureOut">
               <a:rPr lang="en-GB" smtClean="0"/>
-              <a:t>19/02/2015</a:t>
+              <a:t>24/02/2015</a:t>
             </a:fld>
             <a:endParaRPr lang="en-GB" dirty="0"/>
           </a:p>
@@ -2289,7 +3643,7 @@
           <a:p>
             <a:fld id="{C3FF6CE6-259D-4872-A5CA-E08A0AC05CD2}" type="datetimeFigureOut">
               <a:rPr lang="en-GB" smtClean="0"/>
-              <a:t>19/02/2015</a:t>
+              <a:t>24/02/2015</a:t>
             </a:fld>
             <a:endParaRPr lang="en-GB" dirty="0"/>
           </a:p>
@@ -2379,7 +3733,7 @@
           <a:p>
             <a:fld id="{C3FF6CE6-259D-4872-A5CA-E08A0AC05CD2}" type="datetimeFigureOut">
               <a:rPr lang="en-GB" smtClean="0"/>
-              <a:t>19/02/2015</a:t>
+              <a:t>24/02/2015</a:t>
             </a:fld>
             <a:endParaRPr lang="en-GB" dirty="0"/>
           </a:p>
@@ -2651,7 +4005,7 @@
           <a:p>
             <a:fld id="{C3FF6CE6-259D-4872-A5CA-E08A0AC05CD2}" type="datetimeFigureOut">
               <a:rPr lang="en-GB" smtClean="0"/>
-              <a:t>19/02/2015</a:t>
+              <a:t>24/02/2015</a:t>
             </a:fld>
             <a:endParaRPr lang="en-GB" dirty="0"/>
           </a:p>
@@ -2899,7 +4253,7 @@
           <a:p>
             <a:fld id="{C3FF6CE6-259D-4872-A5CA-E08A0AC05CD2}" type="datetimeFigureOut">
               <a:rPr lang="en-GB" smtClean="0"/>
-              <a:t>19/02/2015</a:t>
+              <a:t>24/02/2015</a:t>
             </a:fld>
             <a:endParaRPr lang="en-GB" dirty="0"/>
           </a:p>
@@ -3107,7 +4461,7 @@
           <a:p>
             <a:fld id="{C3FF6CE6-259D-4872-A5CA-E08A0AC05CD2}" type="datetimeFigureOut">
               <a:rPr lang="en-GB" smtClean="0"/>
-              <a:t>19/02/2015</a:t>
+              <a:t>24/02/2015</a:t>
             </a:fld>
             <a:endParaRPr lang="en-GB" dirty="0"/>
           </a:p>
@@ -3489,23 +4843,20 @@
         </p:nvSpPr>
         <p:spPr>
           <a:xfrm>
-            <a:off x="755576" y="908720"/>
+            <a:off x="755576" y="1052736"/>
             <a:ext cx="7772400" cy="1010543"/>
           </a:xfrm>
         </p:spPr>
         <p:txBody>
           <a:bodyPr>
-            <a:normAutofit fontScale="90000"/>
+            <a:normAutofit/>
           </a:bodyPr>
           <a:lstStyle/>
           <a:p>
             <a:r>
               <a:rPr lang="en-GB" dirty="0" smtClean="0"/>
-              <a:t>Introducing:</a:t>
-            </a:r>
-            <a:br>
-              <a:rPr lang="en-GB" dirty="0" smtClean="0"/>
-            </a:br>
+              <a:t>Introducing…</a:t>
+            </a:r>
             <a:endParaRPr lang="en-GB" dirty="0"/>
           </a:p>
         </p:txBody>
@@ -3522,19 +4873,29 @@
         </p:nvSpPr>
         <p:spPr>
           <a:xfrm>
-            <a:off x="827584" y="3886200"/>
-            <a:ext cx="7560840" cy="1752600"/>
+            <a:off x="827584" y="3356992"/>
+            <a:ext cx="7560840" cy="2281808"/>
           </a:xfrm>
         </p:spPr>
         <p:txBody>
           <a:bodyPr>
-            <a:normAutofit/>
+            <a:normAutofit fontScale="85000" lnSpcReduction="10000"/>
           </a:bodyPr>
           <a:lstStyle/>
           <a:p>
             <a:r>
               <a:rPr lang="en-GB" dirty="0" smtClean="0"/>
-              <a:t>Isaac Jordan, Jack </a:t>
+              <a:t>Isaac </a:t>
+            </a:r>
+            <a:r>
+              <a:rPr lang="en-GB" dirty="0" smtClean="0"/>
+              <a:t>Jordan - 2080466J, </a:t>
+            </a:r>
+          </a:p>
+          <a:p>
+            <a:r>
+              <a:rPr lang="en-GB" dirty="0" smtClean="0"/>
+              <a:t>Jack </a:t>
             </a:r>
             <a:r>
               <a:rPr lang="en-GB" dirty="0" err="1" smtClean="0"/>
@@ -3542,25 +4903,2169 @@
             </a:r>
             <a:r>
               <a:rPr lang="en-GB" dirty="0" smtClean="0"/>
-              <a:t>, </a:t>
-            </a:r>
-          </a:p>
-          <a:p>
-            <a:r>
-              <a:rPr lang="en-GB" dirty="0" err="1" smtClean="0"/>
-              <a:t>Callum</a:t>
-            </a:r>
+              <a:t> - 2062685C,</a:t>
+            </a:r>
+            <a:endParaRPr lang="en-GB" dirty="0" smtClean="0"/>
+          </a:p>
+          <a:p>
             <a:r>
               <a:rPr lang="en-GB" dirty="0" smtClean="0"/>
-              <a:t> Nixon, Ben Jackson</a:t>
-            </a:r>
-          </a:p>
-          <a:p>
+              <a:t>Callum </a:t>
+            </a:r>
             <a:r>
               <a:rPr lang="en-GB" dirty="0" smtClean="0"/>
-              <a:t>Group A4</a:t>
+              <a:t>Nixon – 2072704N, </a:t>
+            </a:r>
+          </a:p>
+          <a:p>
+            <a:r>
+              <a:rPr lang="en-GB" dirty="0" smtClean="0"/>
+              <a:t>Ben Jackson – 2088051J</a:t>
+            </a:r>
+          </a:p>
+          <a:p>
+            <a:r>
+              <a:rPr lang="en-GB" dirty="0" smtClean="0"/>
+              <a:t>Group </a:t>
+            </a:r>
+            <a:r>
+              <a:rPr lang="en-GB" dirty="0" smtClean="0"/>
+              <a:t>A4</a:t>
             </a:r>
             <a:endParaRPr lang="en-GB" dirty="0"/>
+          </a:p>
+        </p:txBody>
+      </p:sp>
+    </p:spTree>
+  </p:cSld>
+  <p:clrMapOvr>
+    <a:masterClrMapping/>
+  </p:clrMapOvr>
+  <p:timing>
+    <p:tnLst>
+      <p:par>
+        <p:cTn id="1" dur="indefinite" restart="never" nodeType="tmRoot"/>
+      </p:par>
+    </p:tnLst>
+  </p:timing>
+</p:sld>
+</file>
+
+<file path=ppt/slides/slide10.xml><?xml version="1.0" encoding="utf-8"?>
+<p:sld xmlns:a="http://schemas.openxmlformats.org/drawingml/2006/main" xmlns:r="http://schemas.openxmlformats.org/officeDocument/2006/relationships" xmlns:p="http://schemas.openxmlformats.org/presentationml/2006/main">
+  <p:cSld>
+    <p:spTree>
+      <p:nvGrpSpPr>
+        <p:cNvPr id="1" name=""/>
+        <p:cNvGrpSpPr/>
+        <p:nvPr/>
+      </p:nvGrpSpPr>
+      <p:grpSpPr>
+        <a:xfrm>
+          <a:off x="0" y="0"/>
+          <a:ext cx="0" cy="0"/>
+          <a:chOff x="0" y="0"/>
+          <a:chExt cx="0" cy="0"/>
+        </a:xfrm>
+      </p:grpSpPr>
+      <p:pic>
+        <p:nvPicPr>
+          <p:cNvPr id="4098" name="Picture 2" descr="https://cloud.githubusercontent.com/assets/3807889/6130912/7236631c-b140-11e4-8590-1cea6a8e46c1.png"/>
+          <p:cNvPicPr>
+            <a:picLocks noChangeAspect="1" noChangeArrowheads="1"/>
+          </p:cNvPicPr>
+          <p:nvPr/>
+        </p:nvPicPr>
+        <p:blipFill>
+          <a:blip r:embed="rId3" cstate="print"/>
+          <a:srcRect/>
+          <a:stretch>
+            <a:fillRect/>
+          </a:stretch>
+        </p:blipFill>
+        <p:spPr bwMode="auto">
+          <a:xfrm>
+            <a:off x="1" y="0"/>
+            <a:ext cx="9144000" cy="6742164"/>
+          </a:xfrm>
+          <a:prstGeom prst="rect">
+            <a:avLst/>
+          </a:prstGeom>
+          <a:noFill/>
+        </p:spPr>
+      </p:pic>
+      <p:sp>
+        <p:nvSpPr>
+          <p:cNvPr id="3" name="Line Callout 1 2"/>
+          <p:cNvSpPr/>
+          <p:nvPr/>
+        </p:nvSpPr>
+        <p:spPr>
+          <a:xfrm>
+            <a:off x="611560" y="2492896"/>
+            <a:ext cx="1728192" cy="1080120"/>
+          </a:xfrm>
+          <a:prstGeom prst="borderCallout1">
+            <a:avLst>
+              <a:gd name="adj1" fmla="val 55032"/>
+              <a:gd name="adj2" fmla="val 99230"/>
+              <a:gd name="adj3" fmla="val -5213"/>
+              <a:gd name="adj4" fmla="val 168638"/>
+            </a:avLst>
+          </a:prstGeom>
+          <a:solidFill>
+            <a:schemeClr val="bg1"/>
+          </a:solidFill>
+          <a:ln>
+            <a:solidFill>
+              <a:schemeClr val="tx1"/>
+            </a:solidFill>
+          </a:ln>
+        </p:spPr>
+        <p:style>
+          <a:lnRef idx="2">
+            <a:schemeClr val="accent1">
+              <a:shade val="50000"/>
+            </a:schemeClr>
+          </a:lnRef>
+          <a:fillRef idx="1">
+            <a:schemeClr val="accent1"/>
+          </a:fillRef>
+          <a:effectRef idx="0">
+            <a:schemeClr val="accent1"/>
+          </a:effectRef>
+          <a:fontRef idx="minor">
+            <a:schemeClr val="lt1"/>
+          </a:fontRef>
+        </p:style>
+        <p:txBody>
+          <a:bodyPr rtlCol="0" anchor="ctr"/>
+          <a:lstStyle/>
+          <a:p>
+            <a:pPr algn="ctr"/>
+            <a:r>
+              <a:rPr lang="en-GB" dirty="0" smtClean="0">
+                <a:solidFill>
+                  <a:schemeClr val="tx1"/>
+                </a:solidFill>
+              </a:rPr>
+              <a:t>Text field for entering current location</a:t>
+            </a:r>
+            <a:endParaRPr lang="en-GB" dirty="0">
+              <a:solidFill>
+                <a:schemeClr val="tx1"/>
+              </a:solidFill>
+            </a:endParaRPr>
+          </a:p>
+        </p:txBody>
+      </p:sp>
+      <p:sp>
+        <p:nvSpPr>
+          <p:cNvPr id="5" name="Line Callout 1 4"/>
+          <p:cNvSpPr/>
+          <p:nvPr/>
+        </p:nvSpPr>
+        <p:spPr>
+          <a:xfrm>
+            <a:off x="7308304" y="2492896"/>
+            <a:ext cx="1728192" cy="1080120"/>
+          </a:xfrm>
+          <a:prstGeom prst="borderCallout1">
+            <a:avLst>
+              <a:gd name="adj1" fmla="val 48582"/>
+              <a:gd name="adj2" fmla="val 463"/>
+              <a:gd name="adj3" fmla="val 147976"/>
+              <a:gd name="adj4" fmla="val -43005"/>
+            </a:avLst>
+          </a:prstGeom>
+          <a:solidFill>
+            <a:schemeClr val="bg1"/>
+          </a:solidFill>
+          <a:ln>
+            <a:solidFill>
+              <a:schemeClr val="tx1"/>
+            </a:solidFill>
+          </a:ln>
+        </p:spPr>
+        <p:style>
+          <a:lnRef idx="2">
+            <a:schemeClr val="accent1">
+              <a:shade val="50000"/>
+            </a:schemeClr>
+          </a:lnRef>
+          <a:fillRef idx="1">
+            <a:schemeClr val="accent1"/>
+          </a:fillRef>
+          <a:effectRef idx="0">
+            <a:schemeClr val="accent1"/>
+          </a:effectRef>
+          <a:fontRef idx="minor">
+            <a:schemeClr val="lt1"/>
+          </a:fontRef>
+        </p:style>
+        <p:txBody>
+          <a:bodyPr rtlCol="0" anchor="ctr"/>
+          <a:lstStyle/>
+          <a:p>
+            <a:pPr algn="ctr"/>
+            <a:r>
+              <a:rPr lang="en-GB" dirty="0" smtClean="0">
+                <a:solidFill>
+                  <a:schemeClr val="tx1"/>
+                </a:solidFill>
+              </a:rPr>
+              <a:t>Only shown if not logged in</a:t>
+            </a:r>
+            <a:endParaRPr lang="en-GB" dirty="0">
+              <a:solidFill>
+                <a:schemeClr val="tx1"/>
+              </a:solidFill>
+            </a:endParaRPr>
+          </a:p>
+        </p:txBody>
+      </p:sp>
+      <p:cxnSp>
+        <p:nvCxnSpPr>
+          <p:cNvPr id="6" name="Straight Connector 5"/>
+          <p:cNvCxnSpPr>
+            <a:endCxn id="5" idx="3"/>
+          </p:cNvCxnSpPr>
+          <p:nvPr/>
+        </p:nvCxnSpPr>
+        <p:spPr>
+          <a:xfrm flipH="1">
+            <a:off x="8172400" y="1124744"/>
+            <a:ext cx="360040" cy="1368152"/>
+          </a:xfrm>
+          <a:prstGeom prst="line">
+            <a:avLst/>
+          </a:prstGeom>
+        </p:spPr>
+        <p:style>
+          <a:lnRef idx="2">
+            <a:schemeClr val="dk1"/>
+          </a:lnRef>
+          <a:fillRef idx="0">
+            <a:schemeClr val="dk1"/>
+          </a:fillRef>
+          <a:effectRef idx="1">
+            <a:schemeClr val="dk1"/>
+          </a:effectRef>
+          <a:fontRef idx="minor">
+            <a:schemeClr val="tx1"/>
+          </a:fontRef>
+        </p:style>
+      </p:cxnSp>
+      <p:sp>
+        <p:nvSpPr>
+          <p:cNvPr id="7" name="Rectangle 6"/>
+          <p:cNvSpPr/>
+          <p:nvPr/>
+        </p:nvSpPr>
+        <p:spPr>
+          <a:xfrm>
+            <a:off x="395536" y="692696"/>
+            <a:ext cx="1368152" cy="216024"/>
+          </a:xfrm>
+          <a:prstGeom prst="rect">
+            <a:avLst/>
+          </a:prstGeom>
+          <a:solidFill>
+            <a:schemeClr val="bg1"/>
+          </a:solidFill>
+          <a:ln>
+            <a:solidFill>
+              <a:schemeClr val="bg1"/>
+            </a:solidFill>
+          </a:ln>
+        </p:spPr>
+        <p:style>
+          <a:lnRef idx="2">
+            <a:schemeClr val="accent1">
+              <a:shade val="50000"/>
+            </a:schemeClr>
+          </a:lnRef>
+          <a:fillRef idx="1">
+            <a:schemeClr val="accent1"/>
+          </a:fillRef>
+          <a:effectRef idx="0">
+            <a:schemeClr val="accent1"/>
+          </a:effectRef>
+          <a:fontRef idx="minor">
+            <a:schemeClr val="lt1"/>
+          </a:fontRef>
+        </p:style>
+        <p:txBody>
+          <a:bodyPr rtlCol="0" anchor="ctr"/>
+          <a:lstStyle/>
+          <a:p>
+            <a:pPr algn="ctr"/>
+            <a:r>
+              <a:rPr lang="en-GB" sz="1600" dirty="0" smtClean="0">
+                <a:solidFill>
+                  <a:schemeClr val="tx1"/>
+                </a:solidFill>
+              </a:rPr>
+              <a:t>Grub Grabber</a:t>
+            </a:r>
+            <a:endParaRPr lang="en-GB" sz="1600" dirty="0">
+              <a:solidFill>
+                <a:schemeClr val="tx1"/>
+              </a:solidFill>
+            </a:endParaRPr>
+          </a:p>
+        </p:txBody>
+      </p:sp>
+    </p:spTree>
+  </p:cSld>
+  <p:clrMapOvr>
+    <a:masterClrMapping/>
+  </p:clrMapOvr>
+  <p:timing>
+    <p:tnLst>
+      <p:par>
+        <p:cTn id="1" dur="indefinite" restart="never" nodeType="tmRoot"/>
+      </p:par>
+    </p:tnLst>
+  </p:timing>
+</p:sld>
+</file>
+
+<file path=ppt/slides/slide11.xml><?xml version="1.0" encoding="utf-8"?>
+<p:sld xmlns:a="http://schemas.openxmlformats.org/drawingml/2006/main" xmlns:r="http://schemas.openxmlformats.org/officeDocument/2006/relationships" xmlns:p="http://schemas.openxmlformats.org/presentationml/2006/main">
+  <p:cSld>
+    <p:spTree>
+      <p:nvGrpSpPr>
+        <p:cNvPr id="1" name=""/>
+        <p:cNvGrpSpPr/>
+        <p:nvPr/>
+      </p:nvGrpSpPr>
+      <p:grpSpPr>
+        <a:xfrm>
+          <a:off x="0" y="0"/>
+          <a:ext cx="0" cy="0"/>
+          <a:chOff x="0" y="0"/>
+          <a:chExt cx="0" cy="0"/>
+        </a:xfrm>
+      </p:grpSpPr>
+      <p:pic>
+        <p:nvPicPr>
+          <p:cNvPr id="22530" name="Picture 2" descr="https://cloud.githubusercontent.com/assets/3807889/6130915/7aab9a62-b140-11e4-8f74-39f30d853599.png"/>
+          <p:cNvPicPr>
+            <a:picLocks noChangeAspect="1" noChangeArrowheads="1"/>
+          </p:cNvPicPr>
+          <p:nvPr/>
+        </p:nvPicPr>
+        <p:blipFill>
+          <a:blip r:embed="rId3" cstate="print"/>
+          <a:srcRect/>
+          <a:stretch>
+            <a:fillRect/>
+          </a:stretch>
+        </p:blipFill>
+        <p:spPr bwMode="auto">
+          <a:xfrm>
+            <a:off x="-25219" y="17445"/>
+            <a:ext cx="9144000" cy="6704339"/>
+          </a:xfrm>
+          <a:prstGeom prst="rect">
+            <a:avLst/>
+          </a:prstGeom>
+          <a:noFill/>
+        </p:spPr>
+      </p:pic>
+      <p:sp>
+        <p:nvSpPr>
+          <p:cNvPr id="3" name="Line Callout 1 2"/>
+          <p:cNvSpPr/>
+          <p:nvPr/>
+        </p:nvSpPr>
+        <p:spPr>
+          <a:xfrm>
+            <a:off x="6444208" y="4941168"/>
+            <a:ext cx="1152128" cy="1512168"/>
+          </a:xfrm>
+          <a:prstGeom prst="borderCallout1">
+            <a:avLst>
+              <a:gd name="adj1" fmla="val -139"/>
+              <a:gd name="adj2" fmla="val 81341"/>
+              <a:gd name="adj3" fmla="val -66374"/>
+              <a:gd name="adj4" fmla="val 124294"/>
+            </a:avLst>
+          </a:prstGeom>
+          <a:solidFill>
+            <a:schemeClr val="bg1"/>
+          </a:solidFill>
+          <a:ln>
+            <a:solidFill>
+              <a:schemeClr val="tx1"/>
+            </a:solidFill>
+          </a:ln>
+        </p:spPr>
+        <p:style>
+          <a:lnRef idx="2">
+            <a:schemeClr val="accent1">
+              <a:shade val="50000"/>
+            </a:schemeClr>
+          </a:lnRef>
+          <a:fillRef idx="1">
+            <a:schemeClr val="accent1"/>
+          </a:fillRef>
+          <a:effectRef idx="0">
+            <a:schemeClr val="accent1"/>
+          </a:effectRef>
+          <a:fontRef idx="minor">
+            <a:schemeClr val="lt1"/>
+          </a:fontRef>
+        </p:style>
+        <p:txBody>
+          <a:bodyPr rtlCol="0" anchor="ctr"/>
+          <a:lstStyle/>
+          <a:p>
+            <a:pPr algn="ctr"/>
+            <a:r>
+              <a:rPr lang="en-GB" dirty="0" smtClean="0">
+                <a:solidFill>
+                  <a:schemeClr val="tx1"/>
+                </a:solidFill>
+              </a:rPr>
+              <a:t>Blacklist a food vendor (requires log-in)</a:t>
+            </a:r>
+            <a:endParaRPr lang="en-GB" dirty="0">
+              <a:solidFill>
+                <a:schemeClr val="tx1"/>
+              </a:solidFill>
+            </a:endParaRPr>
+          </a:p>
+        </p:txBody>
+      </p:sp>
+      <p:sp>
+        <p:nvSpPr>
+          <p:cNvPr id="4" name="Line Callout 1 3"/>
+          <p:cNvSpPr/>
+          <p:nvPr/>
+        </p:nvSpPr>
+        <p:spPr>
+          <a:xfrm>
+            <a:off x="2123728" y="4941168"/>
+            <a:ext cx="1152128" cy="1584176"/>
+          </a:xfrm>
+          <a:prstGeom prst="borderCallout1">
+            <a:avLst>
+              <a:gd name="adj1" fmla="val 149"/>
+              <a:gd name="adj2" fmla="val 71514"/>
+              <a:gd name="adj3" fmla="val -78991"/>
+              <a:gd name="adj4" fmla="val 400186"/>
+            </a:avLst>
+          </a:prstGeom>
+          <a:solidFill>
+            <a:schemeClr val="bg1"/>
+          </a:solidFill>
+          <a:ln>
+            <a:solidFill>
+              <a:schemeClr val="tx1"/>
+            </a:solidFill>
+          </a:ln>
+        </p:spPr>
+        <p:style>
+          <a:lnRef idx="2">
+            <a:schemeClr val="accent1">
+              <a:shade val="50000"/>
+            </a:schemeClr>
+          </a:lnRef>
+          <a:fillRef idx="1">
+            <a:schemeClr val="accent1"/>
+          </a:fillRef>
+          <a:effectRef idx="0">
+            <a:schemeClr val="accent1"/>
+          </a:effectRef>
+          <a:fontRef idx="minor">
+            <a:schemeClr val="lt1"/>
+          </a:fontRef>
+        </p:style>
+        <p:txBody>
+          <a:bodyPr rtlCol="0" anchor="ctr"/>
+          <a:lstStyle/>
+          <a:p>
+            <a:pPr algn="ctr"/>
+            <a:r>
+              <a:rPr lang="en-GB" dirty="0" smtClean="0">
+                <a:solidFill>
+                  <a:schemeClr val="tx1"/>
+                </a:solidFill>
+              </a:rPr>
+              <a:t>Favourite a food vendor </a:t>
+            </a:r>
+            <a:r>
+              <a:rPr lang="en-GB" dirty="0">
+                <a:solidFill>
+                  <a:schemeClr val="tx1"/>
+                </a:solidFill>
+              </a:rPr>
+              <a:t>(requires log-in)</a:t>
+            </a:r>
+          </a:p>
+          <a:p>
+            <a:pPr algn="ctr"/>
+            <a:endParaRPr lang="en-GB" dirty="0">
+              <a:solidFill>
+                <a:schemeClr val="tx1"/>
+              </a:solidFill>
+            </a:endParaRPr>
+          </a:p>
+        </p:txBody>
+      </p:sp>
+      <p:sp>
+        <p:nvSpPr>
+          <p:cNvPr id="5" name="Line Callout 1 4"/>
+          <p:cNvSpPr/>
+          <p:nvPr/>
+        </p:nvSpPr>
+        <p:spPr>
+          <a:xfrm>
+            <a:off x="3563888" y="4941168"/>
+            <a:ext cx="1152128" cy="1546718"/>
+          </a:xfrm>
+          <a:prstGeom prst="borderCallout1">
+            <a:avLst>
+              <a:gd name="adj1" fmla="val 280"/>
+              <a:gd name="adj2" fmla="val 54886"/>
+              <a:gd name="adj3" fmla="val -38992"/>
+              <a:gd name="adj4" fmla="val 177206"/>
+            </a:avLst>
+          </a:prstGeom>
+          <a:solidFill>
+            <a:schemeClr val="bg1"/>
+          </a:solidFill>
+          <a:ln>
+            <a:solidFill>
+              <a:schemeClr val="tx1"/>
+            </a:solidFill>
+          </a:ln>
+        </p:spPr>
+        <p:style>
+          <a:lnRef idx="2">
+            <a:schemeClr val="accent1">
+              <a:shade val="50000"/>
+            </a:schemeClr>
+          </a:lnRef>
+          <a:fillRef idx="1">
+            <a:schemeClr val="accent1"/>
+          </a:fillRef>
+          <a:effectRef idx="0">
+            <a:schemeClr val="accent1"/>
+          </a:effectRef>
+          <a:fontRef idx="minor">
+            <a:schemeClr val="lt1"/>
+          </a:fontRef>
+        </p:style>
+        <p:txBody>
+          <a:bodyPr rtlCol="0" anchor="ctr"/>
+          <a:lstStyle/>
+          <a:p>
+            <a:pPr algn="ctr"/>
+            <a:r>
+              <a:rPr lang="en-GB" dirty="0" smtClean="0">
+                <a:solidFill>
+                  <a:schemeClr val="tx1"/>
+                </a:solidFill>
+              </a:rPr>
+              <a:t>Select a food vendor</a:t>
+            </a:r>
+            <a:endParaRPr lang="en-GB" dirty="0">
+              <a:solidFill>
+                <a:schemeClr val="tx1"/>
+              </a:solidFill>
+            </a:endParaRPr>
+          </a:p>
+        </p:txBody>
+      </p:sp>
+      <p:sp>
+        <p:nvSpPr>
+          <p:cNvPr id="6" name="Line Callout 1 5"/>
+          <p:cNvSpPr/>
+          <p:nvPr/>
+        </p:nvSpPr>
+        <p:spPr>
+          <a:xfrm>
+            <a:off x="5004048" y="4941168"/>
+            <a:ext cx="1152128" cy="1512168"/>
+          </a:xfrm>
+          <a:prstGeom prst="borderCallout1">
+            <a:avLst>
+              <a:gd name="adj1" fmla="val -139"/>
+              <a:gd name="adj2" fmla="val 75294"/>
+              <a:gd name="adj3" fmla="val -37055"/>
+              <a:gd name="adj4" fmla="val 167378"/>
+            </a:avLst>
+          </a:prstGeom>
+          <a:solidFill>
+            <a:schemeClr val="bg1"/>
+          </a:solidFill>
+          <a:ln>
+            <a:solidFill>
+              <a:schemeClr val="tx1"/>
+            </a:solidFill>
+          </a:ln>
+        </p:spPr>
+        <p:style>
+          <a:lnRef idx="2">
+            <a:schemeClr val="accent1">
+              <a:shade val="50000"/>
+            </a:schemeClr>
+          </a:lnRef>
+          <a:fillRef idx="1">
+            <a:schemeClr val="accent1"/>
+          </a:fillRef>
+          <a:effectRef idx="0">
+            <a:schemeClr val="accent1"/>
+          </a:effectRef>
+          <a:fontRef idx="minor">
+            <a:schemeClr val="lt1"/>
+          </a:fontRef>
+        </p:style>
+        <p:txBody>
+          <a:bodyPr rtlCol="0" anchor="ctr"/>
+          <a:lstStyle/>
+          <a:p>
+            <a:pPr algn="ctr"/>
+            <a:r>
+              <a:rPr lang="en-GB" dirty="0" smtClean="0">
+                <a:solidFill>
+                  <a:schemeClr val="tx1"/>
+                </a:solidFill>
+              </a:rPr>
+              <a:t>Dismiss and show next food vendor</a:t>
+            </a:r>
+            <a:endParaRPr lang="en-GB" dirty="0">
+              <a:solidFill>
+                <a:schemeClr val="tx1"/>
+              </a:solidFill>
+            </a:endParaRPr>
+          </a:p>
+        </p:txBody>
+      </p:sp>
+      <p:sp>
+        <p:nvSpPr>
+          <p:cNvPr id="7" name="Line Callout 1 6"/>
+          <p:cNvSpPr/>
+          <p:nvPr/>
+        </p:nvSpPr>
+        <p:spPr>
+          <a:xfrm>
+            <a:off x="7781494" y="4941168"/>
+            <a:ext cx="1152128" cy="1512168"/>
+          </a:xfrm>
+          <a:prstGeom prst="borderCallout1">
+            <a:avLst>
+              <a:gd name="adj1" fmla="val -139"/>
+              <a:gd name="adj2" fmla="val 53374"/>
+              <a:gd name="adj3" fmla="val -104383"/>
+              <a:gd name="adj4" fmla="val 50219"/>
+            </a:avLst>
+          </a:prstGeom>
+          <a:solidFill>
+            <a:schemeClr val="bg1"/>
+          </a:solidFill>
+          <a:ln>
+            <a:solidFill>
+              <a:schemeClr val="tx1"/>
+            </a:solidFill>
+          </a:ln>
+        </p:spPr>
+        <p:style>
+          <a:lnRef idx="2">
+            <a:schemeClr val="accent1">
+              <a:shade val="50000"/>
+            </a:schemeClr>
+          </a:lnRef>
+          <a:fillRef idx="1">
+            <a:schemeClr val="accent1"/>
+          </a:fillRef>
+          <a:effectRef idx="0">
+            <a:schemeClr val="accent1"/>
+          </a:effectRef>
+          <a:fontRef idx="minor">
+            <a:schemeClr val="lt1"/>
+          </a:fontRef>
+        </p:style>
+        <p:txBody>
+          <a:bodyPr rtlCol="0" anchor="ctr"/>
+          <a:lstStyle/>
+          <a:p>
+            <a:pPr algn="ctr"/>
+            <a:r>
+              <a:rPr lang="en-GB" dirty="0" smtClean="0">
+                <a:solidFill>
+                  <a:schemeClr val="tx1"/>
+                </a:solidFill>
+              </a:rPr>
+              <a:t>Tooltip upon hover</a:t>
+            </a:r>
+            <a:endParaRPr lang="en-GB" dirty="0">
+              <a:solidFill>
+                <a:schemeClr val="tx1"/>
+              </a:solidFill>
+            </a:endParaRPr>
+          </a:p>
+        </p:txBody>
+      </p:sp>
+      <p:sp>
+        <p:nvSpPr>
+          <p:cNvPr id="8" name="Rectangle 7"/>
+          <p:cNvSpPr/>
+          <p:nvPr/>
+        </p:nvSpPr>
+        <p:spPr>
+          <a:xfrm>
+            <a:off x="395536" y="692696"/>
+            <a:ext cx="1368152" cy="216024"/>
+          </a:xfrm>
+          <a:prstGeom prst="rect">
+            <a:avLst/>
+          </a:prstGeom>
+          <a:solidFill>
+            <a:schemeClr val="bg1"/>
+          </a:solidFill>
+          <a:ln>
+            <a:solidFill>
+              <a:schemeClr val="bg1"/>
+            </a:solidFill>
+          </a:ln>
+        </p:spPr>
+        <p:style>
+          <a:lnRef idx="2">
+            <a:schemeClr val="accent1">
+              <a:shade val="50000"/>
+            </a:schemeClr>
+          </a:lnRef>
+          <a:fillRef idx="1">
+            <a:schemeClr val="accent1"/>
+          </a:fillRef>
+          <a:effectRef idx="0">
+            <a:schemeClr val="accent1"/>
+          </a:effectRef>
+          <a:fontRef idx="minor">
+            <a:schemeClr val="lt1"/>
+          </a:fontRef>
+        </p:style>
+        <p:txBody>
+          <a:bodyPr rtlCol="0" anchor="ctr"/>
+          <a:lstStyle/>
+          <a:p>
+            <a:pPr algn="ctr"/>
+            <a:r>
+              <a:rPr lang="en-GB" sz="1600" dirty="0" smtClean="0">
+                <a:solidFill>
+                  <a:schemeClr val="tx1"/>
+                </a:solidFill>
+              </a:rPr>
+              <a:t>Grub Grabber</a:t>
+            </a:r>
+            <a:endParaRPr lang="en-GB" sz="1600" dirty="0">
+              <a:solidFill>
+                <a:schemeClr val="tx1"/>
+              </a:solidFill>
+            </a:endParaRPr>
+          </a:p>
+        </p:txBody>
+      </p:sp>
+    </p:spTree>
+  </p:cSld>
+  <p:clrMapOvr>
+    <a:masterClrMapping/>
+  </p:clrMapOvr>
+  <p:timing>
+    <p:tnLst>
+      <p:par>
+        <p:cTn id="1" dur="indefinite" restart="never" nodeType="tmRoot"/>
+      </p:par>
+    </p:tnLst>
+  </p:timing>
+</p:sld>
+</file>
+
+<file path=ppt/slides/slide12.xml><?xml version="1.0" encoding="utf-8"?>
+<p:sld xmlns:a="http://schemas.openxmlformats.org/drawingml/2006/main" xmlns:r="http://schemas.openxmlformats.org/officeDocument/2006/relationships" xmlns:p="http://schemas.openxmlformats.org/presentationml/2006/main">
+  <p:cSld>
+    <p:spTree>
+      <p:nvGrpSpPr>
+        <p:cNvPr id="1" name=""/>
+        <p:cNvGrpSpPr/>
+        <p:nvPr/>
+      </p:nvGrpSpPr>
+      <p:grpSpPr>
+        <a:xfrm>
+          <a:off x="0" y="0"/>
+          <a:ext cx="0" cy="0"/>
+          <a:chOff x="0" y="0"/>
+          <a:chExt cx="0" cy="0"/>
+        </a:xfrm>
+      </p:grpSpPr>
+      <p:pic>
+        <p:nvPicPr>
+          <p:cNvPr id="23554" name="Picture 2" descr="https://cloud.githubusercontent.com/assets/3807889/6130919/80082084-b140-11e4-928c-14ae25975a0a.png"/>
+          <p:cNvPicPr>
+            <a:picLocks noChangeAspect="1" noChangeArrowheads="1"/>
+          </p:cNvPicPr>
+          <p:nvPr/>
+        </p:nvPicPr>
+        <p:blipFill>
+          <a:blip r:embed="rId3" cstate="print"/>
+          <a:srcRect/>
+          <a:stretch>
+            <a:fillRect/>
+          </a:stretch>
+        </p:blipFill>
+        <p:spPr bwMode="auto">
+          <a:xfrm>
+            <a:off x="34861" y="0"/>
+            <a:ext cx="9109139" cy="6669360"/>
+          </a:xfrm>
+          <a:prstGeom prst="rect">
+            <a:avLst/>
+          </a:prstGeom>
+          <a:noFill/>
+        </p:spPr>
+      </p:pic>
+      <p:sp>
+        <p:nvSpPr>
+          <p:cNvPr id="3" name="Line Callout 1 2"/>
+          <p:cNvSpPr/>
+          <p:nvPr/>
+        </p:nvSpPr>
+        <p:spPr>
+          <a:xfrm>
+            <a:off x="4013366" y="4869160"/>
+            <a:ext cx="1152128" cy="1656184"/>
+          </a:xfrm>
+          <a:prstGeom prst="borderCallout1">
+            <a:avLst>
+              <a:gd name="adj1" fmla="val -139"/>
+              <a:gd name="adj2" fmla="val 53374"/>
+              <a:gd name="adj3" fmla="val -56007"/>
+              <a:gd name="adj4" fmla="val 27543"/>
+            </a:avLst>
+          </a:prstGeom>
+          <a:solidFill>
+            <a:schemeClr val="bg1"/>
+          </a:solidFill>
+          <a:ln>
+            <a:solidFill>
+              <a:schemeClr val="tx1"/>
+            </a:solidFill>
+          </a:ln>
+        </p:spPr>
+        <p:style>
+          <a:lnRef idx="2">
+            <a:schemeClr val="accent1">
+              <a:shade val="50000"/>
+            </a:schemeClr>
+          </a:lnRef>
+          <a:fillRef idx="1">
+            <a:schemeClr val="accent1"/>
+          </a:fillRef>
+          <a:effectRef idx="0">
+            <a:schemeClr val="accent1"/>
+          </a:effectRef>
+          <a:fontRef idx="minor">
+            <a:schemeClr val="lt1"/>
+          </a:fontRef>
+        </p:style>
+        <p:txBody>
+          <a:bodyPr rtlCol="0" anchor="ctr"/>
+          <a:lstStyle/>
+          <a:p>
+            <a:pPr algn="ctr"/>
+            <a:r>
+              <a:rPr lang="en-GB" dirty="0" smtClean="0">
+                <a:solidFill>
+                  <a:schemeClr val="tx1"/>
+                </a:solidFill>
+              </a:rPr>
+              <a:t>Map from current location to food vendor</a:t>
+            </a:r>
+            <a:endParaRPr lang="en-GB" dirty="0">
+              <a:solidFill>
+                <a:schemeClr val="tx1"/>
+              </a:solidFill>
+            </a:endParaRPr>
+          </a:p>
+        </p:txBody>
+      </p:sp>
+      <p:sp>
+        <p:nvSpPr>
+          <p:cNvPr id="4" name="Line Callout 1 3"/>
+          <p:cNvSpPr/>
+          <p:nvPr/>
+        </p:nvSpPr>
+        <p:spPr>
+          <a:xfrm>
+            <a:off x="7380312" y="4869160"/>
+            <a:ext cx="1152128" cy="1656184"/>
+          </a:xfrm>
+          <a:prstGeom prst="borderCallout1">
+            <a:avLst>
+              <a:gd name="adj1" fmla="val -139"/>
+              <a:gd name="adj2" fmla="val 53374"/>
+              <a:gd name="adj3" fmla="val -43337"/>
+              <a:gd name="adj4" fmla="val 21496"/>
+            </a:avLst>
+          </a:prstGeom>
+          <a:solidFill>
+            <a:schemeClr val="bg1"/>
+          </a:solidFill>
+          <a:ln>
+            <a:solidFill>
+              <a:schemeClr val="tx1"/>
+            </a:solidFill>
+          </a:ln>
+        </p:spPr>
+        <p:style>
+          <a:lnRef idx="2">
+            <a:schemeClr val="accent1">
+              <a:shade val="50000"/>
+            </a:schemeClr>
+          </a:lnRef>
+          <a:fillRef idx="1">
+            <a:schemeClr val="accent1"/>
+          </a:fillRef>
+          <a:effectRef idx="0">
+            <a:schemeClr val="accent1"/>
+          </a:effectRef>
+          <a:fontRef idx="minor">
+            <a:schemeClr val="lt1"/>
+          </a:fontRef>
+        </p:style>
+        <p:txBody>
+          <a:bodyPr rtlCol="0" anchor="ctr"/>
+          <a:lstStyle/>
+          <a:p>
+            <a:pPr algn="ctr"/>
+            <a:r>
+              <a:rPr lang="en-GB" dirty="0" smtClean="0">
+                <a:solidFill>
+                  <a:schemeClr val="tx1"/>
+                </a:solidFill>
+              </a:rPr>
+              <a:t>Adds the food vendor to favourites if logged in </a:t>
+            </a:r>
+            <a:endParaRPr lang="en-GB" dirty="0">
+              <a:solidFill>
+                <a:schemeClr val="tx1"/>
+              </a:solidFill>
+            </a:endParaRPr>
+          </a:p>
+        </p:txBody>
+      </p:sp>
+      <p:sp>
+        <p:nvSpPr>
+          <p:cNvPr id="5" name="Line Callout 1 4"/>
+          <p:cNvSpPr/>
+          <p:nvPr/>
+        </p:nvSpPr>
+        <p:spPr>
+          <a:xfrm>
+            <a:off x="6950469" y="1218280"/>
+            <a:ext cx="1584176" cy="792088"/>
+          </a:xfrm>
+          <a:prstGeom prst="borderCallout1">
+            <a:avLst>
+              <a:gd name="adj1" fmla="val 98141"/>
+              <a:gd name="adj2" fmla="val 96596"/>
+              <a:gd name="adj3" fmla="val 206333"/>
+              <a:gd name="adj4" fmla="val 46233"/>
+            </a:avLst>
+          </a:prstGeom>
+          <a:solidFill>
+            <a:schemeClr val="bg1"/>
+          </a:solidFill>
+          <a:ln>
+            <a:solidFill>
+              <a:schemeClr val="tx1"/>
+            </a:solidFill>
+          </a:ln>
+        </p:spPr>
+        <p:style>
+          <a:lnRef idx="2">
+            <a:schemeClr val="accent1">
+              <a:shade val="50000"/>
+            </a:schemeClr>
+          </a:lnRef>
+          <a:fillRef idx="1">
+            <a:schemeClr val="accent1"/>
+          </a:fillRef>
+          <a:effectRef idx="0">
+            <a:schemeClr val="accent1"/>
+          </a:effectRef>
+          <a:fontRef idx="minor">
+            <a:schemeClr val="lt1"/>
+          </a:fontRef>
+        </p:style>
+        <p:txBody>
+          <a:bodyPr rtlCol="0" anchor="ctr"/>
+          <a:lstStyle/>
+          <a:p>
+            <a:pPr algn="ctr"/>
+            <a:r>
+              <a:rPr lang="en-GB" dirty="0" smtClean="0">
+                <a:solidFill>
+                  <a:schemeClr val="tx1"/>
+                </a:solidFill>
+              </a:rPr>
+              <a:t>Links to food vendors menu</a:t>
+            </a:r>
+            <a:endParaRPr lang="en-GB" dirty="0">
+              <a:solidFill>
+                <a:schemeClr val="tx1"/>
+              </a:solidFill>
+            </a:endParaRPr>
+          </a:p>
+        </p:txBody>
+      </p:sp>
+      <p:sp>
+        <p:nvSpPr>
+          <p:cNvPr id="6" name="Rectangle 5"/>
+          <p:cNvSpPr/>
+          <p:nvPr/>
+        </p:nvSpPr>
+        <p:spPr>
+          <a:xfrm>
+            <a:off x="395536" y="692696"/>
+            <a:ext cx="1368152" cy="216024"/>
+          </a:xfrm>
+          <a:prstGeom prst="rect">
+            <a:avLst/>
+          </a:prstGeom>
+          <a:solidFill>
+            <a:schemeClr val="bg1"/>
+          </a:solidFill>
+          <a:ln>
+            <a:solidFill>
+              <a:schemeClr val="bg1"/>
+            </a:solidFill>
+          </a:ln>
+        </p:spPr>
+        <p:style>
+          <a:lnRef idx="2">
+            <a:schemeClr val="accent1">
+              <a:shade val="50000"/>
+            </a:schemeClr>
+          </a:lnRef>
+          <a:fillRef idx="1">
+            <a:schemeClr val="accent1"/>
+          </a:fillRef>
+          <a:effectRef idx="0">
+            <a:schemeClr val="accent1"/>
+          </a:effectRef>
+          <a:fontRef idx="minor">
+            <a:schemeClr val="lt1"/>
+          </a:fontRef>
+        </p:style>
+        <p:txBody>
+          <a:bodyPr rtlCol="0" anchor="ctr"/>
+          <a:lstStyle/>
+          <a:p>
+            <a:pPr algn="ctr"/>
+            <a:r>
+              <a:rPr lang="en-GB" sz="1600" dirty="0" smtClean="0">
+                <a:solidFill>
+                  <a:schemeClr val="tx1"/>
+                </a:solidFill>
+              </a:rPr>
+              <a:t>Grub Grabber</a:t>
+            </a:r>
+            <a:endParaRPr lang="en-GB" sz="1600" dirty="0">
+              <a:solidFill>
+                <a:schemeClr val="tx1"/>
+              </a:solidFill>
+            </a:endParaRPr>
+          </a:p>
+        </p:txBody>
+      </p:sp>
+    </p:spTree>
+  </p:cSld>
+  <p:clrMapOvr>
+    <a:masterClrMapping/>
+  </p:clrMapOvr>
+  <p:timing>
+    <p:tnLst>
+      <p:par>
+        <p:cTn id="1" dur="indefinite" restart="never" nodeType="tmRoot"/>
+      </p:par>
+    </p:tnLst>
+  </p:timing>
+</p:sld>
+</file>
+
+<file path=ppt/slides/slide13.xml><?xml version="1.0" encoding="utf-8"?>
+<p:sld xmlns:a="http://schemas.openxmlformats.org/drawingml/2006/main" xmlns:r="http://schemas.openxmlformats.org/officeDocument/2006/relationships" xmlns:p="http://schemas.openxmlformats.org/presentationml/2006/main">
+  <p:cSld>
+    <p:spTree>
+      <p:nvGrpSpPr>
+        <p:cNvPr id="1" name=""/>
+        <p:cNvGrpSpPr/>
+        <p:nvPr/>
+      </p:nvGrpSpPr>
+      <p:grpSpPr>
+        <a:xfrm>
+          <a:off x="0" y="0"/>
+          <a:ext cx="0" cy="0"/>
+          <a:chOff x="0" y="0"/>
+          <a:chExt cx="0" cy="0"/>
+        </a:xfrm>
+      </p:grpSpPr>
+      <p:pic>
+        <p:nvPicPr>
+          <p:cNvPr id="24578" name="Picture 2" descr="https://cloud.githubusercontent.com/assets/3807889/6130929/8f66bbb2-b140-11e4-8dcb-29ebabdc12da.png"/>
+          <p:cNvPicPr>
+            <a:picLocks noChangeAspect="1" noChangeArrowheads="1"/>
+          </p:cNvPicPr>
+          <p:nvPr/>
+        </p:nvPicPr>
+        <p:blipFill>
+          <a:blip r:embed="rId3" cstate="print"/>
+          <a:srcRect/>
+          <a:stretch>
+            <a:fillRect/>
+          </a:stretch>
+        </p:blipFill>
+        <p:spPr bwMode="auto">
+          <a:xfrm>
+            <a:off x="0" y="44624"/>
+            <a:ext cx="9144000" cy="6675971"/>
+          </a:xfrm>
+          <a:prstGeom prst="rect">
+            <a:avLst/>
+          </a:prstGeom>
+          <a:noFill/>
+        </p:spPr>
+      </p:pic>
+      <p:sp>
+        <p:nvSpPr>
+          <p:cNvPr id="3" name="Rectangle 2"/>
+          <p:cNvSpPr/>
+          <p:nvPr/>
+        </p:nvSpPr>
+        <p:spPr>
+          <a:xfrm>
+            <a:off x="395536" y="692696"/>
+            <a:ext cx="1368152" cy="216024"/>
+          </a:xfrm>
+          <a:prstGeom prst="rect">
+            <a:avLst/>
+          </a:prstGeom>
+          <a:solidFill>
+            <a:schemeClr val="bg1"/>
+          </a:solidFill>
+          <a:ln>
+            <a:solidFill>
+              <a:schemeClr val="bg1"/>
+            </a:solidFill>
+          </a:ln>
+        </p:spPr>
+        <p:style>
+          <a:lnRef idx="2">
+            <a:schemeClr val="accent1">
+              <a:shade val="50000"/>
+            </a:schemeClr>
+          </a:lnRef>
+          <a:fillRef idx="1">
+            <a:schemeClr val="accent1"/>
+          </a:fillRef>
+          <a:effectRef idx="0">
+            <a:schemeClr val="accent1"/>
+          </a:effectRef>
+          <a:fontRef idx="minor">
+            <a:schemeClr val="lt1"/>
+          </a:fontRef>
+        </p:style>
+        <p:txBody>
+          <a:bodyPr rtlCol="0" anchor="ctr"/>
+          <a:lstStyle/>
+          <a:p>
+            <a:pPr algn="ctr"/>
+            <a:r>
+              <a:rPr lang="en-GB" sz="1600" dirty="0" smtClean="0">
+                <a:solidFill>
+                  <a:schemeClr val="tx1"/>
+                </a:solidFill>
+              </a:rPr>
+              <a:t>Grub Grabber</a:t>
+            </a:r>
+            <a:endParaRPr lang="en-GB" sz="1600" dirty="0">
+              <a:solidFill>
+                <a:schemeClr val="tx1"/>
+              </a:solidFill>
+            </a:endParaRPr>
+          </a:p>
+        </p:txBody>
+      </p:sp>
+      <p:sp>
+        <p:nvSpPr>
+          <p:cNvPr id="4" name="Line Callout 1 3"/>
+          <p:cNvSpPr/>
+          <p:nvPr/>
+        </p:nvSpPr>
+        <p:spPr>
+          <a:xfrm>
+            <a:off x="7020272" y="2558571"/>
+            <a:ext cx="1152128" cy="1230469"/>
+          </a:xfrm>
+          <a:prstGeom prst="borderCallout1">
+            <a:avLst>
+              <a:gd name="adj1" fmla="val -139"/>
+              <a:gd name="adj2" fmla="val 53374"/>
+              <a:gd name="adj3" fmla="val -74227"/>
+              <a:gd name="adj4" fmla="val -169739"/>
+            </a:avLst>
+          </a:prstGeom>
+          <a:solidFill>
+            <a:schemeClr val="bg1"/>
+          </a:solidFill>
+          <a:ln>
+            <a:solidFill>
+              <a:schemeClr val="tx1"/>
+            </a:solidFill>
+          </a:ln>
+        </p:spPr>
+        <p:style>
+          <a:lnRef idx="2">
+            <a:schemeClr val="accent1">
+              <a:shade val="50000"/>
+            </a:schemeClr>
+          </a:lnRef>
+          <a:fillRef idx="1">
+            <a:schemeClr val="accent1"/>
+          </a:fillRef>
+          <a:effectRef idx="0">
+            <a:schemeClr val="accent1"/>
+          </a:effectRef>
+          <a:fontRef idx="minor">
+            <a:schemeClr val="lt1"/>
+          </a:fontRef>
+        </p:style>
+        <p:txBody>
+          <a:bodyPr rtlCol="0" anchor="ctr"/>
+          <a:lstStyle/>
+          <a:p>
+            <a:pPr algn="ctr"/>
+            <a:r>
+              <a:rPr lang="en-GB" dirty="0" smtClean="0">
+                <a:solidFill>
+                  <a:schemeClr val="tx1"/>
+                </a:solidFill>
+              </a:rPr>
+              <a:t>Tabs to cycle through pages</a:t>
+            </a:r>
+            <a:endParaRPr lang="en-GB" dirty="0">
+              <a:solidFill>
+                <a:schemeClr val="tx1"/>
+              </a:solidFill>
+            </a:endParaRPr>
+          </a:p>
+        </p:txBody>
+      </p:sp>
+    </p:spTree>
+  </p:cSld>
+  <p:clrMapOvr>
+    <a:masterClrMapping/>
+  </p:clrMapOvr>
+  <p:timing>
+    <p:tnLst>
+      <p:par>
+        <p:cTn id="1" dur="indefinite" restart="never" nodeType="tmRoot"/>
+      </p:par>
+    </p:tnLst>
+  </p:timing>
+</p:sld>
+</file>
+
+<file path=ppt/slides/slide14.xml><?xml version="1.0" encoding="utf-8"?>
+<p:sld xmlns:a="http://schemas.openxmlformats.org/drawingml/2006/main" xmlns:r="http://schemas.openxmlformats.org/officeDocument/2006/relationships" xmlns:p="http://schemas.openxmlformats.org/presentationml/2006/main">
+  <p:cSld>
+    <p:spTree>
+      <p:nvGrpSpPr>
+        <p:cNvPr id="1" name=""/>
+        <p:cNvGrpSpPr/>
+        <p:nvPr/>
+      </p:nvGrpSpPr>
+      <p:grpSpPr>
+        <a:xfrm>
+          <a:off x="0" y="0"/>
+          <a:ext cx="0" cy="0"/>
+          <a:chOff x="0" y="0"/>
+          <a:chExt cx="0" cy="0"/>
+        </a:xfrm>
+      </p:grpSpPr>
+      <p:sp>
+        <p:nvSpPr>
+          <p:cNvPr id="6" name="Rounded Rectangle 5"/>
+          <p:cNvSpPr/>
+          <p:nvPr/>
+        </p:nvSpPr>
+        <p:spPr>
+          <a:xfrm>
+            <a:off x="2771800" y="1556792"/>
+            <a:ext cx="3312368" cy="720080"/>
+          </a:xfrm>
+          <a:prstGeom prst="roundRect">
+            <a:avLst/>
+          </a:prstGeom>
+        </p:spPr>
+        <p:style>
+          <a:lnRef idx="2">
+            <a:schemeClr val="accent1">
+              <a:shade val="50000"/>
+            </a:schemeClr>
+          </a:lnRef>
+          <a:fillRef idx="1">
+            <a:schemeClr val="accent1"/>
+          </a:fillRef>
+          <a:effectRef idx="0">
+            <a:schemeClr val="accent1"/>
+          </a:effectRef>
+          <a:fontRef idx="minor">
+            <a:schemeClr val="lt1"/>
+          </a:fontRef>
+        </p:style>
+        <p:txBody>
+          <a:bodyPr rtlCol="0" anchor="ctr"/>
+          <a:lstStyle/>
+          <a:p>
+            <a:pPr algn="ctr"/>
+            <a:r>
+              <a:rPr lang="en-GB" dirty="0" smtClean="0"/>
+              <a:t>http://grubgrabber.com/</a:t>
+            </a:r>
+          </a:p>
+          <a:p>
+            <a:pPr algn="ctr"/>
+            <a:r>
+              <a:rPr lang="en-GB" dirty="0" smtClean="0"/>
+              <a:t>http://grubgrabber.com/search/</a:t>
+            </a:r>
+          </a:p>
+        </p:txBody>
+      </p:sp>
+      <p:sp>
+        <p:nvSpPr>
+          <p:cNvPr id="7" name="Rounded Rectangle 6"/>
+          <p:cNvSpPr/>
+          <p:nvPr/>
+        </p:nvSpPr>
+        <p:spPr>
+          <a:xfrm>
+            <a:off x="0" y="548680"/>
+            <a:ext cx="3168352" cy="576064"/>
+          </a:xfrm>
+          <a:prstGeom prst="roundRect">
+            <a:avLst/>
+          </a:prstGeom>
+        </p:spPr>
+        <p:style>
+          <a:lnRef idx="2">
+            <a:schemeClr val="accent1">
+              <a:shade val="50000"/>
+            </a:schemeClr>
+          </a:lnRef>
+          <a:fillRef idx="1">
+            <a:schemeClr val="accent1"/>
+          </a:fillRef>
+          <a:effectRef idx="0">
+            <a:schemeClr val="accent1"/>
+          </a:effectRef>
+          <a:fontRef idx="minor">
+            <a:schemeClr val="lt1"/>
+          </a:fontRef>
+        </p:style>
+        <p:txBody>
+          <a:bodyPr rtlCol="0" anchor="ctr"/>
+          <a:lstStyle/>
+          <a:p>
+            <a:pPr algn="ctr"/>
+            <a:r>
+              <a:rPr lang="en-GB" dirty="0" smtClean="0"/>
+              <a:t>http://grubgrabber.com/login/</a:t>
+            </a:r>
+          </a:p>
+        </p:txBody>
+      </p:sp>
+      <p:sp>
+        <p:nvSpPr>
+          <p:cNvPr id="8" name="Rounded Rectangle 7"/>
+          <p:cNvSpPr/>
+          <p:nvPr/>
+        </p:nvSpPr>
+        <p:spPr>
+          <a:xfrm>
+            <a:off x="5687616" y="548680"/>
+            <a:ext cx="3456384" cy="648072"/>
+          </a:xfrm>
+          <a:prstGeom prst="roundRect">
+            <a:avLst/>
+          </a:prstGeom>
+        </p:spPr>
+        <p:style>
+          <a:lnRef idx="2">
+            <a:schemeClr val="accent1">
+              <a:shade val="50000"/>
+            </a:schemeClr>
+          </a:lnRef>
+          <a:fillRef idx="1">
+            <a:schemeClr val="accent1"/>
+          </a:fillRef>
+          <a:effectRef idx="0">
+            <a:schemeClr val="accent1"/>
+          </a:effectRef>
+          <a:fontRef idx="minor">
+            <a:schemeClr val="lt1"/>
+          </a:fontRef>
+        </p:style>
+        <p:txBody>
+          <a:bodyPr rtlCol="0" anchor="ctr"/>
+          <a:lstStyle/>
+          <a:p>
+            <a:pPr algn="ctr"/>
+            <a:r>
+              <a:rPr lang="en-GB" dirty="0" smtClean="0"/>
+              <a:t>http://grubgrabber.com/register/ </a:t>
+            </a:r>
+            <a:endParaRPr lang="en-GB" dirty="0"/>
+          </a:p>
+        </p:txBody>
+      </p:sp>
+      <p:sp>
+        <p:nvSpPr>
+          <p:cNvPr id="9" name="Rounded Rectangle 8"/>
+          <p:cNvSpPr/>
+          <p:nvPr/>
+        </p:nvSpPr>
+        <p:spPr>
+          <a:xfrm>
+            <a:off x="0" y="2708920"/>
+            <a:ext cx="3347864" cy="864096"/>
+          </a:xfrm>
+          <a:prstGeom prst="roundRect">
+            <a:avLst/>
+          </a:prstGeom>
+        </p:spPr>
+        <p:style>
+          <a:lnRef idx="2">
+            <a:schemeClr val="accent1">
+              <a:shade val="50000"/>
+            </a:schemeClr>
+          </a:lnRef>
+          <a:fillRef idx="1">
+            <a:schemeClr val="accent1"/>
+          </a:fillRef>
+          <a:effectRef idx="0">
+            <a:schemeClr val="accent1"/>
+          </a:effectRef>
+          <a:fontRef idx="minor">
+            <a:schemeClr val="lt1"/>
+          </a:fontRef>
+        </p:style>
+        <p:txBody>
+          <a:bodyPr rtlCol="0" anchor="ctr"/>
+          <a:lstStyle/>
+          <a:p>
+            <a:pPr algn="ctr"/>
+            <a:r>
+              <a:rPr lang="en-GB" dirty="0" smtClean="0"/>
+              <a:t>http://grubgrabber.com/profile/</a:t>
+            </a:r>
+          </a:p>
+          <a:p>
+            <a:pPr algn="ctr"/>
+            <a:r>
+              <a:rPr lang="en-GB" dirty="0" smtClean="0"/>
+              <a:t>(accessible from anywhere if logged in)</a:t>
+            </a:r>
+          </a:p>
+        </p:txBody>
+      </p:sp>
+      <p:sp>
+        <p:nvSpPr>
+          <p:cNvPr id="10" name="Rounded Rectangle 9"/>
+          <p:cNvSpPr/>
+          <p:nvPr/>
+        </p:nvSpPr>
+        <p:spPr>
+          <a:xfrm>
+            <a:off x="2699792" y="4005064"/>
+            <a:ext cx="3456384" cy="648072"/>
+          </a:xfrm>
+          <a:prstGeom prst="roundRect">
+            <a:avLst/>
+          </a:prstGeom>
+        </p:spPr>
+        <p:style>
+          <a:lnRef idx="2">
+            <a:schemeClr val="accent1">
+              <a:shade val="50000"/>
+            </a:schemeClr>
+          </a:lnRef>
+          <a:fillRef idx="1">
+            <a:schemeClr val="accent1"/>
+          </a:fillRef>
+          <a:effectRef idx="0">
+            <a:schemeClr val="accent1"/>
+          </a:effectRef>
+          <a:fontRef idx="minor">
+            <a:schemeClr val="lt1"/>
+          </a:fontRef>
+        </p:style>
+        <p:txBody>
+          <a:bodyPr rtlCol="0" anchor="ctr"/>
+          <a:lstStyle/>
+          <a:p>
+            <a:pPr algn="ctr"/>
+            <a:r>
+              <a:rPr lang="en-GB" dirty="0" smtClean="0"/>
+              <a:t>http://grubgrabber.com/search/</a:t>
+            </a:r>
+          </a:p>
+          <a:p>
+            <a:pPr algn="ctr"/>
+            <a:r>
+              <a:rPr lang="en-GB" dirty="0" smtClean="0"/>
+              <a:t>(with POST data)</a:t>
+            </a:r>
+          </a:p>
+        </p:txBody>
+      </p:sp>
+      <p:sp>
+        <p:nvSpPr>
+          <p:cNvPr id="11" name="Rounded Rectangle 10"/>
+          <p:cNvSpPr/>
+          <p:nvPr/>
+        </p:nvSpPr>
+        <p:spPr>
+          <a:xfrm>
+            <a:off x="2267744" y="5661248"/>
+            <a:ext cx="4320480" cy="648072"/>
+          </a:xfrm>
+          <a:prstGeom prst="roundRect">
+            <a:avLst/>
+          </a:prstGeom>
+        </p:spPr>
+        <p:style>
+          <a:lnRef idx="2">
+            <a:schemeClr val="accent1">
+              <a:shade val="50000"/>
+            </a:schemeClr>
+          </a:lnRef>
+          <a:fillRef idx="1">
+            <a:schemeClr val="accent1"/>
+          </a:fillRef>
+          <a:effectRef idx="0">
+            <a:schemeClr val="accent1"/>
+          </a:effectRef>
+          <a:fontRef idx="minor">
+            <a:schemeClr val="lt1"/>
+          </a:fontRef>
+        </p:style>
+        <p:txBody>
+          <a:bodyPr rtlCol="0" anchor="ctr"/>
+          <a:lstStyle/>
+          <a:p>
+            <a:pPr algn="ctr"/>
+            <a:r>
+              <a:rPr lang="en-GB" dirty="0" smtClean="0"/>
+              <a:t>http://grubgrabber.com/place/&lt;PLACE_ID&gt;</a:t>
+            </a:r>
+            <a:endParaRPr lang="en-GB" dirty="0"/>
+          </a:p>
+        </p:txBody>
+      </p:sp>
+      <p:cxnSp>
+        <p:nvCxnSpPr>
+          <p:cNvPr id="15" name="Straight Arrow Connector 14"/>
+          <p:cNvCxnSpPr/>
+          <p:nvPr/>
+        </p:nvCxnSpPr>
+        <p:spPr>
+          <a:xfrm flipH="1" flipV="1">
+            <a:off x="2483768" y="1124744"/>
+            <a:ext cx="288032" cy="432048"/>
+          </a:xfrm>
+          <a:prstGeom prst="straightConnector1">
+            <a:avLst/>
+          </a:prstGeom>
+          <a:ln>
+            <a:tailEnd type="arrow"/>
+          </a:ln>
+        </p:spPr>
+        <p:style>
+          <a:lnRef idx="2">
+            <a:schemeClr val="dk1"/>
+          </a:lnRef>
+          <a:fillRef idx="0">
+            <a:schemeClr val="dk1"/>
+          </a:fillRef>
+          <a:effectRef idx="1">
+            <a:schemeClr val="dk1"/>
+          </a:effectRef>
+          <a:fontRef idx="minor">
+            <a:schemeClr val="tx1"/>
+          </a:fontRef>
+        </p:style>
+      </p:cxnSp>
+      <p:cxnSp>
+        <p:nvCxnSpPr>
+          <p:cNvPr id="25" name="Straight Arrow Connector 24"/>
+          <p:cNvCxnSpPr/>
+          <p:nvPr/>
+        </p:nvCxnSpPr>
+        <p:spPr>
+          <a:xfrm flipV="1">
+            <a:off x="5868144" y="1196752"/>
+            <a:ext cx="360040" cy="360040"/>
+          </a:xfrm>
+          <a:prstGeom prst="straightConnector1">
+            <a:avLst/>
+          </a:prstGeom>
+          <a:ln>
+            <a:tailEnd type="arrow"/>
+          </a:ln>
+        </p:spPr>
+        <p:style>
+          <a:lnRef idx="2">
+            <a:schemeClr val="dk1"/>
+          </a:lnRef>
+          <a:fillRef idx="0">
+            <a:schemeClr val="dk1"/>
+          </a:fillRef>
+          <a:effectRef idx="1">
+            <a:schemeClr val="dk1"/>
+          </a:effectRef>
+          <a:fontRef idx="minor">
+            <a:schemeClr val="tx1"/>
+          </a:fontRef>
+        </p:style>
+      </p:cxnSp>
+      <p:cxnSp>
+        <p:nvCxnSpPr>
+          <p:cNvPr id="27" name="Straight Arrow Connector 26"/>
+          <p:cNvCxnSpPr>
+            <a:stCxn id="6" idx="2"/>
+            <a:endCxn id="10" idx="0"/>
+          </p:cNvCxnSpPr>
+          <p:nvPr/>
+        </p:nvCxnSpPr>
+        <p:spPr>
+          <a:xfrm>
+            <a:off x="4427984" y="2276872"/>
+            <a:ext cx="0" cy="1728192"/>
+          </a:xfrm>
+          <a:prstGeom prst="straightConnector1">
+            <a:avLst/>
+          </a:prstGeom>
+          <a:ln>
+            <a:tailEnd type="arrow"/>
+          </a:ln>
+        </p:spPr>
+        <p:style>
+          <a:lnRef idx="2">
+            <a:schemeClr val="dk1"/>
+          </a:lnRef>
+          <a:fillRef idx="0">
+            <a:schemeClr val="dk1"/>
+          </a:fillRef>
+          <a:effectRef idx="1">
+            <a:schemeClr val="dk1"/>
+          </a:effectRef>
+          <a:fontRef idx="minor">
+            <a:schemeClr val="tx1"/>
+          </a:fontRef>
+        </p:style>
+      </p:cxnSp>
+      <p:cxnSp>
+        <p:nvCxnSpPr>
+          <p:cNvPr id="30" name="Straight Arrow Connector 29"/>
+          <p:cNvCxnSpPr>
+            <a:stCxn id="10" idx="2"/>
+          </p:cNvCxnSpPr>
+          <p:nvPr/>
+        </p:nvCxnSpPr>
+        <p:spPr>
+          <a:xfrm>
+            <a:off x="4427984" y="4653136"/>
+            <a:ext cx="0" cy="1008112"/>
+          </a:xfrm>
+          <a:prstGeom prst="straightConnector1">
+            <a:avLst/>
+          </a:prstGeom>
+          <a:ln>
+            <a:tailEnd type="arrow"/>
+          </a:ln>
+        </p:spPr>
+        <p:style>
+          <a:lnRef idx="2">
+            <a:schemeClr val="dk1"/>
+          </a:lnRef>
+          <a:fillRef idx="0">
+            <a:schemeClr val="dk1"/>
+          </a:fillRef>
+          <a:effectRef idx="1">
+            <a:schemeClr val="dk1"/>
+          </a:effectRef>
+          <a:fontRef idx="minor">
+            <a:schemeClr val="tx1"/>
+          </a:fontRef>
+        </p:style>
+      </p:cxnSp>
+      <p:cxnSp>
+        <p:nvCxnSpPr>
+          <p:cNvPr id="41" name="Straight Arrow Connector 40"/>
+          <p:cNvCxnSpPr>
+            <a:stCxn id="7" idx="2"/>
+            <a:endCxn id="9" idx="0"/>
+          </p:cNvCxnSpPr>
+          <p:nvPr/>
+        </p:nvCxnSpPr>
+        <p:spPr>
+          <a:xfrm>
+            <a:off x="1584176" y="1124744"/>
+            <a:ext cx="89756" cy="1584176"/>
+          </a:xfrm>
+          <a:prstGeom prst="straightConnector1">
+            <a:avLst/>
+          </a:prstGeom>
+          <a:ln>
+            <a:tailEnd type="arrow"/>
+          </a:ln>
+        </p:spPr>
+        <p:style>
+          <a:lnRef idx="2">
+            <a:schemeClr val="dk1"/>
+          </a:lnRef>
+          <a:fillRef idx="0">
+            <a:schemeClr val="dk1"/>
+          </a:fillRef>
+          <a:effectRef idx="1">
+            <a:schemeClr val="dk1"/>
+          </a:effectRef>
+          <a:fontRef idx="minor">
+            <a:schemeClr val="tx1"/>
+          </a:fontRef>
+        </p:style>
+      </p:cxnSp>
+      <p:cxnSp>
+        <p:nvCxnSpPr>
+          <p:cNvPr id="45" name="Straight Arrow Connector 44"/>
+          <p:cNvCxnSpPr>
+            <a:stCxn id="6" idx="1"/>
+          </p:cNvCxnSpPr>
+          <p:nvPr/>
+        </p:nvCxnSpPr>
+        <p:spPr>
+          <a:xfrm flipH="1">
+            <a:off x="1835696" y="1916832"/>
+            <a:ext cx="936104" cy="792088"/>
+          </a:xfrm>
+          <a:prstGeom prst="straightConnector1">
+            <a:avLst/>
+          </a:prstGeom>
+          <a:ln>
+            <a:tailEnd type="arrow"/>
+          </a:ln>
+        </p:spPr>
+        <p:style>
+          <a:lnRef idx="2">
+            <a:schemeClr val="dk1"/>
+          </a:lnRef>
+          <a:fillRef idx="0">
+            <a:schemeClr val="dk1"/>
+          </a:fillRef>
+          <a:effectRef idx="1">
+            <a:schemeClr val="dk1"/>
+          </a:effectRef>
+          <a:fontRef idx="minor">
+            <a:schemeClr val="tx1"/>
+          </a:fontRef>
+        </p:style>
+      </p:cxnSp>
+      <p:cxnSp>
+        <p:nvCxnSpPr>
+          <p:cNvPr id="53" name="Straight Arrow Connector 52"/>
+          <p:cNvCxnSpPr>
+            <a:stCxn id="8" idx="1"/>
+            <a:endCxn id="7" idx="3"/>
+          </p:cNvCxnSpPr>
+          <p:nvPr/>
+        </p:nvCxnSpPr>
+        <p:spPr>
+          <a:xfrm flipH="1" flipV="1">
+            <a:off x="3168352" y="836712"/>
+            <a:ext cx="2519264" cy="36004"/>
+          </a:xfrm>
+          <a:prstGeom prst="straightConnector1">
+            <a:avLst/>
+          </a:prstGeom>
+          <a:ln>
+            <a:tailEnd type="arrow"/>
+          </a:ln>
+        </p:spPr>
+        <p:style>
+          <a:lnRef idx="2">
+            <a:schemeClr val="dk1"/>
+          </a:lnRef>
+          <a:fillRef idx="0">
+            <a:schemeClr val="dk1"/>
+          </a:fillRef>
+          <a:effectRef idx="1">
+            <a:schemeClr val="dk1"/>
+          </a:effectRef>
+          <a:fontRef idx="minor">
+            <a:schemeClr val="tx1"/>
+          </a:fontRef>
+        </p:style>
+      </p:cxnSp>
+      <p:cxnSp>
+        <p:nvCxnSpPr>
+          <p:cNvPr id="66" name="Straight Arrow Connector 65"/>
+          <p:cNvCxnSpPr/>
+          <p:nvPr/>
+        </p:nvCxnSpPr>
+        <p:spPr>
+          <a:xfrm flipH="1" flipV="1">
+            <a:off x="3275856" y="3573016"/>
+            <a:ext cx="360040" cy="432048"/>
+          </a:xfrm>
+          <a:prstGeom prst="straightConnector1">
+            <a:avLst/>
+          </a:prstGeom>
+          <a:ln>
+            <a:tailEnd type="arrow"/>
+          </a:ln>
+        </p:spPr>
+        <p:style>
+          <a:lnRef idx="2">
+            <a:schemeClr val="dk1"/>
+          </a:lnRef>
+          <a:fillRef idx="0">
+            <a:schemeClr val="dk1"/>
+          </a:fillRef>
+          <a:effectRef idx="1">
+            <a:schemeClr val="dk1"/>
+          </a:effectRef>
+          <a:fontRef idx="minor">
+            <a:schemeClr val="tx1"/>
+          </a:fontRef>
+        </p:style>
+      </p:cxnSp>
+      <p:cxnSp>
+        <p:nvCxnSpPr>
+          <p:cNvPr id="69" name="Straight Arrow Connector 68"/>
+          <p:cNvCxnSpPr>
+            <a:endCxn id="9" idx="2"/>
+          </p:cNvCxnSpPr>
+          <p:nvPr/>
+        </p:nvCxnSpPr>
+        <p:spPr>
+          <a:xfrm flipH="1" flipV="1">
+            <a:off x="1673932" y="3573016"/>
+            <a:ext cx="1313892" cy="2088232"/>
+          </a:xfrm>
+          <a:prstGeom prst="straightConnector1">
+            <a:avLst/>
+          </a:prstGeom>
+          <a:ln>
+            <a:tailEnd type="arrow"/>
+          </a:ln>
+        </p:spPr>
+        <p:style>
+          <a:lnRef idx="2">
+            <a:schemeClr val="dk1"/>
+          </a:lnRef>
+          <a:fillRef idx="0">
+            <a:schemeClr val="dk1"/>
+          </a:fillRef>
+          <a:effectRef idx="1">
+            <a:schemeClr val="dk1"/>
+          </a:effectRef>
+          <a:fontRef idx="minor">
+            <a:schemeClr val="tx1"/>
+          </a:fontRef>
+        </p:style>
+      </p:cxnSp>
+      <p:sp>
+        <p:nvSpPr>
+          <p:cNvPr id="89" name="TextBox 88"/>
+          <p:cNvSpPr txBox="1"/>
+          <p:nvPr/>
+        </p:nvSpPr>
+        <p:spPr>
+          <a:xfrm>
+            <a:off x="3203848" y="0"/>
+            <a:ext cx="2952328" cy="769441"/>
+          </a:xfrm>
+          <a:prstGeom prst="rect">
+            <a:avLst/>
+          </a:prstGeom>
+          <a:noFill/>
+        </p:spPr>
+        <p:txBody>
+          <a:bodyPr wrap="square" rtlCol="0">
+            <a:spAutoFit/>
+          </a:bodyPr>
+          <a:lstStyle/>
+          <a:p>
+            <a:r>
+              <a:rPr lang="en-GB" sz="4400" dirty="0" smtClean="0"/>
+              <a:t>URL MAP</a:t>
+            </a:r>
+            <a:endParaRPr lang="en-GB" sz="4400" dirty="0"/>
+          </a:p>
+        </p:txBody>
+      </p:sp>
+      <p:cxnSp>
+        <p:nvCxnSpPr>
+          <p:cNvPr id="23" name="Straight Arrow Connector 22"/>
+          <p:cNvCxnSpPr/>
+          <p:nvPr/>
+        </p:nvCxnSpPr>
+        <p:spPr>
+          <a:xfrm>
+            <a:off x="2699792" y="1124744"/>
+            <a:ext cx="288032" cy="432048"/>
+          </a:xfrm>
+          <a:prstGeom prst="straightConnector1">
+            <a:avLst/>
+          </a:prstGeom>
+          <a:ln>
+            <a:tailEnd type="arrow"/>
+          </a:ln>
+        </p:spPr>
+        <p:style>
+          <a:lnRef idx="2">
+            <a:schemeClr val="dk1"/>
+          </a:lnRef>
+          <a:fillRef idx="0">
+            <a:schemeClr val="dk1"/>
+          </a:fillRef>
+          <a:effectRef idx="1">
+            <a:schemeClr val="dk1"/>
+          </a:effectRef>
+          <a:fontRef idx="minor">
+            <a:schemeClr val="tx1"/>
+          </a:fontRef>
+        </p:style>
+      </p:cxnSp>
+      <p:cxnSp>
+        <p:nvCxnSpPr>
+          <p:cNvPr id="28" name="Straight Arrow Connector 27"/>
+          <p:cNvCxnSpPr/>
+          <p:nvPr/>
+        </p:nvCxnSpPr>
+        <p:spPr>
+          <a:xfrm flipV="1">
+            <a:off x="2051720" y="2060848"/>
+            <a:ext cx="720080" cy="648072"/>
+          </a:xfrm>
+          <a:prstGeom prst="straightConnector1">
+            <a:avLst/>
+          </a:prstGeom>
+          <a:ln>
+            <a:tailEnd type="arrow"/>
+          </a:ln>
+        </p:spPr>
+        <p:style>
+          <a:lnRef idx="2">
+            <a:schemeClr val="dk1"/>
+          </a:lnRef>
+          <a:fillRef idx="0">
+            <a:schemeClr val="dk1"/>
+          </a:fillRef>
+          <a:effectRef idx="1">
+            <a:schemeClr val="dk1"/>
+          </a:effectRef>
+          <a:fontRef idx="minor">
+            <a:schemeClr val="tx1"/>
+          </a:fontRef>
+        </p:style>
+      </p:cxnSp>
+      <p:cxnSp>
+        <p:nvCxnSpPr>
+          <p:cNvPr id="31" name="Straight Arrow Connector 30"/>
+          <p:cNvCxnSpPr/>
+          <p:nvPr/>
+        </p:nvCxnSpPr>
+        <p:spPr>
+          <a:xfrm>
+            <a:off x="1475656" y="3573016"/>
+            <a:ext cx="1296144" cy="2088232"/>
+          </a:xfrm>
+          <a:prstGeom prst="straightConnector1">
+            <a:avLst/>
+          </a:prstGeom>
+          <a:ln>
+            <a:tailEnd type="arrow"/>
+          </a:ln>
+        </p:spPr>
+        <p:style>
+          <a:lnRef idx="2">
+            <a:schemeClr val="dk1"/>
+          </a:lnRef>
+          <a:fillRef idx="0">
+            <a:schemeClr val="dk1"/>
+          </a:fillRef>
+          <a:effectRef idx="1">
+            <a:schemeClr val="dk1"/>
+          </a:effectRef>
+          <a:fontRef idx="minor">
+            <a:schemeClr val="tx1"/>
+          </a:fontRef>
+        </p:style>
+      </p:cxnSp>
+    </p:spTree>
+    <p:extLst>
+      <p:ext uri="{BB962C8B-B14F-4D97-AF65-F5344CB8AC3E}">
+        <p14:creationId xmlns:p14="http://schemas.microsoft.com/office/powerpoint/2010/main" val="3077826246"/>
+      </p:ext>
+    </p:extLst>
+  </p:cSld>
+  <p:clrMapOvr>
+    <a:masterClrMapping/>
+  </p:clrMapOvr>
+  <p:timing>
+    <p:tnLst>
+      <p:par>
+        <p:cTn id="1" dur="indefinite" restart="never" nodeType="tmRoot"/>
+      </p:par>
+    </p:tnLst>
+  </p:timing>
+</p:sld>
+</file>
+
+<file path=ppt/slides/slide15.xml><?xml version="1.0" encoding="utf-8"?>
+<p:sld xmlns:a="http://schemas.openxmlformats.org/drawingml/2006/main" xmlns:r="http://schemas.openxmlformats.org/officeDocument/2006/relationships" xmlns:p="http://schemas.openxmlformats.org/presentationml/2006/main">
+  <p:cSld>
+    <p:spTree>
+      <p:nvGrpSpPr>
+        <p:cNvPr id="1" name=""/>
+        <p:cNvGrpSpPr/>
+        <p:nvPr/>
+      </p:nvGrpSpPr>
+      <p:grpSpPr>
+        <a:xfrm>
+          <a:off x="0" y="0"/>
+          <a:ext cx="0" cy="0"/>
+          <a:chOff x="0" y="0"/>
+          <a:chExt cx="0" cy="0"/>
+        </a:xfrm>
+      </p:grpSpPr>
+      <p:sp>
+        <p:nvSpPr>
+          <p:cNvPr id="2" name="Title 1"/>
+          <p:cNvSpPr>
+            <a:spLocks noGrp="1"/>
+          </p:cNvSpPr>
+          <p:nvPr>
+            <p:ph type="title"/>
+          </p:nvPr>
+        </p:nvSpPr>
+        <p:spPr>
+          <a:xfrm>
+            <a:off x="467544" y="-171400"/>
+            <a:ext cx="8229600" cy="1143000"/>
+          </a:xfrm>
+        </p:spPr>
+        <p:txBody>
+          <a:bodyPr/>
+          <a:lstStyle/>
+          <a:p>
+            <a:r>
+              <a:rPr lang="en-GB" dirty="0" smtClean="0"/>
+              <a:t>Entity-Relationship Diagram</a:t>
+            </a:r>
+            <a:endParaRPr lang="en-GB" dirty="0"/>
+          </a:p>
+        </p:txBody>
+      </p:sp>
+      <p:pic>
+        <p:nvPicPr>
+          <p:cNvPr id="5122" name="Picture 2" descr="ER_Diagram.jpg"/>
+          <p:cNvPicPr>
+            <a:picLocks noChangeAspect="1" noChangeArrowheads="1"/>
+          </p:cNvPicPr>
+          <p:nvPr/>
+        </p:nvPicPr>
+        <p:blipFill>
+          <a:blip r:embed="rId3" cstate="print"/>
+          <a:srcRect/>
+          <a:stretch>
+            <a:fillRect/>
+          </a:stretch>
+        </p:blipFill>
+        <p:spPr bwMode="auto">
+          <a:xfrm>
+            <a:off x="611560" y="836712"/>
+            <a:ext cx="7747932" cy="5832648"/>
+          </a:xfrm>
+          <a:prstGeom prst="rect">
+            <a:avLst/>
+          </a:prstGeom>
+          <a:noFill/>
+        </p:spPr>
+      </p:pic>
+      <p:sp>
+        <p:nvSpPr>
+          <p:cNvPr id="3" name="Rectangle 2"/>
+          <p:cNvSpPr/>
+          <p:nvPr/>
+        </p:nvSpPr>
+        <p:spPr>
+          <a:xfrm>
+            <a:off x="2627784" y="2276871"/>
+            <a:ext cx="432048" cy="144017"/>
+          </a:xfrm>
+          <a:prstGeom prst="rect">
+            <a:avLst/>
+          </a:prstGeom>
+          <a:solidFill>
+            <a:schemeClr val="bg1"/>
+          </a:solidFill>
+          <a:ln>
+            <a:noFill/>
+          </a:ln>
+        </p:spPr>
+        <p:style>
+          <a:lnRef idx="2">
+            <a:schemeClr val="accent1">
+              <a:shade val="50000"/>
+            </a:schemeClr>
+          </a:lnRef>
+          <a:fillRef idx="1">
+            <a:schemeClr val="accent1"/>
+          </a:fillRef>
+          <a:effectRef idx="0">
+            <a:schemeClr val="accent1"/>
+          </a:effectRef>
+          <a:fontRef idx="minor">
+            <a:schemeClr val="lt1"/>
+          </a:fontRef>
+        </p:style>
+        <p:txBody>
+          <a:bodyPr rtlCol="0" anchor="ctr"/>
+          <a:lstStyle/>
+          <a:p>
+            <a:pPr algn="ctr"/>
+            <a:r>
+              <a:rPr lang="en-GB" sz="800" dirty="0" smtClean="0">
+                <a:solidFill>
+                  <a:schemeClr val="tx1"/>
+                </a:solidFill>
+              </a:rPr>
+              <a:t>Set by</a:t>
+            </a:r>
+            <a:endParaRPr lang="en-GB" sz="800" dirty="0">
+              <a:solidFill>
+                <a:schemeClr val="tx1"/>
+              </a:solidFill>
+            </a:endParaRPr>
           </a:p>
         </p:txBody>
       </p:sp>
@@ -3572,9 +7077,376 @@
         </p:nvSpPr>
         <p:spPr>
           <a:xfrm>
-            <a:off x="2335982" y="1415207"/>
-            <a:ext cx="4766048" cy="923330"/>
+            <a:off x="5868144" y="1412794"/>
+            <a:ext cx="432048" cy="144017"/>
           </a:xfrm>
+          <a:prstGeom prst="rect">
+            <a:avLst/>
+          </a:prstGeom>
+          <a:solidFill>
+            <a:schemeClr val="bg1"/>
+          </a:solidFill>
+          <a:ln>
+            <a:noFill/>
+          </a:ln>
+        </p:spPr>
+        <p:style>
+          <a:lnRef idx="2">
+            <a:schemeClr val="accent1">
+              <a:shade val="50000"/>
+            </a:schemeClr>
+          </a:lnRef>
+          <a:fillRef idx="1">
+            <a:schemeClr val="accent1"/>
+          </a:fillRef>
+          <a:effectRef idx="0">
+            <a:schemeClr val="accent1"/>
+          </a:effectRef>
+          <a:fontRef idx="minor">
+            <a:schemeClr val="lt1"/>
+          </a:fontRef>
+        </p:style>
+        <p:txBody>
+          <a:bodyPr rtlCol="0" anchor="ctr"/>
+          <a:lstStyle/>
+          <a:p>
+            <a:pPr algn="ctr"/>
+            <a:r>
+              <a:rPr lang="en-GB" sz="1000" dirty="0" smtClean="0">
+                <a:solidFill>
+                  <a:schemeClr val="tx1"/>
+                </a:solidFill>
+              </a:rPr>
+              <a:t>have</a:t>
+            </a:r>
+          </a:p>
+        </p:txBody>
+      </p:sp>
+      <p:sp>
+        <p:nvSpPr>
+          <p:cNvPr id="6" name="Rectangle 5"/>
+          <p:cNvSpPr/>
+          <p:nvPr/>
+        </p:nvSpPr>
+        <p:spPr>
+          <a:xfrm>
+            <a:off x="5868144" y="1942035"/>
+            <a:ext cx="432048" cy="144017"/>
+          </a:xfrm>
+          <a:prstGeom prst="rect">
+            <a:avLst/>
+          </a:prstGeom>
+          <a:solidFill>
+            <a:schemeClr val="bg1"/>
+          </a:solidFill>
+          <a:ln>
+            <a:noFill/>
+          </a:ln>
+        </p:spPr>
+        <p:style>
+          <a:lnRef idx="2">
+            <a:schemeClr val="accent1">
+              <a:shade val="50000"/>
+            </a:schemeClr>
+          </a:lnRef>
+          <a:fillRef idx="1">
+            <a:schemeClr val="accent1"/>
+          </a:fillRef>
+          <a:effectRef idx="0">
+            <a:schemeClr val="accent1"/>
+          </a:effectRef>
+          <a:fontRef idx="minor">
+            <a:schemeClr val="lt1"/>
+          </a:fontRef>
+        </p:style>
+        <p:txBody>
+          <a:bodyPr rtlCol="0" anchor="ctr"/>
+          <a:lstStyle/>
+          <a:p>
+            <a:pPr algn="ctr"/>
+            <a:r>
+              <a:rPr lang="en-GB" sz="1000" dirty="0" smtClean="0">
+                <a:solidFill>
+                  <a:schemeClr val="tx1"/>
+                </a:solidFill>
+              </a:rPr>
+              <a:t>have</a:t>
+            </a:r>
+            <a:endParaRPr lang="en-GB" sz="1000" dirty="0">
+              <a:solidFill>
+                <a:schemeClr val="tx1"/>
+              </a:solidFill>
+            </a:endParaRPr>
+          </a:p>
+        </p:txBody>
+      </p:sp>
+      <p:sp>
+        <p:nvSpPr>
+          <p:cNvPr id="7" name="Rectangle 6"/>
+          <p:cNvSpPr/>
+          <p:nvPr/>
+        </p:nvSpPr>
+        <p:spPr>
+          <a:xfrm>
+            <a:off x="5868144" y="2492914"/>
+            <a:ext cx="432048" cy="144017"/>
+          </a:xfrm>
+          <a:prstGeom prst="rect">
+            <a:avLst/>
+          </a:prstGeom>
+          <a:solidFill>
+            <a:schemeClr val="bg1"/>
+          </a:solidFill>
+          <a:ln>
+            <a:noFill/>
+          </a:ln>
+        </p:spPr>
+        <p:style>
+          <a:lnRef idx="2">
+            <a:schemeClr val="accent1">
+              <a:shade val="50000"/>
+            </a:schemeClr>
+          </a:lnRef>
+          <a:fillRef idx="1">
+            <a:schemeClr val="accent1"/>
+          </a:fillRef>
+          <a:effectRef idx="0">
+            <a:schemeClr val="accent1"/>
+          </a:effectRef>
+          <a:fontRef idx="minor">
+            <a:schemeClr val="lt1"/>
+          </a:fontRef>
+        </p:style>
+        <p:txBody>
+          <a:bodyPr rtlCol="0" anchor="ctr"/>
+          <a:lstStyle/>
+          <a:p>
+            <a:pPr algn="ctr"/>
+            <a:r>
+              <a:rPr lang="en-GB" sz="1000" dirty="0" smtClean="0">
+                <a:solidFill>
+                  <a:schemeClr val="tx1"/>
+                </a:solidFill>
+              </a:rPr>
+              <a:t>have</a:t>
+            </a:r>
+            <a:endParaRPr lang="en-GB" sz="1000" dirty="0">
+              <a:solidFill>
+                <a:schemeClr val="tx1"/>
+              </a:solidFill>
+            </a:endParaRPr>
+          </a:p>
+        </p:txBody>
+      </p:sp>
+      <p:sp>
+        <p:nvSpPr>
+          <p:cNvPr id="8" name="Rectangle 7"/>
+          <p:cNvSpPr/>
+          <p:nvPr/>
+        </p:nvSpPr>
+        <p:spPr>
+          <a:xfrm>
+            <a:off x="5868144" y="3011312"/>
+            <a:ext cx="432048" cy="144017"/>
+          </a:xfrm>
+          <a:prstGeom prst="rect">
+            <a:avLst/>
+          </a:prstGeom>
+          <a:solidFill>
+            <a:schemeClr val="bg1"/>
+          </a:solidFill>
+          <a:ln>
+            <a:noFill/>
+          </a:ln>
+        </p:spPr>
+        <p:style>
+          <a:lnRef idx="2">
+            <a:schemeClr val="accent1">
+              <a:shade val="50000"/>
+            </a:schemeClr>
+          </a:lnRef>
+          <a:fillRef idx="1">
+            <a:schemeClr val="accent1"/>
+          </a:fillRef>
+          <a:effectRef idx="0">
+            <a:schemeClr val="accent1"/>
+          </a:effectRef>
+          <a:fontRef idx="minor">
+            <a:schemeClr val="lt1"/>
+          </a:fontRef>
+        </p:style>
+        <p:txBody>
+          <a:bodyPr rtlCol="0" anchor="ctr"/>
+          <a:lstStyle/>
+          <a:p>
+            <a:pPr algn="ctr"/>
+            <a:r>
+              <a:rPr lang="en-GB" sz="1000" dirty="0" smtClean="0">
+                <a:solidFill>
+                  <a:schemeClr val="tx1"/>
+                </a:solidFill>
+              </a:rPr>
+              <a:t>have</a:t>
+            </a:r>
+            <a:endParaRPr lang="en-GB" sz="1000" dirty="0">
+              <a:solidFill>
+                <a:schemeClr val="tx1"/>
+              </a:solidFill>
+            </a:endParaRPr>
+          </a:p>
+        </p:txBody>
+      </p:sp>
+    </p:spTree>
+  </p:cSld>
+  <p:clrMapOvr>
+    <a:masterClrMapping/>
+  </p:clrMapOvr>
+  <p:timing>
+    <p:tnLst>
+      <p:par>
+        <p:cTn id="1" dur="indefinite" restart="never" nodeType="tmRoot"/>
+      </p:par>
+    </p:tnLst>
+  </p:timing>
+</p:sld>
+</file>
+
+<file path=ppt/slides/slide16.xml><?xml version="1.0" encoding="utf-8"?>
+<p:sld xmlns:a="http://schemas.openxmlformats.org/drawingml/2006/main" xmlns:r="http://schemas.openxmlformats.org/officeDocument/2006/relationships" xmlns:p="http://schemas.openxmlformats.org/presentationml/2006/main">
+  <p:cSld>
+    <p:spTree>
+      <p:nvGrpSpPr>
+        <p:cNvPr id="1" name=""/>
+        <p:cNvGrpSpPr/>
+        <p:nvPr/>
+      </p:nvGrpSpPr>
+      <p:grpSpPr>
+        <a:xfrm>
+          <a:off x="0" y="0"/>
+          <a:ext cx="0" cy="0"/>
+          <a:chOff x="0" y="0"/>
+          <a:chExt cx="0" cy="0"/>
+        </a:xfrm>
+      </p:grpSpPr>
+      <p:sp>
+        <p:nvSpPr>
+          <p:cNvPr id="2" name="Title 1"/>
+          <p:cNvSpPr>
+            <a:spLocks noGrp="1"/>
+          </p:cNvSpPr>
+          <p:nvPr>
+            <p:ph type="title"/>
+          </p:nvPr>
+        </p:nvSpPr>
+        <p:spPr/>
+        <p:txBody>
+          <a:bodyPr/>
+          <a:lstStyle/>
+          <a:p>
+            <a:r>
+              <a:rPr lang="en-GB" dirty="0" smtClean="0"/>
+              <a:t>System Architecture</a:t>
+            </a:r>
+            <a:endParaRPr lang="en-GB" dirty="0"/>
+          </a:p>
+        </p:txBody>
+      </p:sp>
+      <p:pic>
+        <p:nvPicPr>
+          <p:cNvPr id="3" name="Picture 2"/>
+          <p:cNvPicPr>
+            <a:picLocks noChangeAspect="1"/>
+          </p:cNvPicPr>
+          <p:nvPr/>
+        </p:nvPicPr>
+        <p:blipFill>
+          <a:blip r:embed="rId3"/>
+          <a:stretch>
+            <a:fillRect/>
+          </a:stretch>
+        </p:blipFill>
+        <p:spPr>
+          <a:xfrm>
+            <a:off x="371050" y="1628800"/>
+            <a:ext cx="8377414" cy="3982596"/>
+          </a:xfrm>
+          <a:prstGeom prst="rect">
+            <a:avLst/>
+          </a:prstGeom>
+        </p:spPr>
+      </p:pic>
+    </p:spTree>
+  </p:cSld>
+  <p:clrMapOvr>
+    <a:masterClrMapping/>
+  </p:clrMapOvr>
+  <p:timing>
+    <p:tnLst>
+      <p:par>
+        <p:cTn id="1" dur="indefinite" restart="never" nodeType="tmRoot"/>
+      </p:par>
+    </p:tnLst>
+  </p:timing>
+</p:sld>
+</file>
+
+<file path=ppt/slides/slide2.xml><?xml version="1.0" encoding="utf-8"?>
+<p:sld xmlns:a="http://schemas.openxmlformats.org/drawingml/2006/main" xmlns:r="http://schemas.openxmlformats.org/officeDocument/2006/relationships" xmlns:p="http://schemas.openxmlformats.org/presentationml/2006/main">
+  <p:cSld>
+    <p:spTree>
+      <p:nvGrpSpPr>
+        <p:cNvPr id="1" name=""/>
+        <p:cNvGrpSpPr/>
+        <p:nvPr/>
+      </p:nvGrpSpPr>
+      <p:grpSpPr>
+        <a:xfrm>
+          <a:off x="0" y="0"/>
+          <a:ext cx="0" cy="0"/>
+          <a:chOff x="0" y="0"/>
+          <a:chExt cx="0" cy="0"/>
+        </a:xfrm>
+      </p:grpSpPr>
+      <p:pic>
+        <p:nvPicPr>
+          <p:cNvPr id="4" name="Content Placeholder 3"/>
+          <p:cNvPicPr>
+            <a:picLocks noGrp="1" noChangeAspect="1"/>
+          </p:cNvPicPr>
+          <p:nvPr>
+            <p:ph idx="1"/>
+          </p:nvPr>
+        </p:nvPicPr>
+        <p:blipFill>
+          <a:blip r:embed="rId3">
+            <a:extLst>
+              <a:ext uri="{28A0092B-C50C-407E-A947-70E740481C1C}">
+                <a14:useLocalDpi xmlns:a14="http://schemas.microsoft.com/office/drawing/2010/main" val="0"/>
+              </a:ext>
+            </a:extLst>
+          </a:blip>
+          <a:stretch>
+            <a:fillRect/>
+          </a:stretch>
+        </p:blipFill>
+        <p:spPr>
+          <a:xfrm>
+            <a:off x="2667000" y="2586831"/>
+            <a:ext cx="3810000" cy="2552700"/>
+          </a:xfrm>
+        </p:spPr>
+      </p:pic>
+      <p:sp>
+        <p:nvSpPr>
+          <p:cNvPr id="5" name="Title 4"/>
+          <p:cNvSpPr>
+            <a:spLocks noGrp="1"/>
+          </p:cNvSpPr>
+          <p:nvPr>
+            <p:ph type="title"/>
+          </p:nvPr>
+        </p:nvSpPr>
+        <p:spPr>
           <a:prstGeom prst="rect">
             <a:avLst/>
           </a:prstGeom>
@@ -3696,295 +7568,22 @@
         </p:txBody>
       </p:sp>
     </p:spTree>
+    <p:extLst>
+      <p:ext uri="{BB962C8B-B14F-4D97-AF65-F5344CB8AC3E}">
+        <p14:creationId xmlns:p14="http://schemas.microsoft.com/office/powerpoint/2010/main" val="2449616909"/>
+      </p:ext>
+    </p:extLst>
   </p:cSld>
   <p:clrMapOvr>
     <a:masterClrMapping/>
   </p:clrMapOvr>
-</p:sld>
-</file>
-
-<file path=ppt/slides/slide10.xml><?xml version="1.0" encoding="utf-8"?>
-<p:sld xmlns:a="http://schemas.openxmlformats.org/drawingml/2006/main" xmlns:r="http://schemas.openxmlformats.org/officeDocument/2006/relationships" xmlns:p="http://schemas.openxmlformats.org/presentationml/2006/main">
-  <p:cSld>
-    <p:spTree>
-      <p:nvGrpSpPr>
-        <p:cNvPr id="1" name=""/>
-        <p:cNvGrpSpPr/>
-        <p:nvPr/>
-      </p:nvGrpSpPr>
-      <p:grpSpPr>
-        <a:xfrm>
-          <a:off x="0" y="0"/>
-          <a:ext cx="0" cy="0"/>
-          <a:chOff x="0" y="0"/>
-          <a:chExt cx="0" cy="0"/>
-        </a:xfrm>
-      </p:grpSpPr>
-      <p:pic>
-        <p:nvPicPr>
-          <p:cNvPr id="24578" name="Picture 2" descr="https://cloud.githubusercontent.com/assets/3807889/6130929/8f66bbb2-b140-11e4-8dcb-29ebabdc12da.png"/>
-          <p:cNvPicPr>
-            <a:picLocks noChangeAspect="1" noChangeArrowheads="1"/>
-          </p:cNvPicPr>
-          <p:nvPr/>
-        </p:nvPicPr>
-        <p:blipFill>
-          <a:blip r:embed="rId2" cstate="print"/>
-          <a:srcRect/>
-          <a:stretch>
-            <a:fillRect/>
-          </a:stretch>
-        </p:blipFill>
-        <p:spPr bwMode="auto">
-          <a:xfrm>
-            <a:off x="0" y="48678"/>
-            <a:ext cx="9144000" cy="6675971"/>
-          </a:xfrm>
-          <a:prstGeom prst="rect">
-            <a:avLst/>
-          </a:prstGeom>
-          <a:noFill/>
-        </p:spPr>
-      </p:pic>
-    </p:spTree>
-  </p:cSld>
-  <p:clrMapOvr>
-    <a:masterClrMapping/>
-  </p:clrMapOvr>
-</p:sld>
-</file>
-
-<file path=ppt/slides/slide11.xml><?xml version="1.0" encoding="utf-8"?>
-<p:sld xmlns:a="http://schemas.openxmlformats.org/drawingml/2006/main" xmlns:r="http://schemas.openxmlformats.org/officeDocument/2006/relationships" xmlns:p="http://schemas.openxmlformats.org/presentationml/2006/main">
-  <p:cSld>
-    <p:spTree>
-      <p:nvGrpSpPr>
-        <p:cNvPr id="1" name=""/>
-        <p:cNvGrpSpPr/>
-        <p:nvPr/>
-      </p:nvGrpSpPr>
-      <p:grpSpPr>
-        <a:xfrm>
-          <a:off x="0" y="0"/>
-          <a:ext cx="0" cy="0"/>
-          <a:chOff x="0" y="0"/>
-          <a:chExt cx="0" cy="0"/>
-        </a:xfrm>
-      </p:grpSpPr>
-      <p:sp>
-        <p:nvSpPr>
-          <p:cNvPr id="2" name="Title 1"/>
-          <p:cNvSpPr>
-            <a:spLocks noGrp="1"/>
-          </p:cNvSpPr>
-          <p:nvPr>
-            <p:ph type="title"/>
-          </p:nvPr>
-        </p:nvSpPr>
-        <p:spPr>
-          <a:xfrm>
-            <a:off x="467544" y="-171400"/>
-            <a:ext cx="8229600" cy="1143000"/>
-          </a:xfrm>
-        </p:spPr>
-        <p:txBody>
-          <a:bodyPr/>
-          <a:lstStyle/>
-          <a:p>
-            <a:r>
-              <a:rPr lang="en-GB" dirty="0" smtClean="0"/>
-              <a:t>Entity-Relationship Diagram</a:t>
-            </a:r>
-            <a:endParaRPr lang="en-GB" dirty="0"/>
-          </a:p>
-        </p:txBody>
-      </p:sp>
-      <p:pic>
-        <p:nvPicPr>
-          <p:cNvPr id="5122" name="Picture 2" descr="ER_Diagram.jpg"/>
-          <p:cNvPicPr>
-            <a:picLocks noChangeAspect="1" noChangeArrowheads="1"/>
-          </p:cNvPicPr>
-          <p:nvPr/>
-        </p:nvPicPr>
-        <p:blipFill>
-          <a:blip r:embed="rId3" cstate="print"/>
-          <a:srcRect/>
-          <a:stretch>
-            <a:fillRect/>
-          </a:stretch>
-        </p:blipFill>
-        <p:spPr bwMode="auto">
-          <a:xfrm>
-            <a:off x="611560" y="836712"/>
-            <a:ext cx="7747932" cy="5832648"/>
-          </a:xfrm>
-          <a:prstGeom prst="rect">
-            <a:avLst/>
-          </a:prstGeom>
-          <a:noFill/>
-        </p:spPr>
-      </p:pic>
-    </p:spTree>
-  </p:cSld>
-  <p:clrMapOvr>
-    <a:masterClrMapping/>
-  </p:clrMapOvr>
-</p:sld>
-</file>
-
-<file path=ppt/slides/slide12.xml><?xml version="1.0" encoding="utf-8"?>
-<p:sld xmlns:a="http://schemas.openxmlformats.org/drawingml/2006/main" xmlns:r="http://schemas.openxmlformats.org/officeDocument/2006/relationships" xmlns:p="http://schemas.openxmlformats.org/presentationml/2006/main">
-  <p:cSld>
-    <p:spTree>
-      <p:nvGrpSpPr>
-        <p:cNvPr id="1" name=""/>
-        <p:cNvGrpSpPr/>
-        <p:nvPr/>
-      </p:nvGrpSpPr>
-      <p:grpSpPr>
-        <a:xfrm>
-          <a:off x="0" y="0"/>
-          <a:ext cx="0" cy="0"/>
-          <a:chOff x="0" y="0"/>
-          <a:chExt cx="0" cy="0"/>
-        </a:xfrm>
-      </p:grpSpPr>
-      <p:sp>
-        <p:nvSpPr>
-          <p:cNvPr id="2" name="Title 1"/>
-          <p:cNvSpPr>
-            <a:spLocks noGrp="1"/>
-          </p:cNvSpPr>
-          <p:nvPr>
-            <p:ph type="title"/>
-          </p:nvPr>
-        </p:nvSpPr>
-        <p:spPr/>
-        <p:txBody>
-          <a:bodyPr/>
-          <a:lstStyle/>
-          <a:p>
-            <a:r>
-              <a:rPr lang="en-GB" dirty="0" smtClean="0"/>
-              <a:t>System Architecture</a:t>
-            </a:r>
-            <a:endParaRPr lang="en-GB" dirty="0"/>
-          </a:p>
-        </p:txBody>
-      </p:sp>
-      <p:pic>
-        <p:nvPicPr>
-          <p:cNvPr id="2050" name="Picture 2" descr="System_Architecture.jpg"/>
-          <p:cNvPicPr>
-            <a:picLocks noChangeAspect="1" noChangeArrowheads="1"/>
-          </p:cNvPicPr>
-          <p:nvPr/>
-        </p:nvPicPr>
-        <p:blipFill>
-          <a:blip r:embed="rId2" cstate="print"/>
-          <a:srcRect/>
-          <a:stretch>
-            <a:fillRect/>
-          </a:stretch>
-        </p:blipFill>
-        <p:spPr bwMode="auto">
-          <a:xfrm>
-            <a:off x="260747" y="1484784"/>
-            <a:ext cx="8883253" cy="2984686"/>
-          </a:xfrm>
-          <a:prstGeom prst="rect">
-            <a:avLst/>
-          </a:prstGeom>
-          <a:noFill/>
-        </p:spPr>
-      </p:pic>
-    </p:spTree>
-  </p:cSld>
-  <p:clrMapOvr>
-    <a:masterClrMapping/>
-  </p:clrMapOvr>
-</p:sld>
-</file>
-
-<file path=ppt/slides/slide2.xml><?xml version="1.0" encoding="utf-8"?>
-<p:sld xmlns:a="http://schemas.openxmlformats.org/drawingml/2006/main" xmlns:r="http://schemas.openxmlformats.org/officeDocument/2006/relationships" xmlns:p="http://schemas.openxmlformats.org/presentationml/2006/main">
-  <p:cSld>
-    <p:spTree>
-      <p:nvGrpSpPr>
-        <p:cNvPr id="1" name=""/>
-        <p:cNvGrpSpPr/>
-        <p:nvPr/>
-      </p:nvGrpSpPr>
-      <p:grpSpPr>
-        <a:xfrm>
-          <a:off x="0" y="0"/>
-          <a:ext cx="0" cy="0"/>
-          <a:chOff x="0" y="0"/>
-          <a:chExt cx="0" cy="0"/>
-        </a:xfrm>
-      </p:grpSpPr>
-      <p:sp>
-        <p:nvSpPr>
-          <p:cNvPr id="2" name="Title 1"/>
-          <p:cNvSpPr>
-            <a:spLocks noGrp="1"/>
-          </p:cNvSpPr>
-          <p:nvPr>
-            <p:ph type="title"/>
-          </p:nvPr>
-        </p:nvSpPr>
-        <p:spPr/>
-        <p:txBody>
-          <a:bodyPr/>
-          <a:lstStyle/>
-          <a:p>
-            <a:r>
-              <a:rPr lang="en-GB" dirty="0" smtClean="0"/>
-              <a:t>Aim</a:t>
-            </a:r>
-            <a:endParaRPr lang="en-GB" dirty="0"/>
-          </a:p>
-        </p:txBody>
-      </p:sp>
-      <p:sp>
-        <p:nvSpPr>
-          <p:cNvPr id="5" name="TextBox 4"/>
-          <p:cNvSpPr txBox="1"/>
-          <p:nvPr/>
-        </p:nvSpPr>
-        <p:spPr>
-          <a:xfrm>
-            <a:off x="467544" y="1412776"/>
-            <a:ext cx="8424936" cy="1661993"/>
-          </a:xfrm>
-          <a:prstGeom prst="rect">
-            <a:avLst/>
-          </a:prstGeom>
-          <a:noFill/>
-        </p:spPr>
-        <p:txBody>
-          <a:bodyPr wrap="square" rtlCol="0">
-            <a:spAutoFit/>
-          </a:bodyPr>
-          <a:lstStyle/>
-          <a:p>
-            <a:pPr algn="ctr"/>
-            <a:r>
-              <a:rPr lang="en-GB" sz="2800" dirty="0" smtClean="0"/>
-              <a:t>To provide an application that is accessible to all online which provides users with personalised recommendations for places to get food. </a:t>
-            </a:r>
-          </a:p>
-          <a:p>
-            <a:endParaRPr lang="en-GB" dirty="0"/>
-          </a:p>
-        </p:txBody>
-      </p:sp>
-    </p:spTree>
-  </p:cSld>
-  <p:clrMapOvr>
-    <a:masterClrMapping/>
-  </p:clrMapOvr>
+  <p:timing>
+    <p:tnLst>
+      <p:par>
+        <p:cTn id="1" dur="indefinite" restart="never" nodeType="tmRoot"/>
+      </p:par>
+    </p:tnLst>
+  </p:timing>
 </p:sld>
 </file>
 
@@ -4015,14 +7614,19 @@
             <p:ph type="title"/>
           </p:nvPr>
         </p:nvSpPr>
-        <p:spPr/>
+        <p:spPr>
+          <a:xfrm>
+            <a:off x="323528" y="297889"/>
+            <a:ext cx="8229600" cy="1143000"/>
+          </a:xfrm>
+        </p:spPr>
         <p:txBody>
           <a:bodyPr/>
           <a:lstStyle/>
           <a:p>
             <a:r>
               <a:rPr lang="en-GB" dirty="0" smtClean="0"/>
-              <a:t>Main Features</a:t>
+              <a:t>Aim</a:t>
             </a:r>
             <a:endParaRPr lang="en-GB" dirty="0"/>
           </a:p>
@@ -4030,50 +7634,32 @@
       </p:sp>
       <p:sp>
         <p:nvSpPr>
-          <p:cNvPr id="3" name="Content Placeholder 2"/>
-          <p:cNvSpPr>
-            <a:spLocks noGrp="1"/>
-          </p:cNvSpPr>
-          <p:nvPr>
-            <p:ph idx="1"/>
-          </p:nvPr>
-        </p:nvSpPr>
-        <p:spPr/>
-        <p:txBody>
-          <a:bodyPr/>
-          <a:lstStyle/>
-          <a:p>
-            <a:r>
-              <a:rPr lang="en-GB" dirty="0" smtClean="0"/>
-              <a:t>Immediate food location recommendations, whether or not you have signed up.</a:t>
-            </a:r>
-          </a:p>
-          <a:p>
-            <a:r>
-              <a:rPr lang="en-GB" dirty="0" smtClean="0"/>
-              <a:t>Takes </a:t>
-            </a:r>
-            <a:r>
-              <a:rPr lang="en-GB" dirty="0"/>
-              <a:t>into account what other people have </a:t>
-            </a:r>
-            <a:r>
-              <a:rPr lang="en-GB" dirty="0" smtClean="0"/>
-              <a:t>rated if you are similar users (like the same places).</a:t>
-            </a:r>
-            <a:endParaRPr lang="en-GB" dirty="0"/>
-          </a:p>
-          <a:p>
-            <a:r>
-              <a:rPr lang="en-GB" dirty="0" smtClean="0"/>
-              <a:t>Uses familiar Google Maps API to provide directions and maps.</a:t>
-            </a:r>
-          </a:p>
-          <a:p>
-            <a:r>
-              <a:rPr lang="en-GB" dirty="0" smtClean="0"/>
-              <a:t>Provides links to menus, and price lists.</a:t>
-            </a:r>
+          <p:cNvPr id="5" name="TextBox 4"/>
+          <p:cNvSpPr txBox="1"/>
+          <p:nvPr/>
+        </p:nvSpPr>
+        <p:spPr>
+          <a:xfrm>
+            <a:off x="755576" y="1988840"/>
+            <a:ext cx="7920880" cy="1661993"/>
+          </a:xfrm>
+          <a:prstGeom prst="rect">
+            <a:avLst/>
+          </a:prstGeom>
+          <a:noFill/>
+        </p:spPr>
+        <p:txBody>
+          <a:bodyPr wrap="square" rtlCol="0">
+            <a:spAutoFit/>
+          </a:bodyPr>
+          <a:lstStyle/>
+          <a:p>
+            <a:r>
+              <a:rPr lang="en-GB" sz="2800" dirty="0" smtClean="0"/>
+              <a:t>To provide an application that is accessible to all online which provides users with personalised recommendations for places to get food. </a:t>
+            </a:r>
+          </a:p>
+          <a:p>
             <a:endParaRPr lang="en-GB" dirty="0"/>
           </a:p>
         </p:txBody>
@@ -4083,6 +7669,13 @@
   <p:clrMapOvr>
     <a:masterClrMapping/>
   </p:clrMapOvr>
+  <p:timing>
+    <p:tnLst>
+      <p:par>
+        <p:cTn id="1" dur="indefinite" restart="never" nodeType="tmRoot"/>
+      </p:par>
+    </p:tnLst>
+  </p:timing>
 </p:sld>
 </file>
 
@@ -4120,6 +7713,111 @@
           <a:p>
             <a:r>
               <a:rPr lang="en-GB" dirty="0" smtClean="0"/>
+              <a:t>Main Features</a:t>
+            </a:r>
+            <a:endParaRPr lang="en-GB" dirty="0"/>
+          </a:p>
+        </p:txBody>
+      </p:sp>
+      <p:sp>
+        <p:nvSpPr>
+          <p:cNvPr id="3" name="Content Placeholder 2"/>
+          <p:cNvSpPr>
+            <a:spLocks noGrp="1"/>
+          </p:cNvSpPr>
+          <p:nvPr>
+            <p:ph idx="1"/>
+          </p:nvPr>
+        </p:nvSpPr>
+        <p:spPr/>
+        <p:txBody>
+          <a:bodyPr/>
+          <a:lstStyle/>
+          <a:p>
+            <a:r>
+              <a:rPr lang="en-GB" dirty="0" smtClean="0"/>
+              <a:t>Immediate food location recommendations, whether or not you have signed up.</a:t>
+            </a:r>
+          </a:p>
+          <a:p>
+            <a:r>
+              <a:rPr lang="en-GB" dirty="0" smtClean="0"/>
+              <a:t>Takes </a:t>
+            </a:r>
+            <a:r>
+              <a:rPr lang="en-GB" dirty="0"/>
+              <a:t>into account what other people have </a:t>
+            </a:r>
+            <a:r>
+              <a:rPr lang="en-GB" dirty="0" smtClean="0"/>
+              <a:t>rated if you are similar users (like the same places).</a:t>
+            </a:r>
+            <a:endParaRPr lang="en-GB" dirty="0"/>
+          </a:p>
+          <a:p>
+            <a:r>
+              <a:rPr lang="en-GB" dirty="0" smtClean="0"/>
+              <a:t>Uses familiar Google Maps API to provide directions and maps.</a:t>
+            </a:r>
+          </a:p>
+          <a:p>
+            <a:r>
+              <a:rPr lang="en-GB" dirty="0" smtClean="0"/>
+              <a:t>Provides links to menus, and price lists.</a:t>
+            </a:r>
+            <a:endParaRPr lang="en-GB" dirty="0"/>
+          </a:p>
+        </p:txBody>
+      </p:sp>
+    </p:spTree>
+  </p:cSld>
+  <p:clrMapOvr>
+    <a:masterClrMapping/>
+  </p:clrMapOvr>
+  <p:timing>
+    <p:tnLst>
+      <p:par>
+        <p:cTn id="1" dur="indefinite" restart="never" nodeType="tmRoot"/>
+      </p:par>
+    </p:tnLst>
+  </p:timing>
+</p:sld>
+</file>
+
+<file path=ppt/slides/slide5.xml><?xml version="1.0" encoding="utf-8"?>
+<p:sld xmlns:a="http://schemas.openxmlformats.org/drawingml/2006/main" xmlns:r="http://schemas.openxmlformats.org/officeDocument/2006/relationships" xmlns:p="http://schemas.openxmlformats.org/presentationml/2006/main">
+  <p:cSld>
+    <p:spTree>
+      <p:nvGrpSpPr>
+        <p:cNvPr id="1" name=""/>
+        <p:cNvGrpSpPr/>
+        <p:nvPr/>
+      </p:nvGrpSpPr>
+      <p:grpSpPr>
+        <a:xfrm>
+          <a:off x="0" y="0"/>
+          <a:ext cx="0" cy="0"/>
+          <a:chOff x="0" y="0"/>
+          <a:chExt cx="0" cy="0"/>
+        </a:xfrm>
+      </p:grpSpPr>
+      <p:sp>
+        <p:nvSpPr>
+          <p:cNvPr id="2" name="Title 1"/>
+          <p:cNvSpPr>
+            <a:spLocks noGrp="1"/>
+          </p:cNvSpPr>
+          <p:nvPr>
+            <p:ph type="title"/>
+          </p:nvPr>
+        </p:nvSpPr>
+        <p:spPr/>
+        <p:txBody>
+          <a:bodyPr/>
+          <a:lstStyle/>
+          <a:p>
+            <a:r>
+              <a:rPr lang="en-GB" dirty="0" smtClean="0"/>
               <a:t>Persona – Steven Jacobs</a:t>
             </a:r>
             <a:endParaRPr lang="en-GB" dirty="0"/>
@@ -4150,8 +7848,12 @@
           <a:p>
             <a:pPr lvl="0"/>
             <a:r>
+              <a:rPr lang="en-GB" dirty="0" smtClean="0"/>
+              <a:t>35 years </a:t>
+            </a:r>
+            <a:r>
               <a:rPr lang="en-GB" dirty="0"/>
-              <a:t>25 years old</a:t>
+              <a:t>old</a:t>
             </a:r>
           </a:p>
           <a:p>
@@ -4187,7 +7889,7 @@
               <a:t>“I love a cheeky </a:t>
             </a:r>
             <a:r>
-              <a:rPr lang="en-GB" dirty="0" err="1"/>
+              <a:rPr lang="en-GB" dirty="0"/>
               <a:t>Nandos</a:t>
             </a:r>
             <a:r>
@@ -4204,7 +7906,7 @@
           <p:nvPr/>
         </p:nvPicPr>
         <p:blipFill>
-          <a:blip r:embed="rId2" cstate="print"/>
+          <a:blip r:embed="rId3" cstate="print"/>
           <a:srcRect/>
           <a:stretch>
             <a:fillRect/>
@@ -4338,10 +8040,17 @@
   <p:clrMapOvr>
     <a:masterClrMapping/>
   </p:clrMapOvr>
+  <p:timing>
+    <p:tnLst>
+      <p:par>
+        <p:cTn id="1" dur="indefinite" restart="never" nodeType="tmRoot"/>
+      </p:par>
+    </p:tnLst>
+  </p:timing>
 </p:sld>
 </file>
 
-<file path=ppt/slides/slide5.xml><?xml version="1.0" encoding="utf-8"?>
+<file path=ppt/slides/slide6.xml><?xml version="1.0" encoding="utf-8"?>
 <p:sld xmlns:a="http://schemas.openxmlformats.org/drawingml/2006/main" xmlns:r="http://schemas.openxmlformats.org/officeDocument/2006/relationships" xmlns:p="http://schemas.openxmlformats.org/presentationml/2006/main">
   <p:cSld>
     <p:spTree>
@@ -4574,15 +8283,7 @@
             </a:r>
             <a:r>
               <a:rPr lang="en-GB" dirty="0" smtClean="0"/>
-              <a:t>She’s a big </a:t>
-            </a:r>
-            <a:r>
-              <a:rPr lang="en-GB" dirty="0" err="1" smtClean="0"/>
-              <a:t>Facebook</a:t>
-            </a:r>
-            <a:r>
-              <a:rPr lang="en-GB" dirty="0" smtClean="0"/>
-              <a:t> user, so </a:t>
+              <a:t>She’s a big Facebook user, so </a:t>
             </a:r>
             <a:r>
               <a:rPr lang="en-GB" i="1" dirty="0" smtClean="0"/>
@@ -4611,7 +8312,7 @@
           <p:nvPr/>
         </p:nvPicPr>
         <p:blipFill>
-          <a:blip r:embed="rId2" cstate="print"/>
+          <a:blip r:embed="rId3" cstate="print"/>
           <a:srcRect/>
           <a:stretch>
             <a:fillRect/>
@@ -4639,158 +8340,13 @@
   <p:clrMapOvr>
     <a:masterClrMapping/>
   </p:clrMapOvr>
-</p:sld>
-</file>
-
-<file path=ppt/slides/slide6.xml><?xml version="1.0" encoding="utf-8"?>
-<p:sld xmlns:a="http://schemas.openxmlformats.org/drawingml/2006/main" xmlns:r="http://schemas.openxmlformats.org/officeDocument/2006/relationships" xmlns:p="http://schemas.openxmlformats.org/presentationml/2006/main">
-  <p:cSld>
-    <p:spTree>
-      <p:nvGrpSpPr>
-        <p:cNvPr id="1" name=""/>
-        <p:cNvGrpSpPr/>
-        <p:nvPr/>
-      </p:nvGrpSpPr>
-      <p:grpSpPr>
-        <a:xfrm>
-          <a:off x="0" y="0"/>
-          <a:ext cx="0" cy="0"/>
-          <a:chOff x="0" y="0"/>
-          <a:chExt cx="0" cy="0"/>
-        </a:xfrm>
-      </p:grpSpPr>
-      <p:sp>
-        <p:nvSpPr>
-          <p:cNvPr id="2" name="Title 1"/>
-          <p:cNvSpPr>
-            <a:spLocks noGrp="1"/>
-          </p:cNvSpPr>
-          <p:nvPr>
-            <p:ph type="title"/>
-          </p:nvPr>
-        </p:nvSpPr>
-        <p:spPr/>
-        <p:txBody>
-          <a:bodyPr/>
-          <a:lstStyle/>
-          <a:p>
-            <a:r>
-              <a:rPr lang="en-GB" dirty="0" smtClean="0"/>
-              <a:t>Specification</a:t>
-            </a:r>
-            <a:endParaRPr lang="en-GB" dirty="0"/>
-          </a:p>
-        </p:txBody>
-      </p:sp>
-      <p:sp>
-        <p:nvSpPr>
-          <p:cNvPr id="3" name="Content Placeholder 2"/>
-          <p:cNvSpPr>
-            <a:spLocks noGrp="1"/>
-          </p:cNvSpPr>
-          <p:nvPr>
-            <p:ph idx="1"/>
-          </p:nvPr>
-        </p:nvSpPr>
-        <p:spPr/>
-        <p:txBody>
-          <a:bodyPr>
-            <a:normAutofit fontScale="77500" lnSpcReduction="20000"/>
-          </a:bodyPr>
-          <a:lstStyle/>
-          <a:p>
-            <a:r>
-              <a:rPr lang="en-GB" dirty="0" smtClean="0"/>
-              <a:t>Takes location (street/postcode) </a:t>
-            </a:r>
-            <a:r>
-              <a:rPr lang="en-GB" dirty="0"/>
-              <a:t>from user if they don't have an </a:t>
-            </a:r>
-            <a:r>
-              <a:rPr lang="en-GB" dirty="0" smtClean="0"/>
-              <a:t>account.</a:t>
-            </a:r>
-            <a:endParaRPr lang="en-GB" dirty="0"/>
-          </a:p>
-          <a:p>
-            <a:r>
-              <a:rPr lang="en-GB" dirty="0"/>
-              <a:t>Recommends places based on ratings and location in relation to </a:t>
-            </a:r>
-            <a:r>
-              <a:rPr lang="en-GB" dirty="0" smtClean="0"/>
-              <a:t>user.</a:t>
-            </a:r>
-            <a:endParaRPr lang="en-GB" dirty="0"/>
-          </a:p>
-          <a:p>
-            <a:r>
-              <a:rPr lang="en-GB" dirty="0"/>
-              <a:t>Gives information on the recommended place based on Google Maps API (reviews, </a:t>
-            </a:r>
-            <a:r>
-              <a:rPr lang="en-GB" dirty="0" smtClean="0"/>
-              <a:t>menu, pricelists).</a:t>
-            </a:r>
-            <a:endParaRPr lang="en-GB" dirty="0"/>
-          </a:p>
-          <a:p>
-            <a:r>
-              <a:rPr lang="en-GB" dirty="0"/>
-              <a:t>Stores </a:t>
-            </a:r>
-            <a:r>
-              <a:rPr lang="en-GB" dirty="0" smtClean="0"/>
-              <a:t>a log of decisions (favourite, eat, dismiss, blacklist) </a:t>
-            </a:r>
-            <a:r>
-              <a:rPr lang="en-GB" dirty="0"/>
-              <a:t>made by the user in order to make sure places they don’t like don't come up again, and that they don't get the same places </a:t>
-            </a:r>
-            <a:r>
-              <a:rPr lang="en-GB" dirty="0" smtClean="0"/>
-              <a:t>too many times </a:t>
-            </a:r>
-            <a:r>
-              <a:rPr lang="en-GB" dirty="0"/>
-              <a:t>in a few </a:t>
-            </a:r>
-            <a:r>
-              <a:rPr lang="en-GB" dirty="0" smtClean="0"/>
-              <a:t>days.</a:t>
-            </a:r>
-            <a:endParaRPr lang="en-GB" dirty="0"/>
-          </a:p>
-          <a:p>
-            <a:r>
-              <a:rPr lang="en-GB" dirty="0"/>
-              <a:t>Users can </a:t>
-            </a:r>
-            <a:r>
-              <a:rPr lang="en-GB" dirty="0" smtClean="0"/>
-              <a:t>create an account </a:t>
-            </a:r>
-            <a:r>
-              <a:rPr lang="en-GB" dirty="0"/>
-              <a:t>to store preferences and </a:t>
-            </a:r>
-            <a:r>
-              <a:rPr lang="en-GB" dirty="0" smtClean="0"/>
-              <a:t>locations</a:t>
-            </a:r>
-            <a:r>
-              <a:rPr lang="en-GB" dirty="0"/>
-              <a:t>.</a:t>
-            </a:r>
-          </a:p>
-        </p:txBody>
-      </p:sp>
-    </p:spTree>
-  </p:cSld>
-  <p:clrMapOvr>
-    <a:masterClrMapping/>
-  </p:clrMapOvr>
+  <p:timing>
+    <p:tnLst>
+      <p:par>
+        <p:cTn id="1" dur="indefinite" restart="never" nodeType="tmRoot"/>
+      </p:par>
+    </p:tnLst>
+  </p:timing>
 </p:sld>
 </file>
 
@@ -4811,37 +8367,145 @@
           <a:chExt cx="0" cy="0"/>
         </a:xfrm>
       </p:grpSpPr>
-      <p:pic>
-        <p:nvPicPr>
-          <p:cNvPr id="4098" name="Picture 2" descr="https://cloud.githubusercontent.com/assets/3807889/6130912/7236631c-b140-11e4-8590-1cea6a8e46c1.png"/>
-          <p:cNvPicPr>
-            <a:picLocks noChangeAspect="1" noChangeArrowheads="1"/>
-          </p:cNvPicPr>
-          <p:nvPr/>
-        </p:nvPicPr>
-        <p:blipFill>
-          <a:blip r:embed="rId2" cstate="print"/>
-          <a:srcRect/>
-          <a:stretch>
-            <a:fillRect/>
-          </a:stretch>
-        </p:blipFill>
-        <p:spPr bwMode="auto">
-          <a:xfrm>
-            <a:off x="1" y="0"/>
-            <a:ext cx="9144000" cy="6742164"/>
-          </a:xfrm>
-          <a:prstGeom prst="rect">
-            <a:avLst/>
-          </a:prstGeom>
-          <a:noFill/>
-        </p:spPr>
-      </p:pic>
+      <p:sp>
+        <p:nvSpPr>
+          <p:cNvPr id="2" name="Title 1"/>
+          <p:cNvSpPr>
+            <a:spLocks noGrp="1"/>
+          </p:cNvSpPr>
+          <p:nvPr>
+            <p:ph type="title"/>
+          </p:nvPr>
+        </p:nvSpPr>
+        <p:spPr/>
+        <p:txBody>
+          <a:bodyPr/>
+          <a:lstStyle/>
+          <a:p>
+            <a:r>
+              <a:rPr lang="en-GB" dirty="0" smtClean="0"/>
+              <a:t>Specification</a:t>
+            </a:r>
+            <a:endParaRPr lang="en-GB" dirty="0"/>
+          </a:p>
+        </p:txBody>
+      </p:sp>
+      <p:sp>
+        <p:nvSpPr>
+          <p:cNvPr id="3" name="Content Placeholder 2"/>
+          <p:cNvSpPr>
+            <a:spLocks noGrp="1"/>
+          </p:cNvSpPr>
+          <p:nvPr>
+            <p:ph idx="1"/>
+          </p:nvPr>
+        </p:nvSpPr>
+        <p:spPr/>
+        <p:txBody>
+          <a:bodyPr>
+            <a:normAutofit fontScale="77500" lnSpcReduction="20000"/>
+          </a:bodyPr>
+          <a:lstStyle/>
+          <a:p>
+            <a:r>
+              <a:rPr lang="en-GB" dirty="0" smtClean="0"/>
+              <a:t>Takes location (street/postcode) </a:t>
+            </a:r>
+            <a:r>
+              <a:rPr lang="en-GB" dirty="0"/>
+              <a:t>from user if they don't have an </a:t>
+            </a:r>
+            <a:r>
+              <a:rPr lang="en-GB" dirty="0" smtClean="0"/>
+              <a:t>account.</a:t>
+            </a:r>
+            <a:endParaRPr lang="en-GB" dirty="0"/>
+          </a:p>
+          <a:p>
+            <a:r>
+              <a:rPr lang="en-GB" dirty="0"/>
+              <a:t>Recommends places based on ratings and location in relation to </a:t>
+            </a:r>
+            <a:r>
+              <a:rPr lang="en-GB" dirty="0" smtClean="0"/>
+              <a:t>user.</a:t>
+            </a:r>
+            <a:endParaRPr lang="en-GB" dirty="0"/>
+          </a:p>
+          <a:p>
+            <a:r>
+              <a:rPr lang="en-GB" dirty="0"/>
+              <a:t>Gives information on the recommended place based on Google Maps API (reviews, </a:t>
+            </a:r>
+            <a:r>
+              <a:rPr lang="en-GB" dirty="0" smtClean="0"/>
+              <a:t>menu, pricelists).</a:t>
+            </a:r>
+            <a:endParaRPr lang="en-GB" dirty="0"/>
+          </a:p>
+          <a:p>
+            <a:r>
+              <a:rPr lang="en-GB" dirty="0"/>
+              <a:t>Stores </a:t>
+            </a:r>
+            <a:r>
+              <a:rPr lang="en-GB" dirty="0" smtClean="0"/>
+              <a:t>a log of decisions (favourite, eat, dismiss, blacklist) </a:t>
+            </a:r>
+            <a:r>
+              <a:rPr lang="en-GB" dirty="0"/>
+              <a:t>made by the user in order to make sure places they don’t like don't come up again, and that they don't get the same places </a:t>
+            </a:r>
+            <a:r>
+              <a:rPr lang="en-GB" dirty="0" smtClean="0"/>
+              <a:t>too many times </a:t>
+            </a:r>
+            <a:r>
+              <a:rPr lang="en-GB" dirty="0"/>
+              <a:t>in a few </a:t>
+            </a:r>
+            <a:r>
+              <a:rPr lang="en-GB" dirty="0" smtClean="0"/>
+              <a:t>days.</a:t>
+            </a:r>
+            <a:endParaRPr lang="en-GB" dirty="0"/>
+          </a:p>
+          <a:p>
+            <a:r>
+              <a:rPr lang="en-GB" dirty="0"/>
+              <a:t>Users can </a:t>
+            </a:r>
+            <a:r>
+              <a:rPr lang="en-GB" dirty="0" smtClean="0"/>
+              <a:t>create an account </a:t>
+            </a:r>
+            <a:r>
+              <a:rPr lang="en-GB" dirty="0"/>
+              <a:t>to store preferences and </a:t>
+            </a:r>
+            <a:r>
+              <a:rPr lang="en-GB" dirty="0" smtClean="0"/>
+              <a:t>locations</a:t>
+            </a:r>
+            <a:r>
+              <a:rPr lang="en-GB" dirty="0"/>
+              <a:t>.</a:t>
+            </a:r>
+          </a:p>
+        </p:txBody>
+      </p:sp>
     </p:spTree>
   </p:cSld>
   <p:clrMapOvr>
     <a:masterClrMapping/>
   </p:clrMapOvr>
+  <p:timing>
+    <p:tnLst>
+      <p:par>
+        <p:cTn id="1" dur="indefinite" restart="never" nodeType="tmRoot"/>
+      </p:par>
+    </p:tnLst>
+  </p:timing>
 </p:sld>
 </file>
 
@@ -4862,37 +8526,535 @@
           <a:chExt cx="0" cy="0"/>
         </a:xfrm>
       </p:grpSpPr>
-      <p:pic>
-        <p:nvPicPr>
-          <p:cNvPr id="22530" name="Picture 2" descr="https://cloud.githubusercontent.com/assets/3807889/6130915/7aab9a62-b140-11e4-8f74-39f30d853599.png"/>
-          <p:cNvPicPr>
-            <a:picLocks noChangeAspect="1" noChangeArrowheads="1"/>
-          </p:cNvPicPr>
-          <p:nvPr/>
-        </p:nvPicPr>
-        <p:blipFill>
-          <a:blip r:embed="rId2" cstate="print"/>
-          <a:srcRect/>
-          <a:stretch>
-            <a:fillRect/>
-          </a:stretch>
-        </p:blipFill>
-        <p:spPr bwMode="auto">
+      <p:sp>
+        <p:nvSpPr>
+          <p:cNvPr id="2" name="Title 1"/>
+          <p:cNvSpPr>
+            <a:spLocks noGrp="1"/>
+          </p:cNvSpPr>
+          <p:nvPr>
+            <p:ph type="title"/>
+          </p:nvPr>
+        </p:nvSpPr>
+        <p:spPr>
           <a:xfrm>
-            <a:off x="0" y="0"/>
-            <a:ext cx="9144000" cy="6704339"/>
+            <a:off x="395536" y="188640"/>
+            <a:ext cx="8229600" cy="1143000"/>
           </a:xfrm>
-          <a:prstGeom prst="rect">
-            <a:avLst/>
-          </a:prstGeom>
-          <a:noFill/>
         </p:spPr>
-      </p:pic>
+        <p:txBody>
+          <a:bodyPr/>
+          <a:lstStyle/>
+          <a:p>
+            <a:r>
+              <a:rPr lang="en-GB" dirty="0" smtClean="0"/>
+              <a:t>Specification - </a:t>
+            </a:r>
+            <a:r>
+              <a:rPr lang="en-GB" dirty="0" err="1" smtClean="0"/>
+              <a:t>MoSCoW</a:t>
+            </a:r>
+            <a:endParaRPr lang="en-GB" dirty="0"/>
+          </a:p>
+        </p:txBody>
+      </p:sp>
+      <p:graphicFrame>
+        <p:nvGraphicFramePr>
+          <p:cNvPr id="4" name="Content Placeholder 3"/>
+          <p:cNvGraphicFramePr>
+            <a:graphicFrameLocks noGrp="1"/>
+          </p:cNvGraphicFramePr>
+          <p:nvPr>
+            <p:ph idx="1"/>
+            <p:extLst>
+              <p:ext uri="{D42A27DB-BD31-4B8C-83A1-F6EECF244321}">
+                <p14:modId xmlns:p14="http://schemas.microsoft.com/office/powerpoint/2010/main" val="788016736"/>
+              </p:ext>
+            </p:extLst>
+          </p:nvPr>
+        </p:nvGraphicFramePr>
+        <p:xfrm>
+          <a:off x="179512" y="1139037"/>
+          <a:ext cx="8784976" cy="5660627"/>
+        </p:xfrm>
+        <a:graphic>
+          <a:graphicData uri="http://schemas.openxmlformats.org/drawingml/2006/table">
+            <a:tbl>
+              <a:tblPr firstRow="1" bandRow="1">
+                <a:tableStyleId>{69CF1AB2-1976-4502-BF36-3FF5EA218861}</a:tableStyleId>
+              </a:tblPr>
+              <a:tblGrid>
+                <a:gridCol w="994171"/>
+                <a:gridCol w="7790805"/>
+              </a:tblGrid>
+              <a:tr h="1293381">
+                <a:tc>
+                  <a:txBody>
+                    <a:bodyPr/>
+                    <a:lstStyle/>
+                    <a:p>
+                      <a:r>
+                        <a:rPr lang="en-GB" b="1" dirty="0" smtClean="0"/>
+                        <a:t>Must</a:t>
+                      </a:r>
+                      <a:endParaRPr lang="en-GB" b="1" dirty="0"/>
+                    </a:p>
+                  </a:txBody>
+                  <a:tcPr/>
+                </a:tc>
+                <a:tc>
+                  <a:txBody>
+                    <a:bodyPr/>
+                    <a:lstStyle/>
+                    <a:p>
+                      <a:pPr marL="285750" lvl="0" indent="-285750">
+                        <a:buFont typeface="Arial" panose="020B0604020202020204" pitchFamily="34" charset="0"/>
+                        <a:buChar char="•"/>
+                      </a:pPr>
+                      <a:r>
+                        <a:rPr lang="en-GB" sz="1800" b="0" kern="1200" dirty="0" smtClean="0">
+                          <a:solidFill>
+                            <a:schemeClr val="dk1"/>
+                          </a:solidFill>
+                          <a:effectLst/>
+                          <a:latin typeface="+mn-lt"/>
+                          <a:ea typeface="+mn-ea"/>
+                          <a:cs typeface="+mn-cs"/>
+                        </a:rPr>
+                        <a:t>Personalised food recommendations based on ratings and location of the user</a:t>
+                      </a:r>
+                    </a:p>
+                    <a:p>
+                      <a:pPr marL="285750" lvl="0" indent="-285750">
+                        <a:buFont typeface="Arial" panose="020B0604020202020204" pitchFamily="34" charset="0"/>
+                        <a:buChar char="•"/>
+                      </a:pPr>
+                      <a:r>
+                        <a:rPr lang="en-GB" sz="1800" b="0" kern="1200" dirty="0" smtClean="0">
+                          <a:solidFill>
+                            <a:schemeClr val="dk1"/>
+                          </a:solidFill>
+                          <a:effectLst/>
+                          <a:latin typeface="+mn-lt"/>
+                          <a:ea typeface="+mn-ea"/>
+                          <a:cs typeface="+mn-cs"/>
+                        </a:rPr>
+                        <a:t>Be easy to use, with no unnecessary time wasted (i.e. no need for login)</a:t>
+                      </a:r>
+                    </a:p>
+                    <a:p>
+                      <a:pPr marL="285750" lvl="0" indent="-285750">
+                        <a:buFont typeface="Arial" panose="020B0604020202020204" pitchFamily="34" charset="0"/>
+                        <a:buChar char="•"/>
+                      </a:pPr>
+                      <a:r>
+                        <a:rPr lang="en-GB" sz="1800" b="0" kern="1200" dirty="0" smtClean="0">
+                          <a:solidFill>
+                            <a:schemeClr val="dk1"/>
+                          </a:solidFill>
+                          <a:effectLst/>
+                          <a:latin typeface="+mn-lt"/>
+                          <a:ea typeface="+mn-ea"/>
+                          <a:cs typeface="+mn-cs"/>
+                        </a:rPr>
+                        <a:t>Use a maps API for location, directions and reviews</a:t>
+                      </a:r>
+                    </a:p>
+                    <a:p>
+                      <a:pPr marL="285750" lvl="0" indent="-285750">
+                        <a:buFont typeface="Arial" panose="020B0604020202020204" pitchFamily="34" charset="0"/>
+                        <a:buChar char="•"/>
+                      </a:pPr>
+                      <a:r>
+                        <a:rPr lang="en-GB" sz="1800" b="0" kern="1200" dirty="0" smtClean="0">
+                          <a:solidFill>
+                            <a:schemeClr val="dk1"/>
+                          </a:solidFill>
+                          <a:effectLst/>
+                          <a:latin typeface="+mn-lt"/>
+                          <a:ea typeface="+mn-ea"/>
+                          <a:cs typeface="+mn-cs"/>
+                        </a:rPr>
+                        <a:t>Take location from user if they don’t have an account</a:t>
+                      </a:r>
+                    </a:p>
+                  </a:txBody>
+                  <a:tcPr/>
+                </a:tc>
+              </a:tr>
+              <a:tr h="1929851">
+                <a:tc>
+                  <a:txBody>
+                    <a:bodyPr/>
+                    <a:lstStyle/>
+                    <a:p>
+                      <a:r>
+                        <a:rPr lang="en-GB" b="1" dirty="0" smtClean="0"/>
+                        <a:t>Should</a:t>
+                      </a:r>
+                      <a:endParaRPr lang="en-GB" b="1" dirty="0"/>
+                    </a:p>
+                  </a:txBody>
+                  <a:tcPr/>
+                </a:tc>
+                <a:tc>
+                  <a:txBody>
+                    <a:bodyPr/>
+                    <a:lstStyle/>
+                    <a:p>
+                      <a:pPr marL="285750" lvl="0" indent="-285750">
+                        <a:buFont typeface="Arial" panose="020B0604020202020204" pitchFamily="34" charset="0"/>
+                        <a:buChar char="•"/>
+                      </a:pPr>
+                      <a:r>
+                        <a:rPr lang="en-GB" sz="1800" kern="1200" dirty="0" smtClean="0">
+                          <a:solidFill>
+                            <a:schemeClr val="dk1"/>
+                          </a:solidFill>
+                          <a:effectLst/>
+                          <a:latin typeface="+mn-lt"/>
+                          <a:ea typeface="+mn-ea"/>
+                          <a:cs typeface="+mn-cs"/>
+                        </a:rPr>
+                        <a:t>Store suggestions made</a:t>
+                      </a:r>
+                    </a:p>
+                    <a:p>
+                      <a:pPr marL="285750" lvl="0" indent="-285750">
+                        <a:buFont typeface="Arial" panose="020B0604020202020204" pitchFamily="34" charset="0"/>
+                        <a:buChar char="•"/>
+                      </a:pPr>
+                      <a:r>
+                        <a:rPr lang="en-GB" sz="1800" kern="1200" dirty="0" smtClean="0">
+                          <a:solidFill>
+                            <a:schemeClr val="dk1"/>
+                          </a:solidFill>
+                          <a:effectLst/>
+                          <a:latin typeface="+mn-lt"/>
+                          <a:ea typeface="+mn-ea"/>
+                          <a:cs typeface="+mn-cs"/>
+                        </a:rPr>
+                        <a:t>Stores suggestions made to user and choices made by the user in order to make sure places they don’t like don't come up again, and that they don't get the same places twice in a few days -doing this by thumbs up or down (</a:t>
+                      </a:r>
+                      <a:r>
+                        <a:rPr lang="en-GB" sz="1800" b="1" kern="1200" dirty="0" smtClean="0">
+                          <a:solidFill>
+                            <a:schemeClr val="dk1"/>
+                          </a:solidFill>
+                          <a:effectLst/>
+                          <a:latin typeface="+mn-lt"/>
+                          <a:ea typeface="+mn-ea"/>
+                          <a:cs typeface="+mn-cs"/>
+                        </a:rPr>
+                        <a:t>if user is logged in</a:t>
+                      </a:r>
+                      <a:r>
+                        <a:rPr lang="en-GB" sz="1800" kern="1200" dirty="0" smtClean="0">
+                          <a:solidFill>
+                            <a:schemeClr val="dk1"/>
+                          </a:solidFill>
+                          <a:effectLst/>
+                          <a:latin typeface="+mn-lt"/>
+                          <a:ea typeface="+mn-ea"/>
+                          <a:cs typeface="+mn-cs"/>
+                        </a:rPr>
+                        <a:t>)</a:t>
+                      </a:r>
+                    </a:p>
+                    <a:p>
+                      <a:pPr marL="285750" lvl="0" indent="-285750">
+                        <a:buFont typeface="Arial" panose="020B0604020202020204" pitchFamily="34" charset="0"/>
+                        <a:buChar char="•"/>
+                      </a:pPr>
+                      <a:r>
+                        <a:rPr lang="en-GB" sz="1800" kern="1200" dirty="0" smtClean="0">
+                          <a:solidFill>
+                            <a:schemeClr val="dk1"/>
+                          </a:solidFill>
+                          <a:effectLst/>
+                          <a:latin typeface="+mn-lt"/>
+                          <a:ea typeface="+mn-ea"/>
+                          <a:cs typeface="+mn-cs"/>
+                        </a:rPr>
+                        <a:t>Allow user to ‘blacklist’ and ‘favourite’ vendors (</a:t>
+                      </a:r>
+                      <a:r>
+                        <a:rPr lang="en-GB" sz="1800" b="1" kern="1200" dirty="0" smtClean="0">
+                          <a:solidFill>
+                            <a:schemeClr val="dk1"/>
+                          </a:solidFill>
+                          <a:effectLst/>
+                          <a:latin typeface="+mn-lt"/>
+                          <a:ea typeface="+mn-ea"/>
+                          <a:cs typeface="+mn-cs"/>
+                        </a:rPr>
+                        <a:t>if user is logged in</a:t>
+                      </a:r>
+                      <a:r>
+                        <a:rPr lang="en-GB" sz="1800" kern="1200" dirty="0" smtClean="0">
+                          <a:solidFill>
+                            <a:schemeClr val="dk1"/>
+                          </a:solidFill>
+                          <a:effectLst/>
+                          <a:latin typeface="+mn-lt"/>
+                          <a:ea typeface="+mn-ea"/>
+                          <a:cs typeface="+mn-cs"/>
+                        </a:rPr>
+                        <a:t>)</a:t>
+                      </a:r>
+                    </a:p>
+                  </a:txBody>
+                  <a:tcPr/>
+                </a:tc>
+              </a:tr>
+              <a:tr h="1522995">
+                <a:tc>
+                  <a:txBody>
+                    <a:bodyPr/>
+                    <a:lstStyle/>
+                    <a:p>
+                      <a:r>
+                        <a:rPr lang="en-GB" b="1" dirty="0" smtClean="0"/>
+                        <a:t>Could</a:t>
+                      </a:r>
+                      <a:endParaRPr lang="en-GB" b="1" dirty="0"/>
+                    </a:p>
+                  </a:txBody>
+                  <a:tcPr/>
+                </a:tc>
+                <a:tc>
+                  <a:txBody>
+                    <a:bodyPr/>
+                    <a:lstStyle/>
+                    <a:p>
+                      <a:pPr marL="285750" marR="0" lvl="0" indent="-285750" algn="l" defTabSz="914400" rtl="0" eaLnBrk="1" fontAlgn="auto" latinLnBrk="0" hangingPunct="1">
+                        <a:lnSpc>
+                          <a:spcPct val="100000"/>
+                        </a:lnSpc>
+                        <a:spcBef>
+                          <a:spcPts val="0"/>
+                        </a:spcBef>
+                        <a:spcAft>
+                          <a:spcPts val="0"/>
+                        </a:spcAft>
+                        <a:buClrTx/>
+                        <a:buSzTx/>
+                        <a:buFont typeface="Arial" panose="020B0604020202020204" pitchFamily="34" charset="0"/>
+                        <a:buChar char="•"/>
+                        <a:tabLst/>
+                        <a:defRPr/>
+                      </a:pPr>
+                      <a:r>
+                        <a:rPr lang="en-GB" sz="1800" kern="1200" dirty="0" smtClean="0">
+                          <a:solidFill>
+                            <a:schemeClr val="dk1"/>
+                          </a:solidFill>
+                          <a:effectLst/>
+                          <a:latin typeface="+mn-lt"/>
+                          <a:ea typeface="+mn-ea"/>
+                          <a:cs typeface="+mn-cs"/>
+                        </a:rPr>
+                        <a:t>Take into account what other people have rated</a:t>
+                      </a:r>
+                    </a:p>
+                    <a:p>
+                      <a:pPr marL="285750" lvl="0" indent="-285750">
+                        <a:buFont typeface="Arial" panose="020B0604020202020204" pitchFamily="34" charset="0"/>
+                        <a:buChar char="•"/>
+                      </a:pPr>
+                      <a:r>
+                        <a:rPr lang="en-GB" sz="1800" kern="1200" dirty="0" smtClean="0">
+                          <a:solidFill>
+                            <a:schemeClr val="dk1"/>
+                          </a:solidFill>
+                          <a:effectLst/>
+                          <a:latin typeface="+mn-lt"/>
+                          <a:ea typeface="+mn-ea"/>
+                          <a:cs typeface="+mn-cs"/>
+                        </a:rPr>
+                        <a:t>Price range rating for each vendor</a:t>
+                      </a:r>
+                    </a:p>
+                    <a:p>
+                      <a:pPr marL="285750" lvl="0" indent="-285750">
+                        <a:buFont typeface="Arial" panose="020B0604020202020204" pitchFamily="34" charset="0"/>
+                        <a:buChar char="•"/>
+                      </a:pPr>
+                      <a:r>
+                        <a:rPr lang="en-GB" sz="1800" kern="1200" dirty="0" smtClean="0">
+                          <a:solidFill>
+                            <a:schemeClr val="dk1"/>
+                          </a:solidFill>
+                          <a:effectLst/>
+                          <a:latin typeface="+mn-lt"/>
+                          <a:ea typeface="+mn-ea"/>
+                          <a:cs typeface="+mn-cs"/>
+                        </a:rPr>
+                        <a:t>Ability to view your friends accounts</a:t>
+                      </a:r>
+                    </a:p>
+                    <a:p>
+                      <a:pPr marL="285750" lvl="0" indent="-285750">
+                        <a:buFont typeface="Arial" panose="020B0604020202020204" pitchFamily="34" charset="0"/>
+                        <a:buChar char="•"/>
+                      </a:pPr>
+                      <a:r>
+                        <a:rPr lang="en-GB" sz="1800" kern="1200" dirty="0" smtClean="0">
+                          <a:solidFill>
+                            <a:schemeClr val="dk1"/>
+                          </a:solidFill>
+                          <a:effectLst/>
+                          <a:latin typeface="+mn-lt"/>
+                          <a:ea typeface="+mn-ea"/>
+                          <a:cs typeface="+mn-cs"/>
+                        </a:rPr>
+                        <a:t>Provide links to the vendors menu</a:t>
+                      </a:r>
+                    </a:p>
+                    <a:p>
+                      <a:pPr marL="285750" marR="0" lvl="0" indent="-285750" algn="l" defTabSz="914400" rtl="0" eaLnBrk="1" fontAlgn="auto" latinLnBrk="0" hangingPunct="1">
+                        <a:lnSpc>
+                          <a:spcPct val="100000"/>
+                        </a:lnSpc>
+                        <a:spcBef>
+                          <a:spcPts val="0"/>
+                        </a:spcBef>
+                        <a:spcAft>
+                          <a:spcPts val="0"/>
+                        </a:spcAft>
+                        <a:buClrTx/>
+                        <a:buSzTx/>
+                        <a:buFont typeface="Arial" panose="020B0604020202020204" pitchFamily="34" charset="0"/>
+                        <a:buChar char="•"/>
+                        <a:tabLst/>
+                        <a:defRPr/>
+                      </a:pPr>
+                      <a:r>
+                        <a:rPr lang="en-GB" sz="1800" kern="1200" dirty="0" smtClean="0">
+                          <a:solidFill>
+                            <a:schemeClr val="dk1"/>
+                          </a:solidFill>
+                          <a:effectLst/>
+                          <a:latin typeface="+mn-lt"/>
+                          <a:ea typeface="+mn-ea"/>
+                          <a:cs typeface="+mn-cs"/>
+                        </a:rPr>
+                        <a:t>Social network integration (i.e. Facebook) to share your lunch location</a:t>
+                      </a:r>
+                    </a:p>
+                  </a:txBody>
+                  <a:tcPr/>
+                </a:tc>
+              </a:tr>
+              <a:tr h="597252">
+                <a:tc>
+                  <a:txBody>
+                    <a:bodyPr/>
+                    <a:lstStyle/>
+                    <a:p>
+                      <a:r>
+                        <a:rPr lang="en-GB" b="1" dirty="0" smtClean="0"/>
+                        <a:t>Won’t</a:t>
+                      </a:r>
+                      <a:endParaRPr lang="en-GB" b="1" dirty="0"/>
+                    </a:p>
+                  </a:txBody>
+                  <a:tcPr/>
+                </a:tc>
+                <a:tc>
+                  <a:txBody>
+                    <a:bodyPr/>
+                    <a:lstStyle/>
+                    <a:p>
+                      <a:pPr marL="285750" marR="0" lvl="0" indent="-285750" algn="l" defTabSz="914400" rtl="0" eaLnBrk="1" fontAlgn="auto" latinLnBrk="0" hangingPunct="1">
+                        <a:lnSpc>
+                          <a:spcPct val="100000"/>
+                        </a:lnSpc>
+                        <a:spcBef>
+                          <a:spcPts val="0"/>
+                        </a:spcBef>
+                        <a:spcAft>
+                          <a:spcPts val="0"/>
+                        </a:spcAft>
+                        <a:buClrTx/>
+                        <a:buSzTx/>
+                        <a:buFont typeface="Arial" panose="020B0604020202020204" pitchFamily="34" charset="0"/>
+                        <a:buChar char="•"/>
+                        <a:tabLst/>
+                        <a:defRPr/>
+                      </a:pPr>
+                      <a:r>
+                        <a:rPr lang="en-GB" sz="1800" kern="1200" dirty="0" smtClean="0">
+                          <a:solidFill>
+                            <a:schemeClr val="dk1"/>
+                          </a:solidFill>
+                          <a:effectLst/>
+                          <a:latin typeface="+mn-lt"/>
+                          <a:ea typeface="+mn-ea"/>
+                          <a:cs typeface="+mn-cs"/>
+                        </a:rPr>
+                        <a:t>Place orders for you</a:t>
+                      </a:r>
+                    </a:p>
+                    <a:p>
+                      <a:pPr marL="285750" marR="0" lvl="0" indent="-285750" algn="l" defTabSz="914400" rtl="0" eaLnBrk="1" fontAlgn="auto" latinLnBrk="0" hangingPunct="1">
+                        <a:lnSpc>
+                          <a:spcPct val="100000"/>
+                        </a:lnSpc>
+                        <a:spcBef>
+                          <a:spcPts val="0"/>
+                        </a:spcBef>
+                        <a:spcAft>
+                          <a:spcPts val="0"/>
+                        </a:spcAft>
+                        <a:buClrTx/>
+                        <a:buSzTx/>
+                        <a:buFont typeface="Arial" panose="020B0604020202020204" pitchFamily="34" charset="0"/>
+                        <a:buChar char="•"/>
+                        <a:tabLst/>
+                        <a:defRPr/>
+                      </a:pPr>
+                      <a:r>
+                        <a:rPr lang="en-GB" sz="1800" kern="1200" dirty="0" smtClean="0">
+                          <a:solidFill>
+                            <a:schemeClr val="dk1"/>
+                          </a:solidFill>
+                          <a:effectLst/>
+                          <a:latin typeface="+mn-lt"/>
+                          <a:ea typeface="+mn-ea"/>
+                          <a:cs typeface="+mn-cs"/>
+                        </a:rPr>
+                        <a:t>Retrieve location using GPS or IP</a:t>
+                      </a:r>
+                    </a:p>
+                    <a:p>
+                      <a:endParaRPr lang="en-GB" dirty="0"/>
+                    </a:p>
+                  </a:txBody>
+                  <a:tcPr/>
+                </a:tc>
+              </a:tr>
+            </a:tbl>
+          </a:graphicData>
+        </a:graphic>
+      </p:graphicFrame>
     </p:spTree>
+    <p:extLst>
+      <p:ext uri="{BB962C8B-B14F-4D97-AF65-F5344CB8AC3E}">
+        <p14:creationId xmlns:p14="http://schemas.microsoft.com/office/powerpoint/2010/main" val="109445493"/>
+      </p:ext>
+    </p:extLst>
   </p:cSld>
   <p:clrMapOvr>
     <a:masterClrMapping/>
   </p:clrMapOvr>
+  <p:timing>
+    <p:tnLst>
+      <p:par>
+        <p:cTn id="1" dur="indefinite" restart="never" nodeType="tmRoot"/>
+      </p:par>
+    </p:tnLst>
+  </p:timing>
 </p:sld>
 </file>
 
@@ -4913,37 +9075,444 @@
           <a:chExt cx="0" cy="0"/>
         </a:xfrm>
       </p:grpSpPr>
-      <p:pic>
-        <p:nvPicPr>
-          <p:cNvPr id="23554" name="Picture 2" descr="https://cloud.githubusercontent.com/assets/3807889/6130919/80082084-b140-11e4-928c-14ae25975a0a.png"/>
-          <p:cNvPicPr>
-            <a:picLocks noChangeAspect="1" noChangeArrowheads="1"/>
-          </p:cNvPicPr>
-          <p:nvPr/>
-        </p:nvPicPr>
-        <p:blipFill>
-          <a:blip r:embed="rId2" cstate="print"/>
-          <a:srcRect/>
-          <a:stretch>
-            <a:fillRect/>
-          </a:stretch>
-        </p:blipFill>
-        <p:spPr bwMode="auto">
-          <a:xfrm>
-            <a:off x="34861" y="0"/>
-            <a:ext cx="9109139" cy="6669360"/>
-          </a:xfrm>
-          <a:prstGeom prst="rect">
-            <a:avLst/>
-          </a:prstGeom>
-          <a:noFill/>
-        </p:spPr>
-      </p:pic>
+      <p:sp>
+        <p:nvSpPr>
+          <p:cNvPr id="2" name="Title 1"/>
+          <p:cNvSpPr>
+            <a:spLocks noGrp="1"/>
+          </p:cNvSpPr>
+          <p:nvPr>
+            <p:ph type="title"/>
+          </p:nvPr>
+        </p:nvSpPr>
+        <p:spPr/>
+        <p:txBody>
+          <a:bodyPr/>
+          <a:lstStyle/>
+          <a:p>
+            <a:r>
+              <a:rPr lang="en-GB" dirty="0" smtClean="0"/>
+              <a:t>User Needs Matrix</a:t>
+            </a:r>
+            <a:endParaRPr lang="en-GB" dirty="0"/>
+          </a:p>
+        </p:txBody>
+      </p:sp>
+      <p:graphicFrame>
+        <p:nvGraphicFramePr>
+          <p:cNvPr id="4" name="Content Placeholder 3"/>
+          <p:cNvGraphicFramePr>
+            <a:graphicFrameLocks noGrp="1"/>
+          </p:cNvGraphicFramePr>
+          <p:nvPr>
+            <p:ph idx="1"/>
+            <p:extLst>
+              <p:ext uri="{D42A27DB-BD31-4B8C-83A1-F6EECF244321}">
+                <p14:modId xmlns:p14="http://schemas.microsoft.com/office/powerpoint/2010/main" val="982071959"/>
+              </p:ext>
+            </p:extLst>
+          </p:nvPr>
+        </p:nvGraphicFramePr>
+        <p:xfrm>
+          <a:off x="451692" y="1401078"/>
+          <a:ext cx="8229600" cy="5052259"/>
+        </p:xfrm>
+        <a:graphic>
+          <a:graphicData uri="http://schemas.openxmlformats.org/drawingml/2006/table">
+            <a:tbl>
+              <a:tblPr firstRow="1" bandRow="1">
+                <a:tableStyleId>{5C22544A-7EE6-4342-B048-85BDC9FD1C3A}</a:tableStyleId>
+              </a:tblPr>
+              <a:tblGrid>
+                <a:gridCol w="2458616"/>
+                <a:gridCol w="2880320"/>
+                <a:gridCol w="2890664"/>
+              </a:tblGrid>
+              <a:tr h="878759">
+                <a:tc>
+                  <a:txBody>
+                    <a:bodyPr/>
+                    <a:lstStyle/>
+                    <a:p>
+                      <a:r>
+                        <a:rPr lang="en-GB" dirty="0" smtClean="0"/>
+                        <a:t>Features</a:t>
+                      </a:r>
+                      <a:endParaRPr lang="en-GB" dirty="0"/>
+                    </a:p>
+                  </a:txBody>
+                  <a:tcPr/>
+                </a:tc>
+                <a:tc>
+                  <a:txBody>
+                    <a:bodyPr/>
+                    <a:lstStyle/>
+                    <a:p>
+                      <a:r>
+                        <a:rPr lang="en-GB" dirty="0" smtClean="0"/>
+                        <a:t>Steven Jacobs (quick</a:t>
+                      </a:r>
+                      <a:r>
+                        <a:rPr lang="en-GB" baseline="0" dirty="0" smtClean="0"/>
+                        <a:t>, no login)</a:t>
+                      </a:r>
+                      <a:endParaRPr lang="en-GB" dirty="0"/>
+                    </a:p>
+                  </a:txBody>
+                  <a:tcPr/>
+                </a:tc>
+                <a:tc>
+                  <a:txBody>
+                    <a:bodyPr/>
+                    <a:lstStyle/>
+                    <a:p>
+                      <a:r>
+                        <a:rPr lang="en-GB" dirty="0" smtClean="0"/>
+                        <a:t>Harriet Cole (variety,</a:t>
+                      </a:r>
+                      <a:r>
+                        <a:rPr lang="en-GB" baseline="0" dirty="0" smtClean="0"/>
+                        <a:t> registers)</a:t>
+                      </a:r>
+                      <a:endParaRPr lang="en-GB" dirty="0"/>
+                    </a:p>
+                  </a:txBody>
+                  <a:tcPr/>
+                </a:tc>
+              </a:tr>
+              <a:tr h="509122">
+                <a:tc>
+                  <a:txBody>
+                    <a:bodyPr/>
+                    <a:lstStyle/>
+                    <a:p>
+                      <a:r>
+                        <a:rPr lang="en-GB" dirty="0" smtClean="0"/>
+                        <a:t>Favourites/Blacklist</a:t>
+                      </a:r>
+                      <a:endParaRPr lang="en-GB" dirty="0"/>
+                    </a:p>
+                  </a:txBody>
+                  <a:tcPr/>
+                </a:tc>
+                <a:tc>
+                  <a:txBody>
+                    <a:bodyPr/>
+                    <a:lstStyle/>
+                    <a:p>
+                      <a:r>
+                        <a:rPr lang="en-GB" dirty="0" smtClean="0"/>
+                        <a:t>2</a:t>
+                      </a:r>
+                      <a:endParaRPr lang="en-GB" dirty="0"/>
+                    </a:p>
+                  </a:txBody>
+                  <a:tcPr/>
+                </a:tc>
+                <a:tc>
+                  <a:txBody>
+                    <a:bodyPr/>
+                    <a:lstStyle/>
+                    <a:p>
+                      <a:r>
+                        <a:rPr lang="en-GB" dirty="0" smtClean="0"/>
+                        <a:t>8</a:t>
+                      </a:r>
+                      <a:endParaRPr lang="en-GB" dirty="0"/>
+                    </a:p>
+                  </a:txBody>
+                  <a:tcPr/>
+                </a:tc>
+              </a:tr>
+              <a:tr h="813945">
+                <a:tc>
+                  <a:txBody>
+                    <a:bodyPr/>
+                    <a:lstStyle/>
+                    <a:p>
+                      <a:r>
+                        <a:rPr lang="en-GB" dirty="0" smtClean="0"/>
+                        <a:t>Stores</a:t>
+                      </a:r>
+                      <a:r>
+                        <a:rPr lang="en-GB" baseline="0" dirty="0" smtClean="0"/>
+                        <a:t> suggestions to avoid repeats</a:t>
+                      </a:r>
+                      <a:endParaRPr lang="en-GB" dirty="0"/>
+                    </a:p>
+                  </a:txBody>
+                  <a:tcPr/>
+                </a:tc>
+                <a:tc>
+                  <a:txBody>
+                    <a:bodyPr/>
+                    <a:lstStyle/>
+                    <a:p>
+                      <a:r>
+                        <a:rPr lang="en-GB" dirty="0" smtClean="0"/>
+                        <a:t>3</a:t>
+                      </a:r>
+                      <a:endParaRPr lang="en-GB" dirty="0"/>
+                    </a:p>
+                  </a:txBody>
+                  <a:tcPr/>
+                </a:tc>
+                <a:tc>
+                  <a:txBody>
+                    <a:bodyPr/>
+                    <a:lstStyle/>
+                    <a:p>
+                      <a:r>
+                        <a:rPr lang="en-GB" dirty="0" smtClean="0"/>
+                        <a:t>9</a:t>
+                      </a:r>
+                      <a:endParaRPr lang="en-GB" dirty="0"/>
+                    </a:p>
+                  </a:txBody>
+                  <a:tcPr/>
+                </a:tc>
+              </a:tr>
+              <a:tr h="813945">
+                <a:tc>
+                  <a:txBody>
+                    <a:bodyPr/>
+                    <a:lstStyle/>
+                    <a:p>
+                      <a:r>
+                        <a:rPr lang="en-GB" dirty="0" smtClean="0"/>
+                        <a:t>Remember user’s location</a:t>
+                      </a:r>
+                      <a:endParaRPr lang="en-GB" dirty="0"/>
+                    </a:p>
+                  </a:txBody>
+                  <a:tcPr/>
+                </a:tc>
+                <a:tc>
+                  <a:txBody>
+                    <a:bodyPr/>
+                    <a:lstStyle/>
+                    <a:p>
+                      <a:r>
+                        <a:rPr lang="en-GB" dirty="0" smtClean="0"/>
+                        <a:t>2</a:t>
+                      </a:r>
+                      <a:endParaRPr lang="en-GB" dirty="0"/>
+                    </a:p>
+                  </a:txBody>
+                  <a:tcPr/>
+                </a:tc>
+                <a:tc>
+                  <a:txBody>
+                    <a:bodyPr/>
+                    <a:lstStyle/>
+                    <a:p>
+                      <a:r>
+                        <a:rPr lang="en-GB" dirty="0" smtClean="0"/>
+                        <a:t>9</a:t>
+                      </a:r>
+                      <a:endParaRPr lang="en-GB" dirty="0"/>
+                    </a:p>
+                  </a:txBody>
+                  <a:tcPr/>
+                </a:tc>
+              </a:tr>
+              <a:tr h="509122">
+                <a:tc>
+                  <a:txBody>
+                    <a:bodyPr/>
+                    <a:lstStyle/>
+                    <a:p>
+                      <a:r>
+                        <a:rPr lang="en-GB" dirty="0" smtClean="0"/>
+                        <a:t>Displays price range</a:t>
+                      </a:r>
+                      <a:endParaRPr lang="en-GB" dirty="0"/>
+                    </a:p>
+                  </a:txBody>
+                  <a:tcPr/>
+                </a:tc>
+                <a:tc>
+                  <a:txBody>
+                    <a:bodyPr/>
+                    <a:lstStyle/>
+                    <a:p>
+                      <a:r>
+                        <a:rPr lang="en-GB" dirty="0" smtClean="0"/>
+                        <a:t>8</a:t>
+                      </a:r>
+                      <a:endParaRPr lang="en-GB" dirty="0"/>
+                    </a:p>
+                  </a:txBody>
+                  <a:tcPr/>
+                </a:tc>
+                <a:tc>
+                  <a:txBody>
+                    <a:bodyPr/>
+                    <a:lstStyle/>
+                    <a:p>
+                      <a:r>
+                        <a:rPr lang="en-GB" dirty="0" smtClean="0"/>
+                        <a:t>4</a:t>
+                      </a:r>
+                      <a:endParaRPr lang="en-GB" dirty="0"/>
+                    </a:p>
+                  </a:txBody>
+                  <a:tcPr/>
+                </a:tc>
+              </a:tr>
+              <a:tr h="509122">
+                <a:tc>
+                  <a:txBody>
+                    <a:bodyPr/>
+                    <a:lstStyle/>
+                    <a:p>
+                      <a:r>
+                        <a:rPr lang="en-GB" dirty="0" smtClean="0"/>
+                        <a:t>Provides map to vendor</a:t>
+                      </a:r>
+                      <a:endParaRPr lang="en-GB" dirty="0"/>
+                    </a:p>
+                  </a:txBody>
+                  <a:tcPr/>
+                </a:tc>
+                <a:tc>
+                  <a:txBody>
+                    <a:bodyPr/>
+                    <a:lstStyle/>
+                    <a:p>
+                      <a:r>
+                        <a:rPr lang="en-GB" dirty="0" smtClean="0"/>
+                        <a:t>9</a:t>
+                      </a:r>
+                      <a:endParaRPr lang="en-GB" dirty="0"/>
+                    </a:p>
+                  </a:txBody>
+                  <a:tcPr/>
+                </a:tc>
+                <a:tc>
+                  <a:txBody>
+                    <a:bodyPr/>
+                    <a:lstStyle/>
+                    <a:p>
+                      <a:r>
+                        <a:rPr lang="en-GB" dirty="0" smtClean="0"/>
+                        <a:t>9</a:t>
+                      </a:r>
+                      <a:endParaRPr lang="en-GB" dirty="0"/>
+                    </a:p>
+                  </a:txBody>
+                  <a:tcPr/>
+                </a:tc>
+              </a:tr>
+              <a:tr h="509122">
+                <a:tc>
+                  <a:txBody>
+                    <a:bodyPr/>
+                    <a:lstStyle/>
+                    <a:p>
+                      <a:r>
+                        <a:rPr lang="en-GB" dirty="0" smtClean="0"/>
+                        <a:t>Social media Integration</a:t>
+                      </a:r>
+                      <a:endParaRPr lang="en-GB" dirty="0"/>
+                    </a:p>
+                  </a:txBody>
+                  <a:tcPr/>
+                </a:tc>
+                <a:tc>
+                  <a:txBody>
+                    <a:bodyPr/>
+                    <a:lstStyle/>
+                    <a:p>
+                      <a:r>
+                        <a:rPr lang="en-GB" dirty="0" smtClean="0"/>
+                        <a:t>0</a:t>
+                      </a:r>
+                      <a:endParaRPr lang="en-GB" dirty="0"/>
+                    </a:p>
+                  </a:txBody>
+                  <a:tcPr/>
+                </a:tc>
+                <a:tc>
+                  <a:txBody>
+                    <a:bodyPr/>
+                    <a:lstStyle/>
+                    <a:p>
+                      <a:r>
+                        <a:rPr lang="en-GB" dirty="0" smtClean="0"/>
+                        <a:t>6</a:t>
+                      </a:r>
+                      <a:endParaRPr lang="en-GB" dirty="0"/>
+                    </a:p>
+                  </a:txBody>
+                  <a:tcPr/>
+                </a:tc>
+              </a:tr>
+              <a:tr h="509122">
+                <a:tc>
+                  <a:txBody>
+                    <a:bodyPr/>
+                    <a:lstStyle/>
+                    <a:p>
+                      <a:r>
+                        <a:rPr lang="en-GB" dirty="0" smtClean="0"/>
+                        <a:t>Ability to view friends</a:t>
+                      </a:r>
+                      <a:endParaRPr lang="en-GB" dirty="0"/>
+                    </a:p>
+                  </a:txBody>
+                  <a:tcPr/>
+                </a:tc>
+                <a:tc>
+                  <a:txBody>
+                    <a:bodyPr/>
+                    <a:lstStyle/>
+                    <a:p>
+                      <a:r>
+                        <a:rPr lang="en-GB" dirty="0" smtClean="0"/>
+                        <a:t>0</a:t>
+                      </a:r>
+                      <a:endParaRPr lang="en-GB" dirty="0"/>
+                    </a:p>
+                  </a:txBody>
+                  <a:tcPr/>
+                </a:tc>
+                <a:tc>
+                  <a:txBody>
+                    <a:bodyPr/>
+                    <a:lstStyle/>
+                    <a:p>
+                      <a:r>
+                        <a:rPr lang="en-GB" dirty="0" smtClean="0"/>
+                        <a:t>6</a:t>
+                      </a:r>
+                      <a:endParaRPr lang="en-GB" dirty="0"/>
+                    </a:p>
+                  </a:txBody>
+                  <a:tcPr/>
+                </a:tc>
+              </a:tr>
+            </a:tbl>
+          </a:graphicData>
+        </a:graphic>
+      </p:graphicFrame>
     </p:spTree>
+    <p:extLst>
+      <p:ext uri="{BB962C8B-B14F-4D97-AF65-F5344CB8AC3E}">
+        <p14:creationId xmlns:p14="http://schemas.microsoft.com/office/powerpoint/2010/main" val="3244576211"/>
+      </p:ext>
+    </p:extLst>
   </p:cSld>
   <p:clrMapOvr>
     <a:masterClrMapping/>
   </p:clrMapOvr>
+  <p:timing>
+    <p:tnLst>
+      <p:par>
+        <p:cTn id="1" dur="indefinite" restart="never" nodeType="tmRoot"/>
+      </p:par>
+    </p:tnLst>
+  </p:timing>
 </p:sld>
 </file>
 
